--- a/presentations/slides-116-ccamp-network-inventory-yang.pptx
+++ b/presentations/slides-116-ccamp-network-inventory-yang.pptx
@@ -6,17 +6,19 @@
     <p:sldMasterId id="2147483660" r:id="rId2"/>
   </p:sldMasterIdLst>
   <p:notesMasterIdLst>
-    <p:notesMasterId r:id="rId11"/>
+    <p:notesMasterId r:id="rId13"/>
   </p:notesMasterIdLst>
   <p:sldIdLst>
     <p:sldId id="256" r:id="rId3"/>
     <p:sldId id="265" r:id="rId4"/>
     <p:sldId id="264" r:id="rId5"/>
-    <p:sldId id="266" r:id="rId6"/>
-    <p:sldId id="262" r:id="rId7"/>
-    <p:sldId id="268" r:id="rId8"/>
-    <p:sldId id="267" r:id="rId9"/>
-    <p:sldId id="263" r:id="rId10"/>
+    <p:sldId id="269" r:id="rId6"/>
+    <p:sldId id="266" r:id="rId7"/>
+    <p:sldId id="262" r:id="rId8"/>
+    <p:sldId id="270" r:id="rId9"/>
+    <p:sldId id="268" r:id="rId10"/>
+    <p:sldId id="267" r:id="rId11"/>
+    <p:sldId id="263" r:id="rId12"/>
   </p:sldIdLst>
   <p:sldSz cx="12192000" cy="6858000"/>
   <p:notesSz cx="6858000" cy="9144000"/>
@@ -789,7 +791,7 @@
           <a:p>
             <a:fld id="{6EE3FEC3-1363-4664-B716-87D6C92652B0}" type="slidenum">
               <a:rPr lang="zh-CN" altLang="en-US" smtClean="0"/>
-              <a:t>8</a:t>
+              <a:t>10</a:t>
             </a:fld>
             <a:endParaRPr lang="zh-CN" altLang="en-US"/>
           </a:p>
@@ -7473,6 +7475,94 @@
 </p:sld>
 </file>
 
+<file path=ppt/slides/slide10.xml><?xml version="1.0" encoding="utf-8"?>
+<p:sld xmlns:a="http://schemas.openxmlformats.org/drawingml/2006/main" xmlns:r="http://schemas.openxmlformats.org/officeDocument/2006/relationships" xmlns:p="http://schemas.openxmlformats.org/presentationml/2006/main">
+  <p:cSld>
+    <p:spTree>
+      <p:nvGrpSpPr>
+        <p:cNvPr id="1" name=""/>
+        <p:cNvGrpSpPr/>
+        <p:nvPr/>
+      </p:nvGrpSpPr>
+      <p:grpSpPr>
+        <a:xfrm>
+          <a:off x="0" y="0"/>
+          <a:ext cx="0" cy="0"/>
+          <a:chOff x="0" y="0"/>
+          <a:chExt cx="0" cy="0"/>
+        </a:xfrm>
+      </p:grpSpPr>
+      <p:sp>
+        <p:nvSpPr>
+          <p:cNvPr id="5" name="文本框 4"/>
+          <p:cNvSpPr txBox="1"/>
+          <p:nvPr/>
+        </p:nvSpPr>
+        <p:spPr>
+          <a:xfrm>
+            <a:off x="3200400" y="2514600"/>
+            <a:ext cx="5334000" cy="707886"/>
+          </a:xfrm>
+          <a:prstGeom prst="rect">
+            <a:avLst/>
+          </a:prstGeom>
+          <a:noFill/>
+        </p:spPr>
+        <p:txBody>
+          <a:bodyPr wrap="square" rtlCol="0">
+            <a:spAutoFit/>
+          </a:bodyPr>
+          <a:lstStyle/>
+          <a:p>
+            <a:pPr algn="ctr"/>
+            <a:r>
+              <a:rPr lang="en-US" altLang="zh-CN" sz="4000" dirty="0"/>
+              <a:t>Thank You </a:t>
+            </a:r>
+            <a:r>
+              <a:rPr lang="zh-CN" altLang="en-US" sz="4000" dirty="0"/>
+              <a:t>！</a:t>
+            </a:r>
+          </a:p>
+        </p:txBody>
+      </p:sp>
+      <p:sp>
+        <p:nvSpPr>
+          <p:cNvPr id="6" name="灯片编号占位符 5"/>
+          <p:cNvSpPr>
+            <a:spLocks noGrp="1"/>
+          </p:cNvSpPr>
+          <p:nvPr>
+            <p:ph type="sldNum" sz="quarter" idx="12"/>
+          </p:nvPr>
+        </p:nvSpPr>
+        <p:spPr/>
+        <p:txBody>
+          <a:bodyPr/>
+          <a:lstStyle/>
+          <a:p>
+            <a:fld id="{B6F15528-21DE-4FAA-801E-634DDDAF4B2B}" type="slidenum">
+              <a:rPr lang="en-US" smtClean="0"/>
+              <a:pPr/>
+              <a:t>10</a:t>
+            </a:fld>
+            <a:endParaRPr lang="en-US"/>
+          </a:p>
+        </p:txBody>
+      </p:sp>
+    </p:spTree>
+    <p:extLst>
+      <p:ext uri="{BB962C8B-B14F-4D97-AF65-F5344CB8AC3E}">
+        <p14:creationId xmlns:p14="http://schemas.microsoft.com/office/powerpoint/2010/main" val="3113791428"/>
+      </p:ext>
+    </p:extLst>
+  </p:cSld>
+  <p:clrMapOvr>
+    <a:masterClrMapping/>
+  </p:clrMapOvr>
+</p:sld>
+</file>
+
 <file path=ppt/slides/slide2.xml><?xml version="1.0" encoding="utf-8"?>
 <p:sld xmlns:a="http://schemas.openxmlformats.org/drawingml/2006/main" xmlns:r="http://schemas.openxmlformats.org/officeDocument/2006/relationships" xmlns:p="http://schemas.openxmlformats.org/presentationml/2006/main">
   <p:cSld>
@@ -7531,205 +7621,19 @@
       </p:sp>
       <p:sp>
         <p:nvSpPr>
-          <p:cNvPr id="73" name="TextBox 126"/>
+          <p:cNvPr id="38" name="TextBox 126">
+            <a:extLst>
+              <a:ext uri="{FF2B5EF4-FFF2-40B4-BE49-F238E27FC236}">
+                <a16:creationId xmlns:a16="http://schemas.microsoft.com/office/drawing/2014/main" id="{CBA1964E-ED42-4717-9553-6A7CD93B0A4B}"/>
+              </a:ext>
+            </a:extLst>
+          </p:cNvPr>
           <p:cNvSpPr txBox="1"/>
           <p:nvPr/>
         </p:nvSpPr>
         <p:spPr>
           <a:xfrm>
-            <a:off x="2697845" y="2164798"/>
-            <a:ext cx="1416955" cy="502573"/>
-          </a:xfrm>
-          <a:prstGeom prst="rect">
-            <a:avLst/>
-          </a:prstGeom>
-          <a:noFill/>
-          <a:ln>
-            <a:solidFill>
-              <a:schemeClr val="tx1"/>
-            </a:solidFill>
-          </a:ln>
-        </p:spPr>
-        <p:txBody>
-          <a:bodyPr wrap="square" rtlCol="0">
-            <a:spAutoFit/>
-          </a:bodyPr>
-          <a:lstStyle/>
-          <a:p>
-            <a:pPr marL="0" marR="0" lvl="0" indent="0" algn="ctr" defTabSz="914400" rtl="0" eaLnBrk="1" fontAlgn="auto" latinLnBrk="0" hangingPunct="1">
-              <a:lnSpc>
-                <a:spcPct val="100000"/>
-              </a:lnSpc>
-              <a:spcBef>
-                <a:spcPts val="0"/>
-              </a:spcBef>
-              <a:spcAft>
-                <a:spcPts val="0"/>
-              </a:spcAft>
-              <a:buClrTx/>
-              <a:buSzTx/>
-              <a:buFontTx/>
-              <a:buNone/>
-              <a:tabLst/>
-              <a:defRPr/>
-            </a:pPr>
-            <a:r>
-              <a:rPr kumimoji="0" lang="en-US" altLang="zh-CN" sz="1333" b="1" i="0" u="none" strike="noStrike" kern="1200" cap="none" spc="0" normalizeH="0" baseline="0" noProof="0" dirty="0">
-                <a:ln>
-                  <a:noFill/>
-                </a:ln>
-                <a:solidFill>
-                  <a:prstClr val="black"/>
-                </a:solidFill>
-                <a:effectLst/>
-                <a:uLnTx/>
-                <a:uFillTx/>
-                <a:latin typeface="Calibri"/>
-                <a:ea typeface="宋体" panose="02010600030101010101" pitchFamily="2" charset="-122"/>
-                <a:cs typeface="+mn-cs"/>
-              </a:rPr>
-              <a:t>Service Provisioning OSS</a:t>
-            </a:r>
-            <a:endParaRPr kumimoji="0" lang="zh-CN" altLang="en-US" sz="1333" b="1" i="0" u="none" strike="noStrike" kern="1200" cap="none" spc="0" normalizeH="0" baseline="0" noProof="0" dirty="0">
-              <a:ln>
-                <a:noFill/>
-              </a:ln>
-              <a:solidFill>
-                <a:prstClr val="black"/>
-              </a:solidFill>
-              <a:effectLst/>
-              <a:uLnTx/>
-              <a:uFillTx/>
-              <a:latin typeface="Calibri"/>
-              <a:ea typeface="宋体" panose="02010600030101010101" pitchFamily="2" charset="-122"/>
-              <a:cs typeface="+mn-cs"/>
-            </a:endParaRPr>
-          </a:p>
-        </p:txBody>
-      </p:sp>
-      <p:sp>
-        <p:nvSpPr>
-          <p:cNvPr id="89" name="TextBox 126"/>
-          <p:cNvSpPr txBox="1"/>
-          <p:nvPr/>
-        </p:nvSpPr>
-        <p:spPr>
-          <a:xfrm>
-            <a:off x="533400" y="2164798"/>
-            <a:ext cx="1294182" cy="502573"/>
-          </a:xfrm>
-          <a:prstGeom prst="rect">
-            <a:avLst/>
-          </a:prstGeom>
-          <a:noFill/>
-          <a:ln>
-            <a:solidFill>
-              <a:schemeClr val="tx1"/>
-            </a:solidFill>
-          </a:ln>
-        </p:spPr>
-        <p:txBody>
-          <a:bodyPr wrap="square" rtlCol="0">
-            <a:spAutoFit/>
-          </a:bodyPr>
-          <a:lstStyle/>
-          <a:p>
-            <a:pPr marL="0" marR="0" lvl="0" indent="0" algn="ctr" defTabSz="914400" rtl="0" eaLnBrk="1" fontAlgn="auto" latinLnBrk="0" hangingPunct="1">
-              <a:lnSpc>
-                <a:spcPct val="100000"/>
-              </a:lnSpc>
-              <a:spcBef>
-                <a:spcPts val="0"/>
-              </a:spcBef>
-              <a:spcAft>
-                <a:spcPts val="0"/>
-              </a:spcAft>
-              <a:buClrTx/>
-              <a:buSzTx/>
-              <a:buFontTx/>
-              <a:buNone/>
-              <a:tabLst/>
-              <a:defRPr/>
-            </a:pPr>
-            <a:r>
-              <a:rPr kumimoji="0" lang="en-US" altLang="zh-CN" sz="1333" b="1" i="0" u="none" strike="noStrike" kern="1200" cap="none" spc="0" normalizeH="0" baseline="0" noProof="0" dirty="0">
-                <a:ln>
-                  <a:noFill/>
-                </a:ln>
-                <a:solidFill>
-                  <a:prstClr val="black"/>
-                </a:solidFill>
-                <a:effectLst/>
-                <a:uLnTx/>
-                <a:uFillTx/>
-                <a:latin typeface="Calibri"/>
-                <a:ea typeface="宋体" panose="02010600030101010101" pitchFamily="2" charset="-122"/>
-                <a:cs typeface="+mn-cs"/>
-              </a:rPr>
-              <a:t>Construction </a:t>
-            </a:r>
-          </a:p>
-          <a:p>
-            <a:pPr marL="0" marR="0" lvl="0" indent="0" algn="ctr" defTabSz="914400" rtl="0" eaLnBrk="1" fontAlgn="auto" latinLnBrk="0" hangingPunct="1">
-              <a:lnSpc>
-                <a:spcPct val="100000"/>
-              </a:lnSpc>
-              <a:spcBef>
-                <a:spcPts val="0"/>
-              </a:spcBef>
-              <a:spcAft>
-                <a:spcPts val="0"/>
-              </a:spcAft>
-              <a:buClrTx/>
-              <a:buSzTx/>
-              <a:buFontTx/>
-              <a:buNone/>
-              <a:tabLst/>
-              <a:defRPr/>
-            </a:pPr>
-            <a:r>
-              <a:rPr kumimoji="0" lang="en-US" altLang="zh-CN" sz="1333" b="1" i="0" u="none" strike="noStrike" kern="1200" cap="none" spc="0" normalizeH="0" baseline="0" noProof="0" dirty="0">
-                <a:ln>
-                  <a:noFill/>
-                </a:ln>
-                <a:solidFill>
-                  <a:prstClr val="black"/>
-                </a:solidFill>
-                <a:effectLst/>
-                <a:uLnTx/>
-                <a:uFillTx/>
-                <a:latin typeface="Calibri"/>
-                <a:ea typeface="宋体" panose="02010600030101010101" pitchFamily="2" charset="-122"/>
-                <a:cs typeface="+mn-cs"/>
-              </a:rPr>
-              <a:t>OSS</a:t>
-            </a:r>
-            <a:endParaRPr kumimoji="0" lang="zh-CN" altLang="en-US" sz="1333" b="1" i="0" u="none" strike="noStrike" kern="1200" cap="none" spc="0" normalizeH="0" baseline="0" noProof="0" dirty="0">
-              <a:ln>
-                <a:noFill/>
-              </a:ln>
-              <a:solidFill>
-                <a:prstClr val="black"/>
-              </a:solidFill>
-              <a:effectLst/>
-              <a:uLnTx/>
-              <a:uFillTx/>
-              <a:latin typeface="Calibri"/>
-              <a:ea typeface="宋体" panose="02010600030101010101" pitchFamily="2" charset="-122"/>
-              <a:cs typeface="+mn-cs"/>
-            </a:endParaRPr>
-          </a:p>
-        </p:txBody>
-      </p:sp>
-      <p:sp>
-        <p:nvSpPr>
-          <p:cNvPr id="105" name="TextBox 126"/>
-          <p:cNvSpPr txBox="1"/>
-          <p:nvPr/>
-        </p:nvSpPr>
-        <p:spPr>
-          <a:xfrm>
-            <a:off x="5060363" y="2164798"/>
+            <a:off x="3170276" y="3519636"/>
             <a:ext cx="1512902" cy="502573"/>
           </a:xfrm>
           <a:prstGeom prst="rect">
@@ -7748,222 +7652,30 @@
           </a:bodyPr>
           <a:lstStyle/>
           <a:p>
-            <a:pPr marL="0" marR="0" lvl="0" indent="0" algn="ctr" defTabSz="914400" rtl="0" eaLnBrk="1" fontAlgn="auto" latinLnBrk="0" hangingPunct="1">
-              <a:lnSpc>
-                <a:spcPct val="100000"/>
-              </a:lnSpc>
-              <a:spcBef>
-                <a:spcPts val="0"/>
-              </a:spcBef>
-              <a:spcAft>
-                <a:spcPts val="0"/>
-              </a:spcAft>
-              <a:buClrTx/>
-              <a:buSzTx/>
-              <a:buFontTx/>
-              <a:buNone/>
-              <a:tabLst/>
-              <a:defRPr/>
-            </a:pPr>
-            <a:r>
-              <a:rPr kumimoji="0" lang="en-US" altLang="zh-CN" sz="1333" b="1" i="0" u="none" strike="noStrike" kern="1200" cap="none" spc="0" normalizeH="0" baseline="0" noProof="0" dirty="0">
-                <a:ln>
-                  <a:noFill/>
-                </a:ln>
-                <a:solidFill>
-                  <a:srgbClr val="FF0000"/>
-                </a:solidFill>
-                <a:effectLst/>
-                <a:uLnTx/>
-                <a:uFillTx/>
-                <a:latin typeface="Calibri"/>
-                <a:ea typeface="宋体" panose="02010600030101010101" pitchFamily="2" charset="-122"/>
-                <a:cs typeface="+mn-cs"/>
-              </a:rPr>
+            <a:pPr algn="ctr"/>
+            <a:r>
+              <a:rPr lang="en-US" altLang="zh-CN" sz="1333" b="1" dirty="0"/>
               <a:t>Resource Management OSS</a:t>
             </a:r>
-            <a:endParaRPr kumimoji="0" lang="zh-CN" altLang="en-US" sz="1333" b="1" i="0" u="none" strike="noStrike" kern="1200" cap="none" spc="0" normalizeH="0" baseline="0" noProof="0" dirty="0">
-              <a:ln>
-                <a:noFill/>
-              </a:ln>
-              <a:solidFill>
-                <a:srgbClr val="FF0000"/>
-              </a:solidFill>
-              <a:effectLst/>
-              <a:uLnTx/>
-              <a:uFillTx/>
-              <a:latin typeface="Calibri"/>
-              <a:ea typeface="宋体" panose="02010600030101010101" pitchFamily="2" charset="-122"/>
-              <a:cs typeface="+mn-cs"/>
-            </a:endParaRPr>
-          </a:p>
-        </p:txBody>
-      </p:sp>
-      <p:sp>
-        <p:nvSpPr>
-          <p:cNvPr id="121" name="TextBox 126"/>
+            <a:endParaRPr lang="zh-CN" altLang="en-US" sz="1333" b="1" dirty="0"/>
+          </a:p>
+        </p:txBody>
+      </p:sp>
+      <p:sp>
+        <p:nvSpPr>
+          <p:cNvPr id="39" name="TextBox 126">
+            <a:extLst>
+              <a:ext uri="{FF2B5EF4-FFF2-40B4-BE49-F238E27FC236}">
+                <a16:creationId xmlns:a16="http://schemas.microsoft.com/office/drawing/2014/main" id="{D6F85F9D-8927-48A1-ABB1-E662C78D5294}"/>
+              </a:ext>
+            </a:extLst>
+          </p:cNvPr>
           <p:cNvSpPr txBox="1"/>
           <p:nvPr/>
         </p:nvSpPr>
         <p:spPr>
           <a:xfrm>
-            <a:off x="9264165" y="1363921"/>
-            <a:ext cx="1479058" cy="502573"/>
-          </a:xfrm>
-          <a:prstGeom prst="rect">
-            <a:avLst/>
-          </a:prstGeom>
-          <a:noFill/>
-          <a:ln>
-            <a:solidFill>
-              <a:schemeClr val="tx1"/>
-            </a:solidFill>
-          </a:ln>
-        </p:spPr>
-        <p:txBody>
-          <a:bodyPr wrap="square" rtlCol="0">
-            <a:spAutoFit/>
-          </a:bodyPr>
-          <a:lstStyle/>
-          <a:p>
-            <a:pPr marL="0" marR="0" lvl="0" indent="0" algn="ctr" defTabSz="914400" rtl="0" eaLnBrk="1" fontAlgn="auto" latinLnBrk="0" hangingPunct="1">
-              <a:lnSpc>
-                <a:spcPct val="100000"/>
-              </a:lnSpc>
-              <a:spcBef>
-                <a:spcPts val="0"/>
-              </a:spcBef>
-              <a:spcAft>
-                <a:spcPts val="0"/>
-              </a:spcAft>
-              <a:buClrTx/>
-              <a:buSzTx/>
-              <a:buFontTx/>
-              <a:buNone/>
-              <a:tabLst/>
-              <a:defRPr/>
-            </a:pPr>
-            <a:r>
-              <a:rPr kumimoji="0" lang="en-US" altLang="zh-CN" sz="1333" b="1" i="0" u="none" strike="noStrike" kern="1200" cap="none" spc="0" normalizeH="0" baseline="0" noProof="0" dirty="0">
-                <a:ln>
-                  <a:noFill/>
-                </a:ln>
-                <a:solidFill>
-                  <a:prstClr val="black"/>
-                </a:solidFill>
-                <a:effectLst/>
-                <a:uLnTx/>
-                <a:uFillTx/>
-                <a:latin typeface="Calibri"/>
-                <a:ea typeface="宋体" panose="02010600030101010101" pitchFamily="2" charset="-122"/>
-                <a:cs typeface="+mn-cs"/>
-              </a:rPr>
-              <a:t>Customer  Management OSS</a:t>
-            </a:r>
-            <a:endParaRPr kumimoji="0" lang="zh-CN" altLang="en-US" sz="1333" b="1" i="0" u="none" strike="noStrike" kern="1200" cap="none" spc="0" normalizeH="0" baseline="0" noProof="0" dirty="0">
-              <a:ln>
-                <a:noFill/>
-              </a:ln>
-              <a:solidFill>
-                <a:prstClr val="black"/>
-              </a:solidFill>
-              <a:effectLst/>
-              <a:uLnTx/>
-              <a:uFillTx/>
-              <a:latin typeface="Calibri"/>
-              <a:ea typeface="宋体" panose="02010600030101010101" pitchFamily="2" charset="-122"/>
-              <a:cs typeface="+mn-cs"/>
-            </a:endParaRPr>
-          </a:p>
-        </p:txBody>
-      </p:sp>
-      <p:sp>
-        <p:nvSpPr>
-          <p:cNvPr id="136" name="文本框 135"/>
-          <p:cNvSpPr txBox="1"/>
-          <p:nvPr/>
-        </p:nvSpPr>
-        <p:spPr>
-          <a:xfrm>
-            <a:off x="10719065" y="1123346"/>
-            <a:ext cx="558535" cy="264540"/>
-          </a:xfrm>
-          <a:prstGeom prst="rect">
-            <a:avLst/>
-          </a:prstGeom>
-          <a:noFill/>
-          <a:ln>
-            <a:solidFill>
-              <a:schemeClr val="tx1"/>
-            </a:solidFill>
-          </a:ln>
-        </p:spPr>
-        <p:txBody>
-          <a:bodyPr wrap="square" rtlCol="0">
-            <a:noAutofit/>
-          </a:bodyPr>
-          <a:lstStyle/>
-          <a:p>
-            <a:pPr marL="0" marR="0" lvl="0" indent="0" algn="ctr" defTabSz="914400" rtl="0" eaLnBrk="1" fontAlgn="auto" latinLnBrk="0" hangingPunct="1">
-              <a:lnSpc>
-                <a:spcPct val="100000"/>
-              </a:lnSpc>
-              <a:spcBef>
-                <a:spcPts val="0"/>
-              </a:spcBef>
-              <a:spcAft>
-                <a:spcPts val="0"/>
-              </a:spcAft>
-              <a:buClrTx/>
-              <a:buSzTx/>
-              <a:buFontTx/>
-              <a:buNone/>
-              <a:tabLst/>
-              <a:defRPr/>
-            </a:pPr>
-            <a:r>
-              <a:rPr kumimoji="0" lang="en-US" altLang="zh-CN" sz="1200" b="0" i="0" u="none" strike="noStrike" kern="1200" cap="none" spc="0" normalizeH="0" baseline="0" noProof="0" dirty="0">
-                <a:ln>
-                  <a:noFill/>
-                </a:ln>
-                <a:solidFill>
-                  <a:prstClr val="black"/>
-                </a:solidFill>
-                <a:effectLst/>
-                <a:uLnTx/>
-                <a:uFillTx/>
-                <a:latin typeface="微软雅黑" pitchFamily="34" charset="-122"/>
-                <a:ea typeface="微软雅黑" pitchFamily="34" charset="-122"/>
-                <a:cs typeface="+mn-cs"/>
-              </a:rPr>
-              <a:t>APP</a:t>
-            </a:r>
-            <a:endParaRPr kumimoji="0" lang="zh-CN" altLang="en-US" sz="1200" b="0" i="0" u="none" strike="noStrike" kern="1200" cap="none" spc="0" normalizeH="0" baseline="0" noProof="0" dirty="0">
-              <a:ln>
-                <a:noFill/>
-              </a:ln>
-              <a:solidFill>
-                <a:prstClr val="black"/>
-              </a:solidFill>
-              <a:effectLst/>
-              <a:uLnTx/>
-              <a:uFillTx/>
-              <a:latin typeface="微软雅黑" pitchFamily="34" charset="-122"/>
-              <a:ea typeface="微软雅黑" pitchFamily="34" charset="-122"/>
-              <a:cs typeface="+mn-cs"/>
-            </a:endParaRPr>
-          </a:p>
-        </p:txBody>
-      </p:sp>
-      <p:sp>
-        <p:nvSpPr>
-          <p:cNvPr id="139" name="TextBox 126"/>
-          <p:cNvSpPr txBox="1"/>
-          <p:nvPr/>
-        </p:nvSpPr>
-        <p:spPr>
-          <a:xfrm>
-            <a:off x="2697846" y="3510737"/>
+            <a:off x="3234177" y="4909411"/>
             <a:ext cx="1392556" cy="502573"/>
           </a:xfrm>
           <a:prstGeom prst="rect">
@@ -7982,1394 +7694,38 @@
           </a:bodyPr>
           <a:lstStyle/>
           <a:p>
-            <a:pPr marL="0" marR="0" lvl="0" indent="0" algn="ctr" defTabSz="914400" rtl="0" eaLnBrk="1" fontAlgn="auto" latinLnBrk="0" hangingPunct="1">
-              <a:lnSpc>
-                <a:spcPct val="100000"/>
-              </a:lnSpc>
-              <a:spcBef>
-                <a:spcPts val="0"/>
-              </a:spcBef>
-              <a:spcAft>
-                <a:spcPts val="0"/>
-              </a:spcAft>
-              <a:buClrTx/>
-              <a:buSzTx/>
-              <a:buFontTx/>
-              <a:buNone/>
-              <a:tabLst/>
-              <a:defRPr/>
-            </a:pPr>
-            <a:r>
-              <a:rPr kumimoji="0" lang="en-US" altLang="zh-CN" sz="1333" b="1" i="0" u="none" strike="noStrike" kern="1200" cap="none" spc="0" normalizeH="0" baseline="0" noProof="0" dirty="0">
-                <a:ln>
-                  <a:noFill/>
-                </a:ln>
+            <a:pPr algn="ctr"/>
+            <a:r>
+              <a:rPr lang="en-US" altLang="zh-CN" sz="1333" b="1" dirty="0">
                 <a:solidFill>
                   <a:prstClr val="black"/>
                 </a:solidFill>
-                <a:effectLst/>
-                <a:uLnTx/>
-                <a:uFillTx/>
-                <a:latin typeface="Calibri"/>
-                <a:ea typeface="宋体" panose="02010600030101010101" pitchFamily="2" charset="-122"/>
-                <a:cs typeface="+mn-cs"/>
               </a:rPr>
               <a:t>Network Controller</a:t>
             </a:r>
-            <a:endParaRPr kumimoji="0" lang="zh-CN" altLang="en-US" sz="1333" b="1" i="0" u="none" strike="noStrike" kern="1200" cap="none" spc="0" normalizeH="0" baseline="0" noProof="0" dirty="0">
-              <a:ln>
-                <a:noFill/>
-              </a:ln>
+            <a:endParaRPr lang="zh-CN" altLang="en-US" sz="1333" b="1" dirty="0">
               <a:solidFill>
                 <a:prstClr val="black"/>
               </a:solidFill>
-              <a:effectLst/>
-              <a:uLnTx/>
-              <a:uFillTx/>
-              <a:latin typeface="Calibri"/>
-              <a:ea typeface="宋体" panose="02010600030101010101" pitchFamily="2" charset="-122"/>
-              <a:cs typeface="+mn-cs"/>
             </a:endParaRPr>
-          </a:p>
-        </p:txBody>
-      </p:sp>
-      <p:sp>
-        <p:nvSpPr>
-          <p:cNvPr id="155" name="TextBox 126"/>
-          <p:cNvSpPr txBox="1"/>
-          <p:nvPr/>
-        </p:nvSpPr>
-        <p:spPr>
-          <a:xfrm>
-            <a:off x="8112907" y="2164798"/>
-            <a:ext cx="1287577" cy="502573"/>
-          </a:xfrm>
-          <a:prstGeom prst="rect">
-            <a:avLst/>
-          </a:prstGeom>
-          <a:noFill/>
-          <a:ln>
-            <a:solidFill>
-              <a:schemeClr val="tx1"/>
-            </a:solidFill>
-          </a:ln>
-        </p:spPr>
-        <p:txBody>
-          <a:bodyPr wrap="square" rtlCol="0">
-            <a:spAutoFit/>
-          </a:bodyPr>
-          <a:lstStyle/>
-          <a:p>
-            <a:pPr marL="0" marR="0" lvl="0" indent="0" algn="ctr" defTabSz="914400" rtl="0" eaLnBrk="1" fontAlgn="auto" latinLnBrk="0" hangingPunct="1">
-              <a:lnSpc>
-                <a:spcPct val="100000"/>
-              </a:lnSpc>
-              <a:spcBef>
-                <a:spcPts val="0"/>
-              </a:spcBef>
-              <a:spcAft>
-                <a:spcPts val="0"/>
-              </a:spcAft>
-              <a:buClrTx/>
-              <a:buSzTx/>
-              <a:buFontTx/>
-              <a:buNone/>
-              <a:tabLst/>
-              <a:defRPr/>
-            </a:pPr>
-            <a:r>
-              <a:rPr kumimoji="0" lang="en-US" altLang="zh-CN" sz="1333" b="1" i="0" u="none" strike="noStrike" kern="1200" cap="none" spc="0" normalizeH="0" baseline="0" noProof="0" dirty="0">
-                <a:ln>
-                  <a:noFill/>
-                </a:ln>
-                <a:solidFill>
-                  <a:prstClr val="black"/>
-                </a:solidFill>
-                <a:effectLst/>
-                <a:uLnTx/>
-                <a:uFillTx/>
-                <a:latin typeface="Calibri"/>
-                <a:ea typeface="宋体" panose="02010600030101010101" pitchFamily="2" charset="-122"/>
-                <a:cs typeface="+mn-cs"/>
-              </a:rPr>
-              <a:t>Alarm/PM  Monitoring OSS</a:t>
-            </a:r>
-            <a:endParaRPr kumimoji="0" lang="zh-CN" altLang="en-US" sz="1333" b="1" i="0" u="none" strike="noStrike" kern="1200" cap="none" spc="0" normalizeH="0" baseline="0" noProof="0" dirty="0">
-              <a:ln>
-                <a:noFill/>
-              </a:ln>
-              <a:solidFill>
-                <a:prstClr val="black"/>
-              </a:solidFill>
-              <a:effectLst/>
-              <a:uLnTx/>
-              <a:uFillTx/>
-              <a:latin typeface="Calibri"/>
-              <a:ea typeface="宋体" panose="02010600030101010101" pitchFamily="2" charset="-122"/>
-              <a:cs typeface="+mn-cs"/>
-            </a:endParaRPr>
-          </a:p>
-        </p:txBody>
-      </p:sp>
-      <p:sp>
-        <p:nvSpPr>
-          <p:cNvPr id="179" name="矩形 178"/>
-          <p:cNvSpPr/>
-          <p:nvPr/>
-        </p:nvSpPr>
-        <p:spPr>
-          <a:xfrm>
-            <a:off x="2599993" y="2889680"/>
-            <a:ext cx="1499553" cy="430887"/>
-          </a:xfrm>
-          <a:prstGeom prst="rect">
-            <a:avLst/>
-          </a:prstGeom>
-        </p:spPr>
-        <p:txBody>
-          <a:bodyPr wrap="square" lIns="36008" rIns="36008">
-            <a:spAutoFit/>
-          </a:bodyPr>
-          <a:lstStyle/>
-          <a:p>
-            <a:pPr marL="0" marR="0" lvl="0" indent="0" algn="ctr" defTabSz="914400" rtl="0" eaLnBrk="1" fontAlgn="auto" latinLnBrk="0" hangingPunct="1">
-              <a:lnSpc>
-                <a:spcPct val="100000"/>
-              </a:lnSpc>
-              <a:spcBef>
-                <a:spcPts val="0"/>
-              </a:spcBef>
-              <a:spcAft>
-                <a:spcPts val="0"/>
-              </a:spcAft>
-              <a:buClrTx/>
-              <a:buSzTx/>
-              <a:buFontTx/>
-              <a:buNone/>
-              <a:tabLst/>
-              <a:defRPr/>
-            </a:pPr>
-            <a:r>
-              <a:rPr kumimoji="0" lang="en-US" altLang="zh-CN" sz="1100" b="0" i="0" u="none" strike="noStrike" kern="1200" cap="none" spc="0" normalizeH="0" baseline="0" noProof="0" dirty="0">
-                <a:ln>
-                  <a:noFill/>
-                </a:ln>
-                <a:solidFill>
-                  <a:prstClr val="black"/>
-                </a:solidFill>
-                <a:effectLst/>
-                <a:uLnTx/>
-                <a:uFillTx/>
-                <a:latin typeface="Calibri"/>
-                <a:ea typeface="宋体" panose="02010600030101010101" pitchFamily="2" charset="-122"/>
-                <a:cs typeface="+mn-cs"/>
-              </a:rPr>
-              <a:t>Service Provisioning: RESTCONF</a:t>
-            </a:r>
-            <a:endParaRPr kumimoji="0" lang="zh-CN" altLang="zh-CN" sz="1100" b="0" i="0" u="none" strike="noStrike" kern="1200" cap="none" spc="0" normalizeH="0" baseline="0" noProof="0" dirty="0">
-              <a:ln>
-                <a:noFill/>
-              </a:ln>
-              <a:solidFill>
-                <a:prstClr val="black"/>
-              </a:solidFill>
-              <a:effectLst/>
-              <a:uLnTx/>
-              <a:uFillTx/>
-              <a:latin typeface="Calibri"/>
-              <a:ea typeface="宋体" panose="02010600030101010101" pitchFamily="2" charset="-122"/>
-              <a:cs typeface="+mn-cs"/>
-            </a:endParaRPr>
-          </a:p>
-        </p:txBody>
-      </p:sp>
-      <p:sp>
-        <p:nvSpPr>
-          <p:cNvPr id="180" name="矩形 178"/>
-          <p:cNvSpPr/>
-          <p:nvPr/>
-        </p:nvSpPr>
-        <p:spPr>
-          <a:xfrm>
-            <a:off x="5139800" y="2853912"/>
-            <a:ext cx="1413400" cy="430887"/>
-          </a:xfrm>
-          <a:prstGeom prst="rect">
-            <a:avLst/>
-          </a:prstGeom>
-        </p:spPr>
-        <p:txBody>
-          <a:bodyPr wrap="square" lIns="36008" rIns="36008">
-            <a:spAutoFit/>
-          </a:bodyPr>
-          <a:lstStyle/>
-          <a:p>
-            <a:pPr marL="0" marR="0" lvl="0" indent="0" algn="ctr" defTabSz="914400" rtl="0" eaLnBrk="1" fontAlgn="auto" latinLnBrk="0" hangingPunct="1">
-              <a:lnSpc>
-                <a:spcPct val="100000"/>
-              </a:lnSpc>
-              <a:spcBef>
-                <a:spcPts val="0"/>
-              </a:spcBef>
-              <a:spcAft>
-                <a:spcPts val="0"/>
-              </a:spcAft>
-              <a:buClrTx/>
-              <a:buSzTx/>
-              <a:buFontTx/>
-              <a:buNone/>
-              <a:tabLst/>
-              <a:defRPr/>
-            </a:pPr>
-            <a:r>
-              <a:rPr kumimoji="0" lang="en-US" altLang="zh-CN" sz="1100" b="0" i="0" u="none" strike="noStrike" kern="1200" cap="none" spc="0" normalizeH="0" baseline="0" noProof="0" dirty="0">
-                <a:ln>
-                  <a:noFill/>
-                </a:ln>
-                <a:solidFill>
-                  <a:prstClr val="black"/>
-                </a:solidFill>
-                <a:effectLst/>
-                <a:uLnTx/>
-                <a:uFillTx/>
-                <a:latin typeface="Calibri"/>
-                <a:ea typeface="宋体" panose="02010600030101010101" pitchFamily="2" charset="-122"/>
-                <a:cs typeface="+mn-cs"/>
-              </a:rPr>
-              <a:t>Inventory:</a:t>
-            </a:r>
-          </a:p>
-          <a:p>
-            <a:pPr marL="0" marR="0" lvl="0" indent="0" algn="ctr" defTabSz="914400" rtl="0" eaLnBrk="1" fontAlgn="auto" latinLnBrk="0" hangingPunct="1">
-              <a:lnSpc>
-                <a:spcPct val="100000"/>
-              </a:lnSpc>
-              <a:spcBef>
-                <a:spcPts val="0"/>
-              </a:spcBef>
-              <a:spcAft>
-                <a:spcPts val="0"/>
-              </a:spcAft>
-              <a:buClrTx/>
-              <a:buSzTx/>
-              <a:buFontTx/>
-              <a:buNone/>
-              <a:tabLst/>
-              <a:defRPr/>
-            </a:pPr>
-            <a:r>
-              <a:rPr kumimoji="0" lang="en-US" altLang="zh-CN" sz="1100" b="0" i="0" u="none" strike="noStrike" kern="1200" cap="none" spc="0" normalizeH="0" baseline="0" noProof="0" dirty="0" err="1">
-                <a:ln>
-                  <a:noFill/>
-                </a:ln>
-                <a:solidFill>
-                  <a:prstClr val="black"/>
-                </a:solidFill>
-                <a:effectLst/>
-                <a:uLnTx/>
-                <a:uFillTx/>
-                <a:latin typeface="Calibri"/>
-                <a:ea typeface="宋体" panose="02010600030101010101" pitchFamily="2" charset="-122"/>
-                <a:cs typeface="+mn-cs"/>
-              </a:rPr>
-              <a:t>Corba</a:t>
-            </a:r>
-            <a:r>
-              <a:rPr kumimoji="0" lang="en-US" altLang="zh-CN" sz="1100" b="0" i="0" u="none" strike="noStrike" kern="1200" cap="none" spc="0" normalizeH="0" baseline="0" noProof="0" dirty="0">
-                <a:ln>
-                  <a:noFill/>
-                </a:ln>
-                <a:solidFill>
-                  <a:prstClr val="black"/>
-                </a:solidFill>
-                <a:effectLst/>
-                <a:uLnTx/>
-                <a:uFillTx/>
-                <a:latin typeface="Calibri"/>
-                <a:ea typeface="宋体" panose="02010600030101010101" pitchFamily="2" charset="-122"/>
-                <a:cs typeface="+mn-cs"/>
-              </a:rPr>
-              <a:t>/XML/</a:t>
-            </a:r>
-            <a:r>
-              <a:rPr kumimoji="0" lang="en-US" altLang="zh-CN" sz="1100" b="0" i="0" u="none" strike="noStrike" kern="1200" cap="none" spc="0" normalizeH="0" baseline="0" noProof="0" dirty="0">
-                <a:ln>
-                  <a:noFill/>
-                </a:ln>
-                <a:solidFill>
-                  <a:srgbClr val="FF0000"/>
-                </a:solidFill>
-                <a:effectLst/>
-                <a:uLnTx/>
-                <a:uFillTx/>
-                <a:latin typeface="Calibri"/>
-                <a:ea typeface="宋体" panose="02010600030101010101" pitchFamily="2" charset="-122"/>
-                <a:cs typeface="+mn-cs"/>
-              </a:rPr>
-              <a:t>RESTCONF</a:t>
-            </a:r>
-            <a:endParaRPr kumimoji="0" lang="zh-CN" altLang="zh-CN" sz="1100" b="0" i="0" u="none" strike="noStrike" kern="1200" cap="none" spc="0" normalizeH="0" baseline="0" noProof="0" dirty="0">
-              <a:ln>
-                <a:noFill/>
-              </a:ln>
-              <a:solidFill>
-                <a:srgbClr val="FF0000"/>
-              </a:solidFill>
-              <a:effectLst/>
-              <a:uLnTx/>
-              <a:uFillTx/>
-              <a:latin typeface="Calibri"/>
-              <a:ea typeface="宋体" panose="02010600030101010101" pitchFamily="2" charset="-122"/>
-              <a:cs typeface="+mn-cs"/>
-            </a:endParaRPr>
-          </a:p>
-        </p:txBody>
-      </p:sp>
-      <p:sp>
-        <p:nvSpPr>
-          <p:cNvPr id="181" name="矩形 178"/>
-          <p:cNvSpPr/>
-          <p:nvPr/>
-        </p:nvSpPr>
-        <p:spPr>
-          <a:xfrm>
-            <a:off x="7760208" y="3006823"/>
-            <a:ext cx="1264918" cy="430887"/>
-          </a:xfrm>
-          <a:prstGeom prst="rect">
-            <a:avLst/>
-          </a:prstGeom>
-        </p:spPr>
-        <p:txBody>
-          <a:bodyPr wrap="square" lIns="36008" rIns="36008">
-            <a:spAutoFit/>
-          </a:bodyPr>
-          <a:lstStyle/>
-          <a:p>
-            <a:pPr marL="0" marR="0" lvl="0" indent="0" algn="ctr" defTabSz="914400" rtl="0" eaLnBrk="1" fontAlgn="auto" latinLnBrk="0" hangingPunct="1">
-              <a:lnSpc>
-                <a:spcPct val="100000"/>
-              </a:lnSpc>
-              <a:spcBef>
-                <a:spcPts val="0"/>
-              </a:spcBef>
-              <a:spcAft>
-                <a:spcPts val="0"/>
-              </a:spcAft>
-              <a:buClrTx/>
-              <a:buSzTx/>
-              <a:buFontTx/>
-              <a:buNone/>
-              <a:tabLst/>
-              <a:defRPr/>
-            </a:pPr>
-            <a:r>
-              <a:rPr kumimoji="0" lang="en-US" altLang="zh-CN" sz="1100" b="0" i="0" u="none" strike="noStrike" kern="1200" cap="none" spc="0" normalizeH="0" baseline="0" noProof="0" dirty="0">
-                <a:ln>
-                  <a:noFill/>
-                </a:ln>
-                <a:solidFill>
-                  <a:prstClr val="black"/>
-                </a:solidFill>
-                <a:effectLst/>
-                <a:uLnTx/>
-                <a:uFillTx/>
-                <a:latin typeface="Calibri"/>
-                <a:ea typeface="宋体" panose="02010600030101010101" pitchFamily="2" charset="-122"/>
-                <a:cs typeface="+mn-cs"/>
-              </a:rPr>
-              <a:t>Alarm &amp; PM:</a:t>
-            </a:r>
-          </a:p>
-          <a:p>
-            <a:pPr marL="0" marR="0" lvl="0" indent="0" algn="ctr" defTabSz="914400" rtl="0" eaLnBrk="1" fontAlgn="auto" latinLnBrk="0" hangingPunct="1">
-              <a:lnSpc>
-                <a:spcPct val="100000"/>
-              </a:lnSpc>
-              <a:spcBef>
-                <a:spcPts val="0"/>
-              </a:spcBef>
-              <a:spcAft>
-                <a:spcPts val="0"/>
-              </a:spcAft>
-              <a:buClrTx/>
-              <a:buSzTx/>
-              <a:buFontTx/>
-              <a:buNone/>
-              <a:tabLst/>
-              <a:defRPr/>
-            </a:pPr>
-            <a:r>
-              <a:rPr kumimoji="0" lang="en-US" altLang="zh-CN" sz="1100" b="0" i="0" u="none" strike="noStrike" kern="1200" cap="none" spc="0" normalizeH="0" baseline="0" noProof="0" dirty="0">
-                <a:ln>
-                  <a:noFill/>
-                </a:ln>
-                <a:solidFill>
-                  <a:prstClr val="black"/>
-                </a:solidFill>
-                <a:effectLst/>
-                <a:uLnTx/>
-                <a:uFillTx/>
-                <a:latin typeface="Calibri"/>
-                <a:ea typeface="宋体" panose="02010600030101010101" pitchFamily="2" charset="-122"/>
-                <a:cs typeface="+mn-cs"/>
-              </a:rPr>
-              <a:t>XML/TXT/RESTCONF</a:t>
-            </a:r>
-          </a:p>
-        </p:txBody>
-      </p:sp>
-      <p:sp>
-        <p:nvSpPr>
-          <p:cNvPr id="186" name="矩形 178"/>
-          <p:cNvSpPr/>
-          <p:nvPr/>
-        </p:nvSpPr>
-        <p:spPr>
-          <a:xfrm>
-            <a:off x="2950384" y="1714242"/>
-            <a:ext cx="986178" cy="260623"/>
-          </a:xfrm>
-          <a:prstGeom prst="rect">
-            <a:avLst/>
-          </a:prstGeom>
-        </p:spPr>
-        <p:txBody>
-          <a:bodyPr wrap="square" lIns="36008" rIns="36008">
-            <a:spAutoFit/>
-          </a:bodyPr>
-          <a:lstStyle/>
-          <a:p>
-            <a:pPr marL="0" marR="0" lvl="0" indent="0" algn="l" defTabSz="914400" rtl="0" eaLnBrk="1" fontAlgn="auto" latinLnBrk="0" hangingPunct="1">
-              <a:lnSpc>
-                <a:spcPct val="100000"/>
-              </a:lnSpc>
-              <a:spcBef>
-                <a:spcPts val="0"/>
-              </a:spcBef>
-              <a:spcAft>
-                <a:spcPts val="0"/>
-              </a:spcAft>
-              <a:buClrTx/>
-              <a:buSzTx/>
-              <a:buFontTx/>
-              <a:buNone/>
-              <a:tabLst/>
-              <a:defRPr/>
-            </a:pPr>
-            <a:r>
-              <a:rPr kumimoji="0" lang="en-US" altLang="zh-CN" sz="1100" b="0" i="0" u="none" strike="noStrike" kern="1200" cap="none" spc="0" normalizeH="0" baseline="0" noProof="0" dirty="0">
-                <a:ln>
-                  <a:noFill/>
-                </a:ln>
-                <a:solidFill>
-                  <a:prstClr val="black"/>
-                </a:solidFill>
-                <a:effectLst/>
-                <a:uLnTx/>
-                <a:uFillTx/>
-                <a:latin typeface="Calibri"/>
-                <a:ea typeface="宋体" panose="02010600030101010101" pitchFamily="2" charset="-122"/>
-                <a:cs typeface="+mn-cs"/>
-              </a:rPr>
-              <a:t>Service Order</a:t>
-            </a:r>
-          </a:p>
-        </p:txBody>
-      </p:sp>
-      <p:sp>
-        <p:nvSpPr>
-          <p:cNvPr id="187" name="矩形 178"/>
-          <p:cNvSpPr/>
-          <p:nvPr/>
-        </p:nvSpPr>
-        <p:spPr>
-          <a:xfrm>
-            <a:off x="1847738" y="2199241"/>
-            <a:ext cx="889507" cy="430887"/>
-          </a:xfrm>
-          <a:prstGeom prst="rect">
-            <a:avLst/>
-          </a:prstGeom>
-        </p:spPr>
-        <p:txBody>
-          <a:bodyPr wrap="square" lIns="36008" rIns="36008">
-            <a:spAutoFit/>
-          </a:bodyPr>
-          <a:lstStyle/>
-          <a:p>
-            <a:pPr marL="0" marR="0" lvl="0" indent="0" algn="ctr" defTabSz="914400" rtl="0" eaLnBrk="1" fontAlgn="auto" latinLnBrk="0" hangingPunct="1">
-              <a:lnSpc>
-                <a:spcPct val="100000"/>
-              </a:lnSpc>
-              <a:spcBef>
-                <a:spcPts val="0"/>
-              </a:spcBef>
-              <a:spcAft>
-                <a:spcPts val="0"/>
-              </a:spcAft>
-              <a:buClrTx/>
-              <a:buSzTx/>
-              <a:buFontTx/>
-              <a:buNone/>
-              <a:tabLst/>
-              <a:defRPr/>
-            </a:pPr>
-            <a:r>
-              <a:rPr kumimoji="0" lang="en-US" altLang="zh-CN" sz="1100" b="0" i="0" u="none" strike="noStrike" kern="1200" cap="none" spc="0" normalizeH="0" baseline="0" noProof="0" dirty="0">
-                <a:ln>
-                  <a:noFill/>
-                </a:ln>
-                <a:solidFill>
-                  <a:prstClr val="black"/>
-                </a:solidFill>
-                <a:effectLst/>
-                <a:uLnTx/>
-                <a:uFillTx/>
-                <a:latin typeface="Calibri"/>
-                <a:ea typeface="宋体" panose="02010600030101010101" pitchFamily="2" charset="-122"/>
-                <a:cs typeface="+mn-cs"/>
-              </a:rPr>
-              <a:t>Construction order</a:t>
-            </a:r>
-          </a:p>
-        </p:txBody>
-      </p:sp>
-      <p:cxnSp>
-        <p:nvCxnSpPr>
-          <p:cNvPr id="7" name="直接箭头连接符 6"/>
-          <p:cNvCxnSpPr>
-            <a:endCxn id="139" idx="0"/>
-          </p:cNvCxnSpPr>
-          <p:nvPr/>
-        </p:nvCxnSpPr>
-        <p:spPr>
-          <a:xfrm>
-            <a:off x="3391086" y="2691906"/>
-            <a:ext cx="3038" cy="818831"/>
-          </a:xfrm>
-          <a:prstGeom prst="straightConnector1">
-            <a:avLst/>
-          </a:prstGeom>
-          <a:ln>
-            <a:tailEnd type="triangle"/>
-          </a:ln>
-        </p:spPr>
-        <p:style>
-          <a:lnRef idx="1">
-            <a:schemeClr val="accent1"/>
-          </a:lnRef>
-          <a:fillRef idx="0">
-            <a:schemeClr val="accent1"/>
-          </a:fillRef>
-          <a:effectRef idx="0">
-            <a:schemeClr val="accent1"/>
-          </a:effectRef>
-          <a:fontRef idx="minor">
-            <a:schemeClr val="tx1"/>
-          </a:fontRef>
-        </p:style>
-      </p:cxnSp>
-      <p:sp>
-        <p:nvSpPr>
-          <p:cNvPr id="201" name="TextBox 126"/>
-          <p:cNvSpPr txBox="1"/>
-          <p:nvPr/>
-        </p:nvSpPr>
-        <p:spPr>
-          <a:xfrm>
-            <a:off x="2900242" y="1201621"/>
-            <a:ext cx="1012162" cy="296331"/>
-          </a:xfrm>
-          <a:prstGeom prst="rect">
-            <a:avLst/>
-          </a:prstGeom>
-          <a:noFill/>
-          <a:ln>
-            <a:solidFill>
-              <a:schemeClr val="tx1"/>
-            </a:solidFill>
-          </a:ln>
-        </p:spPr>
-        <p:txBody>
-          <a:bodyPr wrap="square" rtlCol="0">
-            <a:spAutoFit/>
-          </a:bodyPr>
-          <a:lstStyle/>
-          <a:p>
-            <a:pPr marL="0" marR="0" lvl="0" indent="0" algn="ctr" defTabSz="914400" rtl="0" eaLnBrk="1" fontAlgn="auto" latinLnBrk="0" hangingPunct="1">
-              <a:lnSpc>
-                <a:spcPct val="100000"/>
-              </a:lnSpc>
-              <a:spcBef>
-                <a:spcPts val="0"/>
-              </a:spcBef>
-              <a:spcAft>
-                <a:spcPts val="0"/>
-              </a:spcAft>
-              <a:buClrTx/>
-              <a:buSzTx/>
-              <a:buFontTx/>
-              <a:buNone/>
-              <a:tabLst/>
-              <a:defRPr/>
-            </a:pPr>
-            <a:r>
-              <a:rPr kumimoji="0" lang="en-US" altLang="zh-CN" sz="1333" b="1" i="0" u="none" strike="noStrike" kern="1200" cap="none" spc="0" normalizeH="0" baseline="0" noProof="0" dirty="0">
-                <a:ln>
-                  <a:noFill/>
-                </a:ln>
-                <a:solidFill>
-                  <a:prstClr val="black"/>
-                </a:solidFill>
-                <a:effectLst/>
-                <a:uLnTx/>
-                <a:uFillTx/>
-                <a:latin typeface="Calibri"/>
-                <a:ea typeface="宋体" panose="02010600030101010101" pitchFamily="2" charset="-122"/>
-                <a:cs typeface="+mn-cs"/>
-              </a:rPr>
-              <a:t>BSS</a:t>
-            </a:r>
-            <a:endParaRPr kumimoji="0" lang="zh-CN" altLang="en-US" sz="1333" b="1" i="0" u="none" strike="noStrike" kern="1200" cap="none" spc="0" normalizeH="0" baseline="0" noProof="0" dirty="0">
-              <a:ln>
-                <a:noFill/>
-              </a:ln>
-              <a:solidFill>
-                <a:prstClr val="black"/>
-              </a:solidFill>
-              <a:effectLst/>
-              <a:uLnTx/>
-              <a:uFillTx/>
-              <a:latin typeface="Calibri"/>
-              <a:ea typeface="宋体" panose="02010600030101010101" pitchFamily="2" charset="-122"/>
-              <a:cs typeface="+mn-cs"/>
-            </a:endParaRPr>
-          </a:p>
-        </p:txBody>
-      </p:sp>
-      <p:sp>
-        <p:nvSpPr>
-          <p:cNvPr id="202" name="矩形 178"/>
-          <p:cNvSpPr/>
-          <p:nvPr/>
-        </p:nvSpPr>
-        <p:spPr>
-          <a:xfrm>
-            <a:off x="4225633" y="2199241"/>
-            <a:ext cx="665693" cy="430887"/>
-          </a:xfrm>
-          <a:prstGeom prst="rect">
-            <a:avLst/>
-          </a:prstGeom>
-        </p:spPr>
-        <p:txBody>
-          <a:bodyPr wrap="square" lIns="36008" rIns="36008">
-            <a:spAutoFit/>
-          </a:bodyPr>
-          <a:lstStyle/>
-          <a:p>
-            <a:pPr marL="0" marR="0" lvl="0" indent="0" algn="ctr" defTabSz="914400" rtl="0" eaLnBrk="1" fontAlgn="auto" latinLnBrk="0" hangingPunct="1">
-              <a:lnSpc>
-                <a:spcPct val="100000"/>
-              </a:lnSpc>
-              <a:spcBef>
-                <a:spcPts val="0"/>
-              </a:spcBef>
-              <a:spcAft>
-                <a:spcPts val="0"/>
-              </a:spcAft>
-              <a:buClrTx/>
-              <a:buSzTx/>
-              <a:buFontTx/>
-              <a:buNone/>
-              <a:tabLst/>
-              <a:defRPr/>
-            </a:pPr>
-            <a:r>
-              <a:rPr kumimoji="0" lang="en-US" altLang="zh-CN" sz="1100" b="0" i="0" u="none" strike="noStrike" kern="1200" cap="none" spc="0" normalizeH="0" baseline="0" noProof="0" dirty="0">
-                <a:ln>
-                  <a:noFill/>
-                </a:ln>
-                <a:solidFill>
-                  <a:prstClr val="black"/>
-                </a:solidFill>
-                <a:effectLst/>
-                <a:uLnTx/>
-                <a:uFillTx/>
-                <a:latin typeface="Calibri"/>
-                <a:ea typeface="宋体" panose="02010600030101010101" pitchFamily="2" charset="-122"/>
-                <a:cs typeface="+mn-cs"/>
-              </a:rPr>
-              <a:t>Resource Validation</a:t>
-            </a:r>
-          </a:p>
-        </p:txBody>
-      </p:sp>
-      <p:cxnSp>
-        <p:nvCxnSpPr>
-          <p:cNvPr id="204" name="直接箭头连接符 203"/>
-          <p:cNvCxnSpPr/>
-          <p:nvPr/>
-        </p:nvCxnSpPr>
-        <p:spPr>
-          <a:xfrm>
-            <a:off x="4056598" y="2416082"/>
-            <a:ext cx="1003765" cy="0"/>
-          </a:xfrm>
-          <a:prstGeom prst="straightConnector1">
-            <a:avLst/>
-          </a:prstGeom>
-          <a:ln>
-            <a:tailEnd type="triangle"/>
-          </a:ln>
-        </p:spPr>
-        <p:style>
-          <a:lnRef idx="1">
-            <a:schemeClr val="accent1"/>
-          </a:lnRef>
-          <a:fillRef idx="0">
-            <a:schemeClr val="accent1"/>
-          </a:fillRef>
-          <a:effectRef idx="0">
-            <a:schemeClr val="accent1"/>
-          </a:effectRef>
-          <a:fontRef idx="minor">
-            <a:schemeClr val="tx1"/>
-          </a:fontRef>
-        </p:style>
-      </p:cxnSp>
-      <p:cxnSp>
-        <p:nvCxnSpPr>
-          <p:cNvPr id="211" name="直接箭头连接符 210"/>
-          <p:cNvCxnSpPr>
-            <a:stCxn id="201" idx="2"/>
-            <a:endCxn id="73" idx="0"/>
-          </p:cNvCxnSpPr>
-          <p:nvPr/>
-        </p:nvCxnSpPr>
-        <p:spPr>
-          <a:xfrm>
-            <a:off x="3406323" y="1497952"/>
-            <a:ext cx="0" cy="666846"/>
-          </a:xfrm>
-          <a:prstGeom prst="straightConnector1">
-            <a:avLst/>
-          </a:prstGeom>
-          <a:ln>
-            <a:tailEnd type="triangle"/>
-          </a:ln>
-        </p:spPr>
-        <p:style>
-          <a:lnRef idx="1">
-            <a:schemeClr val="accent1"/>
-          </a:lnRef>
-          <a:fillRef idx="0">
-            <a:schemeClr val="accent1"/>
-          </a:fillRef>
-          <a:effectRef idx="0">
-            <a:schemeClr val="accent1"/>
-          </a:effectRef>
-          <a:fontRef idx="minor">
-            <a:schemeClr val="tx1"/>
-          </a:fontRef>
-        </p:style>
-      </p:cxnSp>
-      <p:cxnSp>
-        <p:nvCxnSpPr>
-          <p:cNvPr id="213" name="直接箭头连接符 212"/>
-          <p:cNvCxnSpPr/>
-          <p:nvPr/>
-        </p:nvCxnSpPr>
-        <p:spPr>
-          <a:xfrm flipH="1">
-            <a:off x="6565319" y="2563960"/>
-            <a:ext cx="1547588" cy="9946"/>
-          </a:xfrm>
-          <a:prstGeom prst="straightConnector1">
-            <a:avLst/>
-          </a:prstGeom>
-          <a:ln>
-            <a:tailEnd type="triangle"/>
-          </a:ln>
-        </p:spPr>
-        <p:style>
-          <a:lnRef idx="1">
-            <a:schemeClr val="accent1"/>
-          </a:lnRef>
-          <a:fillRef idx="0">
-            <a:schemeClr val="accent1"/>
-          </a:fillRef>
-          <a:effectRef idx="0">
-            <a:schemeClr val="accent1"/>
-          </a:effectRef>
-          <a:fontRef idx="minor">
-            <a:schemeClr val="tx1"/>
-          </a:fontRef>
-        </p:style>
-      </p:cxnSp>
-      <p:cxnSp>
-        <p:nvCxnSpPr>
-          <p:cNvPr id="260" name="直接箭头连接符 259"/>
-          <p:cNvCxnSpPr>
-            <a:stCxn id="273" idx="2"/>
-            <a:endCxn id="105" idx="0"/>
-          </p:cNvCxnSpPr>
-          <p:nvPr/>
-        </p:nvCxnSpPr>
-        <p:spPr>
-          <a:xfrm>
-            <a:off x="5796749" y="1498513"/>
-            <a:ext cx="20065" cy="666285"/>
-          </a:xfrm>
-          <a:prstGeom prst="straightConnector1">
-            <a:avLst/>
-          </a:prstGeom>
-          <a:ln>
-            <a:tailEnd type="triangle"/>
-          </a:ln>
-        </p:spPr>
-        <p:style>
-          <a:lnRef idx="1">
-            <a:schemeClr val="accent1"/>
-          </a:lnRef>
-          <a:fillRef idx="0">
-            <a:schemeClr val="accent1"/>
-          </a:fillRef>
-          <a:effectRef idx="0">
-            <a:schemeClr val="accent1"/>
-          </a:effectRef>
-          <a:fontRef idx="minor">
-            <a:schemeClr val="tx1"/>
-          </a:fontRef>
-        </p:style>
-      </p:cxnSp>
-      <p:sp>
-        <p:nvSpPr>
-          <p:cNvPr id="261" name="矩形 178"/>
-          <p:cNvSpPr/>
-          <p:nvPr/>
-        </p:nvSpPr>
-        <p:spPr>
-          <a:xfrm>
-            <a:off x="5231376" y="1677906"/>
-            <a:ext cx="1170874" cy="260623"/>
-          </a:xfrm>
-          <a:prstGeom prst="rect">
-            <a:avLst/>
-          </a:prstGeom>
-        </p:spPr>
-        <p:txBody>
-          <a:bodyPr wrap="square" lIns="36008" rIns="36008">
-            <a:spAutoFit/>
-          </a:bodyPr>
-          <a:lstStyle/>
-          <a:p>
-            <a:pPr marL="0" marR="0" lvl="0" indent="0" algn="l" defTabSz="914400" rtl="0" eaLnBrk="1" fontAlgn="auto" latinLnBrk="0" hangingPunct="1">
-              <a:lnSpc>
-                <a:spcPct val="100000"/>
-              </a:lnSpc>
-              <a:spcBef>
-                <a:spcPts val="0"/>
-              </a:spcBef>
-              <a:spcAft>
-                <a:spcPts val="0"/>
-              </a:spcAft>
-              <a:buClrTx/>
-              <a:buSzTx/>
-              <a:buFontTx/>
-              <a:buNone/>
-              <a:tabLst/>
-              <a:defRPr/>
-            </a:pPr>
-            <a:r>
-              <a:rPr kumimoji="0" lang="en-US" altLang="zh-CN" sz="1100" b="0" i="0" u="none" strike="noStrike" kern="1200" cap="none" spc="0" normalizeH="0" baseline="0" noProof="0" dirty="0">
-                <a:ln>
-                  <a:noFill/>
-                </a:ln>
-                <a:solidFill>
-                  <a:prstClr val="black"/>
-                </a:solidFill>
-                <a:effectLst/>
-                <a:uLnTx/>
-                <a:uFillTx/>
-                <a:latin typeface="Calibri"/>
-                <a:ea typeface="宋体" panose="02010600030101010101" pitchFamily="2" charset="-122"/>
-                <a:cs typeface="+mn-cs"/>
-              </a:rPr>
-              <a:t>Resource Retrieval</a:t>
-            </a:r>
-          </a:p>
-        </p:txBody>
-      </p:sp>
-      <p:cxnSp>
-        <p:nvCxnSpPr>
-          <p:cNvPr id="267" name="肘形连接符 266"/>
-          <p:cNvCxnSpPr>
-            <a:endCxn id="105" idx="2"/>
-          </p:cNvCxnSpPr>
-          <p:nvPr/>
-        </p:nvCxnSpPr>
-        <p:spPr>
-          <a:xfrm flipV="1">
-            <a:off x="4148648" y="2667371"/>
-            <a:ext cx="1668166" cy="1044731"/>
-          </a:xfrm>
-          <a:prstGeom prst="bentConnector2">
-            <a:avLst/>
-          </a:prstGeom>
-          <a:ln>
-            <a:tailEnd type="triangle"/>
-          </a:ln>
-        </p:spPr>
-        <p:style>
-          <a:lnRef idx="1">
-            <a:schemeClr val="accent1"/>
-          </a:lnRef>
-          <a:fillRef idx="0">
-            <a:schemeClr val="accent1"/>
-          </a:fillRef>
-          <a:effectRef idx="0">
-            <a:schemeClr val="accent1"/>
-          </a:effectRef>
-          <a:fontRef idx="minor">
-            <a:schemeClr val="tx1"/>
-          </a:fontRef>
-        </p:style>
-      </p:cxnSp>
-      <p:cxnSp>
-        <p:nvCxnSpPr>
-          <p:cNvPr id="269" name="肘形连接符 268"/>
-          <p:cNvCxnSpPr>
-            <a:endCxn id="155" idx="2"/>
-          </p:cNvCxnSpPr>
-          <p:nvPr/>
-        </p:nvCxnSpPr>
-        <p:spPr>
-          <a:xfrm flipV="1">
-            <a:off x="4117676" y="2667371"/>
-            <a:ext cx="4639020" cy="1152448"/>
-          </a:xfrm>
-          <a:prstGeom prst="bentConnector2">
-            <a:avLst/>
-          </a:prstGeom>
-          <a:ln>
-            <a:tailEnd type="triangle"/>
-          </a:ln>
-        </p:spPr>
-        <p:style>
-          <a:lnRef idx="1">
-            <a:schemeClr val="accent1"/>
-          </a:lnRef>
-          <a:fillRef idx="0">
-            <a:schemeClr val="accent1"/>
-          </a:fillRef>
-          <a:effectRef idx="0">
-            <a:schemeClr val="accent1"/>
-          </a:effectRef>
-          <a:fontRef idx="minor">
-            <a:schemeClr val="tx1"/>
-          </a:fontRef>
-        </p:style>
-      </p:cxnSp>
-      <p:sp>
-        <p:nvSpPr>
-          <p:cNvPr id="272" name="矩形 271"/>
-          <p:cNvSpPr/>
-          <p:nvPr/>
-        </p:nvSpPr>
-        <p:spPr>
-          <a:xfrm>
-            <a:off x="9603159" y="3048184"/>
-            <a:ext cx="1604842" cy="430887"/>
-          </a:xfrm>
-          <a:prstGeom prst="rect">
-            <a:avLst/>
-          </a:prstGeom>
-        </p:spPr>
-        <p:txBody>
-          <a:bodyPr wrap="square" lIns="36008" rIns="36008">
-            <a:spAutoFit/>
-          </a:bodyPr>
-          <a:lstStyle/>
-          <a:p>
-            <a:pPr marL="0" marR="0" lvl="0" indent="0" algn="ctr" defTabSz="914400" rtl="0" eaLnBrk="1" fontAlgn="auto" latinLnBrk="0" hangingPunct="1">
-              <a:lnSpc>
-                <a:spcPct val="100000"/>
-              </a:lnSpc>
-              <a:spcBef>
-                <a:spcPts val="0"/>
-              </a:spcBef>
-              <a:spcAft>
-                <a:spcPts val="0"/>
-              </a:spcAft>
-              <a:buClrTx/>
-              <a:buSzTx/>
-              <a:buFontTx/>
-              <a:buNone/>
-              <a:tabLst/>
-              <a:defRPr/>
-            </a:pPr>
-            <a:r>
-              <a:rPr kumimoji="0" lang="en-US" altLang="zh-CN" sz="1100" b="0" i="0" u="none" strike="noStrike" kern="1200" cap="none" spc="0" normalizeH="0" baseline="0" noProof="0" dirty="0">
-                <a:ln>
-                  <a:noFill/>
-                </a:ln>
-                <a:solidFill>
-                  <a:prstClr val="black"/>
-                </a:solidFill>
-                <a:effectLst/>
-                <a:uLnTx/>
-                <a:uFillTx/>
-                <a:latin typeface="Calibri"/>
-                <a:ea typeface="宋体" panose="02010600030101010101" pitchFamily="2" charset="-122"/>
-                <a:cs typeface="+mn-cs"/>
-              </a:rPr>
-              <a:t>Service Retrieval &amp; Update:</a:t>
-            </a:r>
-          </a:p>
-          <a:p>
-            <a:pPr marL="0" marR="0" lvl="0" indent="0" algn="ctr" defTabSz="914400" rtl="0" eaLnBrk="1" fontAlgn="auto" latinLnBrk="0" hangingPunct="1">
-              <a:lnSpc>
-                <a:spcPct val="100000"/>
-              </a:lnSpc>
-              <a:spcBef>
-                <a:spcPts val="0"/>
-              </a:spcBef>
-              <a:spcAft>
-                <a:spcPts val="0"/>
-              </a:spcAft>
-              <a:buClrTx/>
-              <a:buSzTx/>
-              <a:buFontTx/>
-              <a:buNone/>
-              <a:tabLst/>
-              <a:defRPr/>
-            </a:pPr>
-            <a:r>
-              <a:rPr kumimoji="0" lang="en-US" altLang="zh-CN" sz="1100" b="0" i="0" u="none" strike="noStrike" kern="1200" cap="none" spc="0" normalizeH="0" baseline="0" noProof="0" dirty="0">
-                <a:ln>
-                  <a:noFill/>
-                </a:ln>
-                <a:solidFill>
-                  <a:prstClr val="black"/>
-                </a:solidFill>
-                <a:effectLst/>
-                <a:uLnTx/>
-                <a:uFillTx/>
-                <a:latin typeface="Calibri"/>
-                <a:ea typeface="宋体" panose="02010600030101010101" pitchFamily="2" charset="-122"/>
-                <a:cs typeface="+mn-cs"/>
-              </a:rPr>
-              <a:t>RESTCONF &amp; Notification</a:t>
-            </a:r>
-            <a:endParaRPr kumimoji="0" lang="zh-CN" altLang="zh-CN" sz="1100" b="0" i="0" u="none" strike="noStrike" kern="1200" cap="none" spc="0" normalizeH="0" baseline="0" noProof="0" dirty="0">
-              <a:ln>
-                <a:noFill/>
-              </a:ln>
-              <a:solidFill>
-                <a:prstClr val="black"/>
-              </a:solidFill>
-              <a:effectLst/>
-              <a:uLnTx/>
-              <a:uFillTx/>
-              <a:latin typeface="Calibri"/>
-              <a:ea typeface="宋体" panose="02010600030101010101" pitchFamily="2" charset="-122"/>
-              <a:cs typeface="+mn-cs"/>
-            </a:endParaRPr>
-          </a:p>
-        </p:txBody>
-      </p:sp>
-      <p:sp>
-        <p:nvSpPr>
-          <p:cNvPr id="273" name="TextBox 126"/>
-          <p:cNvSpPr txBox="1"/>
-          <p:nvPr/>
-        </p:nvSpPr>
-        <p:spPr>
-          <a:xfrm>
-            <a:off x="5040298" y="1201059"/>
-            <a:ext cx="1512902" cy="297454"/>
-          </a:xfrm>
-          <a:prstGeom prst="rect">
-            <a:avLst/>
-          </a:prstGeom>
-          <a:noFill/>
-          <a:ln>
-            <a:solidFill>
-              <a:schemeClr val="tx1"/>
-            </a:solidFill>
-          </a:ln>
-        </p:spPr>
-        <p:txBody>
-          <a:bodyPr wrap="square" rtlCol="0">
-            <a:spAutoFit/>
-          </a:bodyPr>
-          <a:lstStyle/>
-          <a:p>
-            <a:pPr marL="0" marR="0" lvl="0" indent="0" algn="ctr" defTabSz="914400" rtl="0" eaLnBrk="1" fontAlgn="auto" latinLnBrk="0" hangingPunct="1">
-              <a:lnSpc>
-                <a:spcPct val="100000"/>
-              </a:lnSpc>
-              <a:spcBef>
-                <a:spcPts val="0"/>
-              </a:spcBef>
-              <a:spcAft>
-                <a:spcPts val="0"/>
-              </a:spcAft>
-              <a:buClrTx/>
-              <a:buSzTx/>
-              <a:buFontTx/>
-              <a:buNone/>
-              <a:tabLst/>
-              <a:defRPr/>
-            </a:pPr>
-            <a:r>
-              <a:rPr kumimoji="0" lang="en-US" altLang="zh-CN" sz="1333" b="1" i="0" u="none" strike="noStrike" kern="1200" cap="none" spc="0" normalizeH="0" baseline="0" noProof="0" dirty="0">
-                <a:ln>
-                  <a:noFill/>
-                </a:ln>
-                <a:solidFill>
-                  <a:prstClr val="black"/>
-                </a:solidFill>
-                <a:effectLst/>
-                <a:uLnTx/>
-                <a:uFillTx/>
-                <a:latin typeface="Calibri"/>
-                <a:ea typeface="宋体" panose="02010600030101010101" pitchFamily="2" charset="-122"/>
-                <a:cs typeface="+mn-cs"/>
-              </a:rPr>
-              <a:t>Planning OSS</a:t>
-            </a:r>
-            <a:endParaRPr kumimoji="0" lang="zh-CN" altLang="en-US" sz="1333" b="1" i="0" u="none" strike="noStrike" kern="1200" cap="none" spc="0" normalizeH="0" baseline="0" noProof="0" dirty="0">
-              <a:ln>
-                <a:noFill/>
-              </a:ln>
-              <a:solidFill>
-                <a:prstClr val="black"/>
-              </a:solidFill>
-              <a:effectLst/>
-              <a:uLnTx/>
-              <a:uFillTx/>
-              <a:latin typeface="Calibri"/>
-              <a:ea typeface="宋体" panose="02010600030101010101" pitchFamily="2" charset="-122"/>
-              <a:cs typeface="+mn-cs"/>
-            </a:endParaRPr>
-          </a:p>
-        </p:txBody>
-      </p:sp>
-      <p:cxnSp>
-        <p:nvCxnSpPr>
-          <p:cNvPr id="275" name="肘形连接符 274"/>
-          <p:cNvCxnSpPr>
-            <a:stCxn id="121" idx="1"/>
-            <a:endCxn id="105" idx="3"/>
-          </p:cNvCxnSpPr>
-          <p:nvPr/>
-        </p:nvCxnSpPr>
-        <p:spPr>
-          <a:xfrm rot="10800000" flipV="1">
-            <a:off x="6573265" y="1615207"/>
-            <a:ext cx="2690900" cy="800877"/>
-          </a:xfrm>
-          <a:prstGeom prst="bentConnector3">
-            <a:avLst>
-              <a:gd name="adj1" fmla="val 62087"/>
-            </a:avLst>
-          </a:prstGeom>
-          <a:ln>
-            <a:tailEnd type="triangle"/>
-          </a:ln>
-        </p:spPr>
-        <p:style>
-          <a:lnRef idx="1">
-            <a:schemeClr val="accent1"/>
-          </a:lnRef>
-          <a:fillRef idx="0">
-            <a:schemeClr val="accent1"/>
-          </a:fillRef>
-          <a:effectRef idx="0">
-            <a:schemeClr val="accent1"/>
-          </a:effectRef>
-          <a:fontRef idx="minor">
-            <a:schemeClr val="tx1"/>
-          </a:fontRef>
-        </p:style>
-      </p:cxnSp>
-      <p:cxnSp>
-        <p:nvCxnSpPr>
-          <p:cNvPr id="281" name="肘形连接符 280"/>
-          <p:cNvCxnSpPr>
-            <a:stCxn id="121" idx="0"/>
-          </p:cNvCxnSpPr>
-          <p:nvPr/>
-        </p:nvCxnSpPr>
-        <p:spPr>
-          <a:xfrm rot="5400000" flipH="1" flipV="1">
-            <a:off x="10297162" y="942019"/>
-            <a:ext cx="128435" cy="715371"/>
-          </a:xfrm>
-          <a:prstGeom prst="bentConnector2">
-            <a:avLst/>
-          </a:prstGeom>
-          <a:ln>
-            <a:tailEnd type="triangle"/>
-          </a:ln>
-        </p:spPr>
-        <p:style>
-          <a:lnRef idx="1">
-            <a:schemeClr val="accent1"/>
-          </a:lnRef>
-          <a:fillRef idx="0">
-            <a:schemeClr val="accent1"/>
-          </a:fillRef>
-          <a:effectRef idx="0">
-            <a:schemeClr val="accent1"/>
-          </a:effectRef>
-          <a:fontRef idx="minor">
-            <a:schemeClr val="tx1"/>
-          </a:fontRef>
-        </p:style>
-      </p:cxnSp>
-      <p:cxnSp>
-        <p:nvCxnSpPr>
-          <p:cNvPr id="283" name="直接箭头连接符 282"/>
-          <p:cNvCxnSpPr>
-            <a:stCxn id="73" idx="1"/>
-            <a:endCxn id="89" idx="3"/>
-          </p:cNvCxnSpPr>
-          <p:nvPr/>
-        </p:nvCxnSpPr>
-        <p:spPr>
-          <a:xfrm flipH="1">
-            <a:off x="1827582" y="2416085"/>
-            <a:ext cx="870263" cy="0"/>
-          </a:xfrm>
-          <a:prstGeom prst="straightConnector1">
-            <a:avLst/>
-          </a:prstGeom>
-          <a:ln>
-            <a:tailEnd type="triangle"/>
-          </a:ln>
-        </p:spPr>
-        <p:style>
-          <a:lnRef idx="1">
-            <a:schemeClr val="accent1"/>
-          </a:lnRef>
-          <a:fillRef idx="0">
-            <a:schemeClr val="accent1"/>
-          </a:fillRef>
-          <a:effectRef idx="0">
-            <a:schemeClr val="accent1"/>
-          </a:effectRef>
-          <a:fontRef idx="minor">
-            <a:schemeClr val="tx1"/>
-          </a:fontRef>
-        </p:style>
-      </p:cxnSp>
-      <p:cxnSp>
-        <p:nvCxnSpPr>
-          <p:cNvPr id="288" name="肘形连接符 287"/>
-          <p:cNvCxnSpPr>
-            <a:endCxn id="121" idx="2"/>
-          </p:cNvCxnSpPr>
-          <p:nvPr/>
-        </p:nvCxnSpPr>
-        <p:spPr>
-          <a:xfrm flipV="1">
-            <a:off x="4093278" y="1866494"/>
-            <a:ext cx="5910416" cy="2046791"/>
-          </a:xfrm>
-          <a:prstGeom prst="bentConnector2">
-            <a:avLst/>
-          </a:prstGeom>
-          <a:ln>
-            <a:headEnd type="triangle"/>
-            <a:tailEnd type="triangle"/>
-          </a:ln>
-        </p:spPr>
-        <p:style>
-          <a:lnRef idx="1">
-            <a:schemeClr val="accent1"/>
-          </a:lnRef>
-          <a:fillRef idx="0">
-            <a:schemeClr val="accent1"/>
-          </a:fillRef>
-          <a:effectRef idx="0">
-            <a:schemeClr val="accent1"/>
-          </a:effectRef>
-          <a:fontRef idx="minor">
-            <a:schemeClr val="tx1"/>
-          </a:fontRef>
-        </p:style>
-      </p:cxnSp>
-      <p:sp>
-        <p:nvSpPr>
-          <p:cNvPr id="292" name="矩形 178"/>
-          <p:cNvSpPr/>
-          <p:nvPr/>
-        </p:nvSpPr>
-        <p:spPr>
-          <a:xfrm>
-            <a:off x="6810476" y="2201151"/>
-            <a:ext cx="665693" cy="430887"/>
-          </a:xfrm>
-          <a:prstGeom prst="rect">
-            <a:avLst/>
-          </a:prstGeom>
-        </p:spPr>
-        <p:txBody>
-          <a:bodyPr wrap="square" lIns="36008" rIns="36008">
-            <a:spAutoFit/>
-          </a:bodyPr>
-          <a:lstStyle/>
-          <a:p>
-            <a:pPr marL="0" marR="0" lvl="0" indent="0" algn="ctr" defTabSz="914400" rtl="0" eaLnBrk="1" fontAlgn="auto" latinLnBrk="0" hangingPunct="1">
-              <a:lnSpc>
-                <a:spcPct val="100000"/>
-              </a:lnSpc>
-              <a:spcBef>
-                <a:spcPts val="0"/>
-              </a:spcBef>
-              <a:spcAft>
-                <a:spcPts val="0"/>
-              </a:spcAft>
-              <a:buClrTx/>
-              <a:buSzTx/>
-              <a:buFontTx/>
-              <a:buNone/>
-              <a:tabLst/>
-              <a:defRPr/>
-            </a:pPr>
-            <a:r>
-              <a:rPr kumimoji="0" lang="en-US" altLang="zh-CN" sz="1100" b="0" i="0" u="none" strike="noStrike" kern="1200" cap="none" spc="0" normalizeH="0" baseline="0" noProof="0" dirty="0">
-                <a:ln>
-                  <a:noFill/>
-                </a:ln>
-                <a:solidFill>
-                  <a:prstClr val="black"/>
-                </a:solidFill>
-                <a:effectLst/>
-                <a:uLnTx/>
-                <a:uFillTx/>
-                <a:latin typeface="Calibri"/>
-                <a:ea typeface="宋体" panose="02010600030101010101" pitchFamily="2" charset="-122"/>
-                <a:cs typeface="+mn-cs"/>
-              </a:rPr>
-              <a:t>Resource Mapping</a:t>
-            </a:r>
           </a:p>
         </p:txBody>
       </p:sp>
       <p:grpSp>
         <p:nvGrpSpPr>
-          <p:cNvPr id="315" name="组合 146"/>
+          <p:cNvPr id="40" name="组合 146">
+            <a:extLst>
+              <a:ext uri="{FF2B5EF4-FFF2-40B4-BE49-F238E27FC236}">
+                <a16:creationId xmlns:a16="http://schemas.microsoft.com/office/drawing/2014/main" id="{11E5F9B4-05EA-47D1-B550-C2F19449F7A0}"/>
+              </a:ext>
+            </a:extLst>
+          </p:cNvPr>
           <p:cNvGrpSpPr/>
           <p:nvPr/>
         </p:nvGrpSpPr>
         <p:grpSpPr>
           <a:xfrm>
-            <a:off x="2018933" y="4262713"/>
+            <a:off x="2555264" y="5661387"/>
             <a:ext cx="2989813" cy="835759"/>
             <a:chOff x="942426" y="3980546"/>
             <a:chExt cx="1086718" cy="1174771"/>
@@ -9377,7 +7733,13 @@
         </p:grpSpPr>
         <p:sp>
           <p:nvSpPr>
-            <p:cNvPr id="316" name="Freeform 157"/>
+            <p:cNvPr id="41" name="Freeform 157">
+              <a:extLst>
+                <a:ext uri="{FF2B5EF4-FFF2-40B4-BE49-F238E27FC236}">
+                  <a16:creationId xmlns:a16="http://schemas.microsoft.com/office/drawing/2014/main" id="{1DBBC87B-85DA-4CDD-AA0D-1E4DE06AD8C5}"/>
+                </a:ext>
+              </a:extLst>
+            </p:cNvPr>
             <p:cNvSpPr>
               <a:spLocks/>
             </p:cNvSpPr>
@@ -9817,34 +8179,14 @@
             <a:bodyPr wrap="none" anchor="ctr"/>
             <a:lstStyle/>
             <a:p>
-              <a:pPr marL="0" marR="0" lvl="0" indent="0" algn="ctr" defTabSz="912308" rtl="0" eaLnBrk="1" fontAlgn="auto" latinLnBrk="0" hangingPunct="1">
-                <a:lnSpc>
-                  <a:spcPct val="100000"/>
-                </a:lnSpc>
-                <a:spcBef>
-                  <a:spcPts val="0"/>
-                </a:spcBef>
-                <a:spcAft>
-                  <a:spcPts val="0"/>
-                </a:spcAft>
-                <a:buClrTx/>
-                <a:buSzTx/>
-                <a:buFontTx/>
-                <a:buNone/>
-                <a:tabLst/>
+              <a:pPr algn="ctr" defTabSz="912308">
                 <a:defRPr/>
               </a:pPr>
               <a:r>
-                <a:rPr kumimoji="0" lang="en-US" sz="1400" b="0" i="0" u="none" strike="noStrike" kern="0" cap="none" spc="0" normalizeH="0" baseline="0" noProof="0" dirty="0">
-                  <a:ln>
-                    <a:noFill/>
-                  </a:ln>
+                <a:rPr lang="en-US" sz="1400" kern="0" dirty="0">
                   <a:solidFill>
                     <a:srgbClr val="000000"/>
                   </a:solidFill>
-                  <a:effectLst/>
-                  <a:uLnTx/>
-                  <a:uFillTx/>
                   <a:latin typeface="微软雅黑" panose="020B0503020204020204" pitchFamily="34" charset="-122"/>
                   <a:ea typeface="微软雅黑" panose="020B0503020204020204" pitchFamily="34" charset="-122"/>
                   <a:cs typeface="Arial Unicode MS" pitchFamily="34" charset="-122"/>
@@ -9856,7 +8198,13 @@
         </p:sp>
         <p:sp>
           <p:nvSpPr>
-            <p:cNvPr id="317" name="文本框 316"/>
+            <p:cNvPr id="42" name="文本框 8">
+              <a:extLst>
+                <a:ext uri="{FF2B5EF4-FFF2-40B4-BE49-F238E27FC236}">
+                  <a16:creationId xmlns:a16="http://schemas.microsoft.com/office/drawing/2014/main" id="{9200AEF0-57AD-4517-87EB-0425494BAC1B}"/>
+                </a:ext>
+              </a:extLst>
+            </p:cNvPr>
             <p:cNvSpPr txBox="1"/>
             <p:nvPr/>
           </p:nvSpPr>
@@ -9876,36 +8224,15 @@
             </a:bodyPr>
             <a:lstStyle/>
             <a:p>
-              <a:pPr marL="0" marR="0" lvl="0" indent="0" algn="ctr" defTabSz="912308" rtl="0" eaLnBrk="1" fontAlgn="auto" latinLnBrk="0" hangingPunct="1">
-                <a:lnSpc>
-                  <a:spcPct val="100000"/>
-                </a:lnSpc>
-                <a:spcBef>
-                  <a:spcPts val="0"/>
-                </a:spcBef>
-                <a:spcAft>
-                  <a:spcPts val="0"/>
-                </a:spcAft>
-                <a:buClrTx/>
-                <a:buSzTx/>
-                <a:buFontTx/>
-                <a:buNone/>
-                <a:tabLst/>
+              <a:pPr algn="ctr" defTabSz="912308">
                 <a:defRPr/>
               </a:pPr>
-              <a:endParaRPr kumimoji="0" lang="zh-CN" altLang="en-US" sz="909" b="0" i="0" u="none" strike="noStrike" kern="0" cap="none" spc="0" normalizeH="0" baseline="0" noProof="0" dirty="0">
-                <a:ln>
-                  <a:noFill/>
-                </a:ln>
+              <a:endParaRPr lang="zh-CN" altLang="en-US" sz="909" kern="0" dirty="0">
                 <a:solidFill>
                   <a:srgbClr val="000000"/>
                 </a:solidFill>
-                <a:effectLst/>
-                <a:uLnTx/>
-                <a:uFillTx/>
                 <a:latin typeface="微软雅黑" panose="020B0503020204020204" pitchFamily="34" charset="-122"/>
                 <a:ea typeface="微软雅黑" panose="020B0503020204020204" pitchFamily="34" charset="-122"/>
-                <a:cs typeface="+mn-cs"/>
               </a:endParaRPr>
             </a:p>
           </p:txBody>
@@ -9913,15 +8240,21 @@
       </p:grpSp>
       <p:cxnSp>
         <p:nvCxnSpPr>
-          <p:cNvPr id="336" name="直接连接符 335"/>
+          <p:cNvPr id="43" name="直接连接符 9">
+            <a:extLst>
+              <a:ext uri="{FF2B5EF4-FFF2-40B4-BE49-F238E27FC236}">
+                <a16:creationId xmlns:a16="http://schemas.microsoft.com/office/drawing/2014/main" id="{D04969C9-749B-4126-ADF4-6A0C90593C87}"/>
+              </a:ext>
+            </a:extLst>
+          </p:cNvPr>
           <p:cNvCxnSpPr>
-            <a:endCxn id="316" idx="2"/>
+            <a:endCxn id="41" idx="2"/>
           </p:cNvCxnSpPr>
           <p:nvPr/>
         </p:nvCxnSpPr>
         <p:spPr>
           <a:xfrm>
-            <a:off x="3390396" y="4013310"/>
+            <a:off x="3926727" y="5411984"/>
             <a:ext cx="690" cy="261154"/>
           </a:xfrm>
           <a:prstGeom prst="line">
@@ -9943,19 +8276,107 @@
           </a:fontRef>
         </p:style>
       </p:cxnSp>
+      <p:sp>
+        <p:nvSpPr>
+          <p:cNvPr id="44" name="TextBox 126">
+            <a:extLst>
+              <a:ext uri="{FF2B5EF4-FFF2-40B4-BE49-F238E27FC236}">
+                <a16:creationId xmlns:a16="http://schemas.microsoft.com/office/drawing/2014/main" id="{955DF210-9CAE-4CBE-BB7F-3E44E604BE1D}"/>
+              </a:ext>
+            </a:extLst>
+          </p:cNvPr>
+          <p:cNvSpPr txBox="1"/>
+          <p:nvPr/>
+        </p:nvSpPr>
+        <p:spPr>
+          <a:xfrm>
+            <a:off x="6208480" y="3519635"/>
+            <a:ext cx="1512902" cy="502573"/>
+          </a:xfrm>
+          <a:prstGeom prst="rect">
+            <a:avLst/>
+          </a:prstGeom>
+          <a:noFill/>
+          <a:ln>
+            <a:solidFill>
+              <a:schemeClr val="tx1"/>
+            </a:solidFill>
+          </a:ln>
+        </p:spPr>
+        <p:txBody>
+          <a:bodyPr wrap="square" rtlCol="0">
+            <a:spAutoFit/>
+          </a:bodyPr>
+          <a:lstStyle/>
+          <a:p>
+            <a:pPr algn="ctr"/>
+            <a:r>
+              <a:rPr lang="en-US" altLang="zh-CN" sz="1333" b="1" dirty="0"/>
+              <a:t>Other </a:t>
+            </a:r>
+          </a:p>
+          <a:p>
+            <a:pPr algn="ctr"/>
+            <a:r>
+              <a:rPr lang="en-US" altLang="zh-CN" sz="1333" b="1" dirty="0"/>
+              <a:t>OSS</a:t>
+            </a:r>
+            <a:endParaRPr lang="zh-CN" altLang="en-US" sz="1333" b="1" dirty="0"/>
+          </a:p>
+        </p:txBody>
+      </p:sp>
+      <p:sp>
+        <p:nvSpPr>
+          <p:cNvPr id="45" name="文本框 15">
+            <a:extLst>
+              <a:ext uri="{FF2B5EF4-FFF2-40B4-BE49-F238E27FC236}">
+                <a16:creationId xmlns:a16="http://schemas.microsoft.com/office/drawing/2014/main" id="{E2DD3848-6A2B-4048-AB87-B47A31D6FEBB}"/>
+              </a:ext>
+            </a:extLst>
+          </p:cNvPr>
+          <p:cNvSpPr txBox="1"/>
+          <p:nvPr/>
+        </p:nvSpPr>
+        <p:spPr>
+          <a:xfrm>
+            <a:off x="4825797" y="3384471"/>
+            <a:ext cx="1393372" cy="284904"/>
+          </a:xfrm>
+          <a:prstGeom prst="rect">
+            <a:avLst/>
+          </a:prstGeom>
+          <a:noFill/>
+        </p:spPr>
+        <p:txBody>
+          <a:bodyPr wrap="square" rtlCol="0">
+            <a:spAutoFit/>
+          </a:bodyPr>
+          <a:lstStyle/>
+          <a:p>
+            <a:r>
+              <a:rPr lang="en-US" altLang="zh-CN" sz="1200" dirty="0"/>
+              <a:t>Resource Mapping</a:t>
+            </a:r>
+            <a:endParaRPr lang="zh-CN" altLang="en-US" sz="1200" dirty="0"/>
+          </a:p>
+        </p:txBody>
+      </p:sp>
       <p:cxnSp>
         <p:nvCxnSpPr>
-          <p:cNvPr id="339" name="直接箭头连接符 338"/>
-          <p:cNvCxnSpPr>
-            <a:stCxn id="121" idx="2"/>
-            <a:endCxn id="155" idx="3"/>
-          </p:cNvCxnSpPr>
+          <p:cNvPr id="46" name="直接箭头连接符 19">
+            <a:extLst>
+              <a:ext uri="{FF2B5EF4-FFF2-40B4-BE49-F238E27FC236}">
+                <a16:creationId xmlns:a16="http://schemas.microsoft.com/office/drawing/2014/main" id="{0786A95A-39A3-4DE7-85BC-515A21555FD4}"/>
+              </a:ext>
+            </a:extLst>
+          </p:cNvPr>
+          <p:cNvCxnSpPr/>
           <p:nvPr/>
         </p:nvCxnSpPr>
         <p:spPr>
-          <a:xfrm flipH="1">
-            <a:off x="9400484" y="1866494"/>
-            <a:ext cx="603210" cy="549591"/>
+          <a:xfrm flipH="1" flipV="1">
+            <a:off x="4683178" y="3669375"/>
+            <a:ext cx="1512000" cy="7257"/>
           </a:xfrm>
           <a:prstGeom prst="straightConnector1">
             <a:avLst/>
@@ -9979,12 +8400,236 @@
           </a:fontRef>
         </p:style>
       </p:cxnSp>
-      <p:sp>
-        <p:nvSpPr>
-          <p:cNvPr id="3" name="TextBox 2">
+      <p:cxnSp>
+        <p:nvCxnSpPr>
+          <p:cNvPr id="47" name="直接箭头连接符 20">
             <a:extLst>
               <a:ext uri="{FF2B5EF4-FFF2-40B4-BE49-F238E27FC236}">
-                <a16:creationId xmlns:a16="http://schemas.microsoft.com/office/drawing/2014/main" id="{3B7455F6-8643-437D-86BA-C313D92C2E0D}"/>
+                <a16:creationId xmlns:a16="http://schemas.microsoft.com/office/drawing/2014/main" id="{122360BE-58B8-4B11-AD5C-CFD846E69351}"/>
+              </a:ext>
+            </a:extLst>
+          </p:cNvPr>
+          <p:cNvCxnSpPr/>
+          <p:nvPr/>
+        </p:nvCxnSpPr>
+        <p:spPr>
+          <a:xfrm flipH="1" flipV="1">
+            <a:off x="4690435" y="3915149"/>
+            <a:ext cx="1512000" cy="7257"/>
+          </a:xfrm>
+          <a:prstGeom prst="straightConnector1">
+            <a:avLst/>
+          </a:prstGeom>
+          <a:ln>
+            <a:tailEnd type="triangle"/>
+          </a:ln>
+        </p:spPr>
+        <p:style>
+          <a:lnRef idx="1">
+            <a:schemeClr val="accent1"/>
+          </a:lnRef>
+          <a:fillRef idx="0">
+            <a:schemeClr val="accent1"/>
+          </a:fillRef>
+          <a:effectRef idx="0">
+            <a:schemeClr val="accent1"/>
+          </a:effectRef>
+          <a:fontRef idx="minor">
+            <a:schemeClr val="tx1"/>
+          </a:fontRef>
+        </p:style>
+      </p:cxnSp>
+      <p:cxnSp>
+        <p:nvCxnSpPr>
+          <p:cNvPr id="48" name="肘形连接符 22">
+            <a:extLst>
+              <a:ext uri="{FF2B5EF4-FFF2-40B4-BE49-F238E27FC236}">
+                <a16:creationId xmlns:a16="http://schemas.microsoft.com/office/drawing/2014/main" id="{02514087-021D-41C7-99FF-63F39CC42B70}"/>
+              </a:ext>
+            </a:extLst>
+          </p:cNvPr>
+          <p:cNvCxnSpPr>
+            <a:stCxn id="44" idx="2"/>
+            <a:endCxn id="39" idx="3"/>
+          </p:cNvCxnSpPr>
+          <p:nvPr/>
+        </p:nvCxnSpPr>
+        <p:spPr>
+          <a:xfrm rot="5400000">
+            <a:off x="5226587" y="3422354"/>
+            <a:ext cx="1138490" cy="2338198"/>
+          </a:xfrm>
+          <a:prstGeom prst="bentConnector2">
+            <a:avLst/>
+          </a:prstGeom>
+          <a:ln>
+            <a:headEnd type="triangle"/>
+            <a:tailEnd type="triangle"/>
+          </a:ln>
+        </p:spPr>
+        <p:style>
+          <a:lnRef idx="1">
+            <a:schemeClr val="accent1"/>
+          </a:lnRef>
+          <a:fillRef idx="0">
+            <a:schemeClr val="accent1"/>
+          </a:fillRef>
+          <a:effectRef idx="0">
+            <a:schemeClr val="accent1"/>
+          </a:effectRef>
+          <a:fontRef idx="minor">
+            <a:schemeClr val="tx1"/>
+          </a:fontRef>
+        </p:style>
+      </p:cxnSp>
+      <p:sp>
+        <p:nvSpPr>
+          <p:cNvPr id="49" name="矩形 23">
+            <a:extLst>
+              <a:ext uri="{FF2B5EF4-FFF2-40B4-BE49-F238E27FC236}">
+                <a16:creationId xmlns:a16="http://schemas.microsoft.com/office/drawing/2014/main" id="{BE961C07-32BE-4470-8A2B-CBE1C8BA45E5}"/>
+              </a:ext>
+            </a:extLst>
+          </p:cNvPr>
+          <p:cNvSpPr/>
+          <p:nvPr/>
+        </p:nvSpPr>
+        <p:spPr>
+          <a:xfrm>
+            <a:off x="5333413" y="4945253"/>
+            <a:ext cx="1499553" cy="430887"/>
+          </a:xfrm>
+          <a:prstGeom prst="rect">
+            <a:avLst/>
+          </a:prstGeom>
+        </p:spPr>
+        <p:txBody>
+          <a:bodyPr wrap="square" lIns="36008" rIns="36008">
+            <a:spAutoFit/>
+          </a:bodyPr>
+          <a:lstStyle/>
+          <a:p>
+            <a:pPr algn="ctr"/>
+            <a:r>
+              <a:rPr lang="en-US" altLang="zh-CN" sz="1100" dirty="0">
+                <a:solidFill>
+                  <a:prstClr val="black"/>
+                </a:solidFill>
+              </a:rPr>
+              <a:t>Service Provisioning</a:t>
+            </a:r>
+          </a:p>
+          <a:p>
+            <a:pPr algn="ctr"/>
+            <a:r>
+              <a:rPr lang="en-US" altLang="zh-CN" sz="1100" dirty="0">
+                <a:solidFill>
+                  <a:prstClr val="black"/>
+                </a:solidFill>
+              </a:rPr>
+              <a:t>Alarm/PM</a:t>
+            </a:r>
+            <a:endParaRPr lang="zh-CN" altLang="zh-CN" sz="1100" dirty="0">
+              <a:solidFill>
+                <a:prstClr val="black"/>
+              </a:solidFill>
+            </a:endParaRPr>
+          </a:p>
+        </p:txBody>
+      </p:sp>
+      <p:cxnSp>
+        <p:nvCxnSpPr>
+          <p:cNvPr id="50" name="直接连接符 25">
+            <a:extLst>
+              <a:ext uri="{FF2B5EF4-FFF2-40B4-BE49-F238E27FC236}">
+                <a16:creationId xmlns:a16="http://schemas.microsoft.com/office/drawing/2014/main" id="{5069FEAC-F617-4CB0-82E5-71FD12804A91}"/>
+              </a:ext>
+            </a:extLst>
+          </p:cNvPr>
+          <p:cNvCxnSpPr>
+            <a:stCxn id="38" idx="2"/>
+            <a:endCxn id="39" idx="0"/>
+          </p:cNvCxnSpPr>
+          <p:nvPr/>
+        </p:nvCxnSpPr>
+        <p:spPr>
+          <a:xfrm>
+            <a:off x="3926727" y="4022209"/>
+            <a:ext cx="3728" cy="887202"/>
+          </a:xfrm>
+          <a:prstGeom prst="line">
+            <a:avLst/>
+          </a:prstGeom>
+        </p:spPr>
+        <p:style>
+          <a:lnRef idx="1">
+            <a:schemeClr val="accent1"/>
+          </a:lnRef>
+          <a:fillRef idx="0">
+            <a:schemeClr val="accent1"/>
+          </a:fillRef>
+          <a:effectRef idx="0">
+            <a:schemeClr val="accent1"/>
+          </a:effectRef>
+          <a:fontRef idx="minor">
+            <a:schemeClr val="tx1"/>
+          </a:fontRef>
+        </p:style>
+      </p:cxnSp>
+      <p:sp>
+        <p:nvSpPr>
+          <p:cNvPr id="51" name="圆角矩形 26">
+            <a:extLst>
+              <a:ext uri="{FF2B5EF4-FFF2-40B4-BE49-F238E27FC236}">
+                <a16:creationId xmlns:a16="http://schemas.microsoft.com/office/drawing/2014/main" id="{BAC8121C-27AE-480C-93C0-B404E41C317F}"/>
+              </a:ext>
+            </a:extLst>
+          </p:cNvPr>
+          <p:cNvSpPr/>
+          <p:nvPr/>
+        </p:nvSpPr>
+        <p:spPr>
+          <a:xfrm>
+            <a:off x="2677188" y="3017017"/>
+            <a:ext cx="5471886" cy="1306286"/>
+          </a:xfrm>
+          <a:prstGeom prst="roundRect">
+            <a:avLst/>
+          </a:prstGeom>
+          <a:noFill/>
+          <a:ln w="12700"/>
+        </p:spPr>
+        <p:style>
+          <a:lnRef idx="2">
+            <a:schemeClr val="accent1">
+              <a:shade val="50000"/>
+            </a:schemeClr>
+          </a:lnRef>
+          <a:fillRef idx="1">
+            <a:schemeClr val="accent1"/>
+          </a:fillRef>
+          <a:effectRef idx="0">
+            <a:schemeClr val="accent1"/>
+          </a:effectRef>
+          <a:fontRef idx="minor">
+            <a:schemeClr val="lt1"/>
+          </a:fontRef>
+        </p:style>
+        <p:txBody>
+          <a:bodyPr rtlCol="0" anchor="ctr"/>
+          <a:lstStyle/>
+          <a:p>
+            <a:pPr algn="ctr"/>
+            <a:endParaRPr lang="zh-CN" altLang="en-US"/>
+          </a:p>
+        </p:txBody>
+      </p:sp>
+      <p:sp>
+        <p:nvSpPr>
+          <p:cNvPr id="52" name="文本框 27">
+            <a:extLst>
+              <a:ext uri="{FF2B5EF4-FFF2-40B4-BE49-F238E27FC236}">
+                <a16:creationId xmlns:a16="http://schemas.microsoft.com/office/drawing/2014/main" id="{DC55AC86-6D99-44B7-9178-5011EA59BA7D}"/>
               </a:ext>
             </a:extLst>
           </p:cNvPr>
@@ -9993,30 +8638,277 @@
         </p:nvSpPr>
         <p:spPr>
           <a:xfrm>
-            <a:off x="265098" y="5722383"/>
-            <a:ext cx="10183750" cy="369332"/>
+            <a:off x="4825797" y="3937377"/>
+            <a:ext cx="1393372" cy="284904"/>
           </a:xfrm>
           <a:prstGeom prst="rect">
             <a:avLst/>
           </a:prstGeom>
-          <a:solidFill>
-            <a:srgbClr val="FFFF00"/>
-          </a:solidFill>
+          <a:noFill/>
         </p:spPr>
         <p:txBody>
-          <a:bodyPr wrap="none" rtlCol="0">
+          <a:bodyPr wrap="square" rtlCol="0">
             <a:spAutoFit/>
           </a:bodyPr>
           <a:lstStyle/>
           <a:p>
             <a:r>
-              <a:rPr lang="it-IT" dirty="0"/>
-              <a:t>To </a:t>
-            </a:r>
-            <a:r>
-              <a:rPr lang="en-US" dirty="0"/>
-              <a:t> be simplified to focus only on the OSS systems which are relevant for the inventory use cases (issue #69)</a:t>
-            </a:r>
+              <a:rPr lang="en-US" altLang="zh-CN" sz="1200" dirty="0"/>
+              <a:t>Resource Retrieval</a:t>
+            </a:r>
+            <a:endParaRPr lang="zh-CN" altLang="en-US" sz="1200" dirty="0"/>
+          </a:p>
+        </p:txBody>
+      </p:sp>
+      <p:sp>
+        <p:nvSpPr>
+          <p:cNvPr id="53" name="文本框 28">
+            <a:extLst>
+              <a:ext uri="{FF2B5EF4-FFF2-40B4-BE49-F238E27FC236}">
+                <a16:creationId xmlns:a16="http://schemas.microsoft.com/office/drawing/2014/main" id="{6D4DDD67-1F78-46F4-96BA-4D774BE1684E}"/>
+              </a:ext>
+            </a:extLst>
+          </p:cNvPr>
+          <p:cNvSpPr txBox="1"/>
+          <p:nvPr/>
+        </p:nvSpPr>
+        <p:spPr>
+          <a:xfrm>
+            <a:off x="4825797" y="3668929"/>
+            <a:ext cx="1512000" cy="276999"/>
+          </a:xfrm>
+          <a:prstGeom prst="rect">
+            <a:avLst/>
+          </a:prstGeom>
+          <a:noFill/>
+        </p:spPr>
+        <p:txBody>
+          <a:bodyPr wrap="square" rtlCol="0">
+            <a:spAutoFit/>
+          </a:bodyPr>
+          <a:lstStyle/>
+          <a:p>
+            <a:r>
+              <a:rPr lang="en-US" altLang="zh-CN" sz="1200" dirty="0"/>
+              <a:t>Resource Validation</a:t>
+            </a:r>
+            <a:endParaRPr lang="zh-CN" altLang="en-US" sz="1200" dirty="0"/>
+          </a:p>
+        </p:txBody>
+      </p:sp>
+      <p:sp>
+        <p:nvSpPr>
+          <p:cNvPr id="54" name="圆角矩形 29">
+            <a:extLst>
+              <a:ext uri="{FF2B5EF4-FFF2-40B4-BE49-F238E27FC236}">
+                <a16:creationId xmlns:a16="http://schemas.microsoft.com/office/drawing/2014/main" id="{FBBFBD37-1C3A-4911-A264-1185AD4AA9EE}"/>
+              </a:ext>
+            </a:extLst>
+          </p:cNvPr>
+          <p:cNvSpPr/>
+          <p:nvPr/>
+        </p:nvSpPr>
+        <p:spPr>
+          <a:xfrm>
+            <a:off x="2634293" y="1412966"/>
+            <a:ext cx="5551714" cy="1089311"/>
+          </a:xfrm>
+          <a:prstGeom prst="roundRect">
+            <a:avLst/>
+          </a:prstGeom>
+          <a:noFill/>
+          <a:ln w="12700"/>
+        </p:spPr>
+        <p:style>
+          <a:lnRef idx="2">
+            <a:schemeClr val="accent1">
+              <a:shade val="50000"/>
+            </a:schemeClr>
+          </a:lnRef>
+          <a:fillRef idx="1">
+            <a:schemeClr val="accent1"/>
+          </a:fillRef>
+          <a:effectRef idx="0">
+            <a:schemeClr val="accent1"/>
+          </a:effectRef>
+          <a:fontRef idx="minor">
+            <a:schemeClr val="lt1"/>
+          </a:fontRef>
+        </p:style>
+        <p:txBody>
+          <a:bodyPr rtlCol="0" anchor="ctr"/>
+          <a:lstStyle/>
+          <a:p>
+            <a:pPr algn="ctr"/>
+            <a:endParaRPr lang="zh-CN" altLang="en-US"/>
+          </a:p>
+        </p:txBody>
+      </p:sp>
+      <p:sp>
+        <p:nvSpPr>
+          <p:cNvPr id="55" name="TextBox 126">
+            <a:extLst>
+              <a:ext uri="{FF2B5EF4-FFF2-40B4-BE49-F238E27FC236}">
+                <a16:creationId xmlns:a16="http://schemas.microsoft.com/office/drawing/2014/main" id="{586596F4-FCCE-43F8-9EE3-2C29AAFA03BA}"/>
+              </a:ext>
+            </a:extLst>
+          </p:cNvPr>
+          <p:cNvSpPr txBox="1"/>
+          <p:nvPr/>
+        </p:nvSpPr>
+        <p:spPr>
+          <a:xfrm>
+            <a:off x="3170276" y="1784157"/>
+            <a:ext cx="1512902" cy="297454"/>
+          </a:xfrm>
+          <a:prstGeom prst="rect">
+            <a:avLst/>
+          </a:prstGeom>
+          <a:noFill/>
+          <a:ln>
+            <a:solidFill>
+              <a:schemeClr val="tx1"/>
+            </a:solidFill>
+          </a:ln>
+        </p:spPr>
+        <p:txBody>
+          <a:bodyPr wrap="square" rtlCol="0">
+            <a:spAutoFit/>
+          </a:bodyPr>
+          <a:lstStyle/>
+          <a:p>
+            <a:pPr algn="ctr"/>
+            <a:r>
+              <a:rPr lang="en-US" altLang="zh-CN" sz="1333" b="1" dirty="0"/>
+              <a:t>BSS</a:t>
+            </a:r>
+            <a:endParaRPr lang="zh-CN" altLang="en-US" sz="1333" b="1" dirty="0"/>
+          </a:p>
+        </p:txBody>
+      </p:sp>
+      <p:sp>
+        <p:nvSpPr>
+          <p:cNvPr id="56" name="TextBox 126">
+            <a:extLst>
+              <a:ext uri="{FF2B5EF4-FFF2-40B4-BE49-F238E27FC236}">
+                <a16:creationId xmlns:a16="http://schemas.microsoft.com/office/drawing/2014/main" id="{B265EF54-E2D1-475D-88D1-D7A0A1DB3B6B}"/>
+              </a:ext>
+            </a:extLst>
+          </p:cNvPr>
+          <p:cNvSpPr txBox="1"/>
+          <p:nvPr/>
+        </p:nvSpPr>
+        <p:spPr>
+          <a:xfrm>
+            <a:off x="5795832" y="1628506"/>
+            <a:ext cx="1512902" cy="502573"/>
+          </a:xfrm>
+          <a:prstGeom prst="rect">
+            <a:avLst/>
+          </a:prstGeom>
+          <a:noFill/>
+          <a:ln>
+            <a:solidFill>
+              <a:schemeClr val="tx1"/>
+            </a:solidFill>
+          </a:ln>
+        </p:spPr>
+        <p:txBody>
+          <a:bodyPr wrap="square" rtlCol="0">
+            <a:spAutoFit/>
+          </a:bodyPr>
+          <a:lstStyle/>
+          <a:p>
+            <a:pPr algn="ctr"/>
+            <a:r>
+              <a:rPr lang="en-US" altLang="zh-CN" sz="1333" b="1" dirty="0"/>
+              <a:t>Customer-oriented APP</a:t>
+            </a:r>
+            <a:endParaRPr lang="zh-CN" altLang="en-US" sz="1333" b="1" dirty="0"/>
+          </a:p>
+        </p:txBody>
+      </p:sp>
+      <p:cxnSp>
+        <p:nvCxnSpPr>
+          <p:cNvPr id="57" name="直接连接符 34">
+            <a:extLst>
+              <a:ext uri="{FF2B5EF4-FFF2-40B4-BE49-F238E27FC236}">
+                <a16:creationId xmlns:a16="http://schemas.microsoft.com/office/drawing/2014/main" id="{360981D4-B394-42E9-AF32-430C17461EBA}"/>
+              </a:ext>
+            </a:extLst>
+          </p:cNvPr>
+          <p:cNvCxnSpPr>
+            <a:stCxn id="54" idx="2"/>
+            <a:endCxn id="51" idx="0"/>
+          </p:cNvCxnSpPr>
+          <p:nvPr/>
+        </p:nvCxnSpPr>
+        <p:spPr>
+          <a:xfrm>
+            <a:off x="5410150" y="2502277"/>
+            <a:ext cx="2981" cy="514740"/>
+          </a:xfrm>
+          <a:prstGeom prst="line">
+            <a:avLst/>
+          </a:prstGeom>
+        </p:spPr>
+        <p:style>
+          <a:lnRef idx="1">
+            <a:schemeClr val="accent1"/>
+          </a:lnRef>
+          <a:fillRef idx="0">
+            <a:schemeClr val="accent1"/>
+          </a:fillRef>
+          <a:effectRef idx="0">
+            <a:schemeClr val="accent1"/>
+          </a:effectRef>
+          <a:fontRef idx="minor">
+            <a:schemeClr val="tx1"/>
+          </a:fontRef>
+        </p:style>
+      </p:cxnSp>
+      <p:sp>
+        <p:nvSpPr>
+          <p:cNvPr id="58" name="文本框 35">
+            <a:extLst>
+              <a:ext uri="{FF2B5EF4-FFF2-40B4-BE49-F238E27FC236}">
+                <a16:creationId xmlns:a16="http://schemas.microsoft.com/office/drawing/2014/main" id="{6431B618-DD3B-43E1-BE10-0022ABD2BCA1}"/>
+              </a:ext>
+            </a:extLst>
+          </p:cNvPr>
+          <p:cNvSpPr txBox="1"/>
+          <p:nvPr/>
+        </p:nvSpPr>
+        <p:spPr>
+          <a:xfrm>
+            <a:off x="2391238" y="4391298"/>
+            <a:ext cx="1685877" cy="461665"/>
+          </a:xfrm>
+          <a:prstGeom prst="rect">
+            <a:avLst/>
+          </a:prstGeom>
+          <a:noFill/>
+        </p:spPr>
+        <p:txBody>
+          <a:bodyPr wrap="square" rtlCol="0">
+            <a:spAutoFit/>
+          </a:bodyPr>
+          <a:lstStyle/>
+          <a:p>
+            <a:pPr algn="ctr"/>
+            <a:r>
+              <a:rPr lang="en-US" altLang="zh-CN" sz="1200" dirty="0">
+                <a:solidFill>
+                  <a:srgbClr val="FF0000"/>
+                </a:solidFill>
+              </a:rPr>
+              <a:t>Network Hardware Inventory</a:t>
+            </a:r>
+            <a:endParaRPr lang="zh-CN" altLang="en-US" sz="1200" dirty="0">
+              <a:solidFill>
+                <a:srgbClr val="FF0000"/>
+              </a:solidFill>
+            </a:endParaRPr>
           </a:p>
         </p:txBody>
       </p:sp>
@@ -10074,13 +8966,13 @@
           <a:p>
             <a:pPr algn="l"/>
             <a:r>
-              <a:rPr lang="en-US" altLang="zh-CN" sz="3600" b="1">
+              <a:rPr lang="en-US" altLang="zh-CN" sz="3600" b="1" dirty="0">
                 <a:solidFill>
                   <a:srgbClr val="C00000"/>
                 </a:solidFill>
                 <a:latin typeface="+mn-lt"/>
               </a:rPr>
-              <a:t>Major Updates Since IETF 115</a:t>
+              <a:t>Updates Since IETF 115</a:t>
             </a:r>
             <a:endParaRPr lang="zh-CN" altLang="en-US" sz="3600" b="1" dirty="0">
               <a:solidFill>
@@ -10146,7 +9038,7 @@
             </a:pPr>
             <a:r>
               <a:rPr lang="it-IT" altLang="zh-CN" sz="2000" dirty="0"/>
-              <a:t>Addressed most of the comments from WG adoption poll with thre remaning issues:</a:t>
+              <a:t>Addressed most of the comments from WG adoption poll with three remaning issues:</a:t>
             </a:r>
           </a:p>
           <a:p>
@@ -10215,7 +9107,7 @@
             <a:endParaRPr lang="en-US" altLang="zh-CN" sz="2000" dirty="0"/>
           </a:p>
           <a:p>
-            <a:pPr marL="742950" lvl="1" indent="-285750">
+            <a:pPr marL="1200150" lvl="2" indent="-285750">
               <a:buFont typeface="Arial" panose="020B0604020202020204" pitchFamily="34" charset="0"/>
               <a:buChar char="•"/>
             </a:pPr>
@@ -10373,6 +9265,144 @@
           <a:p>
             <a:pPr algn="l"/>
             <a:r>
+              <a:rPr lang="it-IT" altLang="zh-CN" sz="3600" b="1" dirty="0">
+                <a:solidFill>
+                  <a:srgbClr val="C00000"/>
+                </a:solidFill>
+                <a:latin typeface="+mn-lt"/>
+              </a:rPr>
+              <a:t>Why not augmenting Network YANG (RFC8345)</a:t>
+            </a:r>
+            <a:endParaRPr lang="zh-CN" altLang="en-US" sz="3600" b="1" dirty="0">
+              <a:solidFill>
+                <a:srgbClr val="C00000"/>
+              </a:solidFill>
+              <a:latin typeface="+mn-lt"/>
+            </a:endParaRPr>
+          </a:p>
+        </p:txBody>
+      </p:sp>
+      <p:sp>
+        <p:nvSpPr>
+          <p:cNvPr id="5" name="文本框 4"/>
+          <p:cNvSpPr txBox="1"/>
+          <p:nvPr/>
+        </p:nvSpPr>
+        <p:spPr>
+          <a:xfrm>
+            <a:off x="494270" y="1095620"/>
+            <a:ext cx="11269362" cy="671851"/>
+          </a:xfrm>
+          <a:prstGeom prst="rect">
+            <a:avLst/>
+          </a:prstGeom>
+          <a:noFill/>
+        </p:spPr>
+        <p:txBody>
+          <a:bodyPr wrap="square" rtlCol="0">
+            <a:spAutoFit/>
+          </a:bodyPr>
+          <a:lstStyle/>
+          <a:p>
+            <a:pPr marL="285750" indent="-285750">
+              <a:lnSpc>
+                <a:spcPct val="150000"/>
+              </a:lnSpc>
+              <a:buFont typeface="Wingdings" panose="05000000000000000000" pitchFamily="2" charset="2"/>
+              <a:buChar char="Ø"/>
+            </a:pPr>
+            <a:r>
+              <a:rPr lang="en-US" altLang="zh-CN" sz="2800" b="1" dirty="0"/>
+              <a:t>TBA (action to </a:t>
+            </a:r>
+            <a:r>
+              <a:rPr lang="en-US" altLang="zh-CN" sz="2800" b="1" dirty="0" err="1"/>
+              <a:t>Chaode</a:t>
+            </a:r>
+            <a:r>
+              <a:rPr lang="en-US" altLang="zh-CN" sz="2800" b="1" dirty="0"/>
+              <a:t>)</a:t>
+            </a:r>
+          </a:p>
+        </p:txBody>
+      </p:sp>
+      <p:sp>
+        <p:nvSpPr>
+          <p:cNvPr id="2" name="灯片编号占位符 1"/>
+          <p:cNvSpPr>
+            <a:spLocks noGrp="1"/>
+          </p:cNvSpPr>
+          <p:nvPr>
+            <p:ph type="sldNum" sz="quarter" idx="12"/>
+          </p:nvPr>
+        </p:nvSpPr>
+        <p:spPr/>
+        <p:txBody>
+          <a:bodyPr/>
+          <a:lstStyle/>
+          <a:p>
+            <a:fld id="{456C6BAF-A893-4D90-BFB4-BDE2C98C7EC3}" type="slidenum">
+              <a:rPr lang="zh-CN" altLang="en-US" smtClean="0"/>
+              <a:t>4</a:t>
+            </a:fld>
+            <a:endParaRPr lang="zh-CN" altLang="en-US"/>
+          </a:p>
+        </p:txBody>
+      </p:sp>
+    </p:spTree>
+    <p:extLst>
+      <p:ext uri="{BB962C8B-B14F-4D97-AF65-F5344CB8AC3E}">
+        <p14:creationId xmlns:p14="http://schemas.microsoft.com/office/powerpoint/2010/main" val="3476127618"/>
+      </p:ext>
+    </p:extLst>
+  </p:cSld>
+  <p:clrMapOvr>
+    <a:masterClrMapping/>
+  </p:clrMapOvr>
+</p:sld>
+</file>
+
+<file path=ppt/slides/slide5.xml><?xml version="1.0" encoding="utf-8"?>
+<p:sld xmlns:a="http://schemas.openxmlformats.org/drawingml/2006/main" xmlns:r="http://schemas.openxmlformats.org/officeDocument/2006/relationships" xmlns:p="http://schemas.openxmlformats.org/presentationml/2006/main">
+  <p:cSld>
+    <p:spTree>
+      <p:nvGrpSpPr>
+        <p:cNvPr id="1" name=""/>
+        <p:cNvGrpSpPr/>
+        <p:nvPr/>
+      </p:nvGrpSpPr>
+      <p:grpSpPr>
+        <a:xfrm>
+          <a:off x="0" y="0"/>
+          <a:ext cx="0" cy="0"/>
+          <a:chOff x="0" y="0"/>
+          <a:chExt cx="0" cy="0"/>
+        </a:xfrm>
+      </p:grpSpPr>
+      <p:sp>
+        <p:nvSpPr>
+          <p:cNvPr id="4" name="标题 1"/>
+          <p:cNvSpPr>
+            <a:spLocks noGrp="1"/>
+          </p:cNvSpPr>
+          <p:nvPr>
+            <p:ph type="title"/>
+          </p:nvPr>
+        </p:nvSpPr>
+        <p:spPr>
+          <a:xfrm>
+            <a:off x="306696" y="212356"/>
+            <a:ext cx="10972800" cy="883264"/>
+          </a:xfrm>
+        </p:spPr>
+        <p:txBody>
+          <a:bodyPr>
+            <a:normAutofit/>
+          </a:bodyPr>
+          <a:lstStyle/>
+          <a:p>
+            <a:pPr algn="l"/>
+            <a:r>
               <a:rPr lang="en-US" altLang="zh-CN" sz="3600" b="1" dirty="0">
                 <a:solidFill>
                   <a:srgbClr val="C00000"/>
@@ -10407,7 +9437,7 @@
           <a:p>
             <a:fld id="{456C6BAF-A893-4D90-BFB4-BDE2C98C7EC3}" type="slidenum">
               <a:rPr lang="zh-CN" altLang="en-US" smtClean="0"/>
-              <a:t>4</a:t>
+              <a:t>5</a:t>
             </a:fld>
             <a:endParaRPr lang="zh-CN" altLang="en-US"/>
           </a:p>
@@ -10427,7 +9457,7 @@
         </p:nvSpPr>
         <p:spPr>
           <a:xfrm>
-            <a:off x="6485098" y="3366179"/>
+            <a:off x="6492142" y="3059668"/>
             <a:ext cx="3490058" cy="369332"/>
           </a:xfrm>
           <a:prstGeom prst="rect">
@@ -10468,7 +9498,7 @@
         </p:nvSpPr>
         <p:spPr>
           <a:xfrm>
-            <a:off x="1904305" y="1511003"/>
+            <a:off x="1911349" y="1204492"/>
             <a:ext cx="2468048" cy="369332"/>
           </a:xfrm>
           <a:prstGeom prst="rect">
@@ -10509,13 +9539,15 @@
         </p:nvSpPr>
         <p:spPr>
           <a:xfrm>
-            <a:off x="1664271" y="3366179"/>
+            <a:off x="1671315" y="3059668"/>
             <a:ext cx="2948115" cy="369332"/>
           </a:xfrm>
           <a:prstGeom prst="rect">
             <a:avLst/>
           </a:prstGeom>
-          <a:noFill/>
+          <a:solidFill>
+            <a:srgbClr val="92D050"/>
+          </a:solidFill>
           <a:ln>
             <a:solidFill>
               <a:schemeClr val="tx1"/>
@@ -10553,7 +9585,7 @@
         </p:nvCxnSpPr>
         <p:spPr>
           <a:xfrm flipV="1">
-            <a:off x="3138329" y="1880335"/>
+            <a:off x="3145373" y="1573824"/>
             <a:ext cx="0" cy="1485844"/>
           </a:xfrm>
           <a:prstGeom prst="straightConnector1">
@@ -10592,7 +9624,7 @@
         </p:nvSpPr>
         <p:spPr>
           <a:xfrm>
-            <a:off x="3138328" y="2557343"/>
+            <a:off x="3145372" y="2250832"/>
             <a:ext cx="802014" cy="276999"/>
           </a:xfrm>
           <a:prstGeom prst="rect">
@@ -10631,7 +9663,7 @@
         </p:nvCxnSpPr>
         <p:spPr>
           <a:xfrm>
-            <a:off x="4612386" y="3550845"/>
+            <a:off x="4619430" y="3244334"/>
             <a:ext cx="1872712" cy="0"/>
           </a:xfrm>
           <a:prstGeom prst="straightConnector1">
@@ -10670,7 +9702,7 @@
         </p:nvSpPr>
         <p:spPr>
           <a:xfrm>
-            <a:off x="4948407" y="3227679"/>
+            <a:off x="4957922" y="2921169"/>
             <a:ext cx="842218" cy="276999"/>
           </a:xfrm>
           <a:prstGeom prst="rect">
@@ -10706,7 +9738,7 @@
         </p:nvSpPr>
         <p:spPr>
           <a:xfrm>
-            <a:off x="1706109" y="3735511"/>
+            <a:off x="1713153" y="3429000"/>
             <a:ext cx="2798971" cy="369332"/>
           </a:xfrm>
           <a:prstGeom prst="rect">
@@ -10743,13 +9775,13 @@
           <p:nvPr>
             <p:extLst>
               <p:ext uri="{D42A27DB-BD31-4B8C-83A1-F6EECF244321}">
-                <p14:modId xmlns:p14="http://schemas.microsoft.com/office/powerpoint/2010/main" val="3220266239"/>
+                <p14:modId xmlns:p14="http://schemas.microsoft.com/office/powerpoint/2010/main" val="2904286155"/>
               </p:ext>
             </p:extLst>
           </p:nvPr>
         </p:nvGraphicFramePr>
         <p:xfrm>
-          <a:off x="2160142" y="4707376"/>
+          <a:off x="3013477" y="4146041"/>
           <a:ext cx="5980409" cy="1483360"/>
         </p:xfrm>
         <a:graphic>
@@ -10967,261 +9999,22 @@
           </a:graphicData>
         </a:graphic>
       </p:graphicFrame>
-    </p:spTree>
-    <p:extLst>
-      <p:ext uri="{BB962C8B-B14F-4D97-AF65-F5344CB8AC3E}">
-        <p14:creationId xmlns:p14="http://schemas.microsoft.com/office/powerpoint/2010/main" val="3909784026"/>
-      </p:ext>
-    </p:extLst>
-  </p:cSld>
-  <p:clrMapOvr>
-    <a:masterClrMapping/>
-  </p:clrMapOvr>
-</p:sld>
-</file>
-
-<file path=ppt/slides/slide5.xml><?xml version="1.0" encoding="utf-8"?>
-<p:sld xmlns:a="http://schemas.openxmlformats.org/drawingml/2006/main" xmlns:r="http://schemas.openxmlformats.org/officeDocument/2006/relationships" xmlns:p="http://schemas.openxmlformats.org/presentationml/2006/main">
-  <p:cSld>
-    <p:spTree>
-      <p:nvGrpSpPr>
-        <p:cNvPr id="1" name=""/>
-        <p:cNvGrpSpPr/>
-        <p:nvPr/>
-      </p:nvGrpSpPr>
-      <p:grpSpPr>
-        <a:xfrm>
-          <a:off x="0" y="0"/>
-          <a:ext cx="0" cy="0"/>
-          <a:chOff x="0" y="0"/>
-          <a:chExt cx="0" cy="0"/>
-        </a:xfrm>
-      </p:grpSpPr>
-      <p:sp>
-        <p:nvSpPr>
-          <p:cNvPr id="4" name="副标题 1"/>
-          <p:cNvSpPr txBox="1">
-            <a:spLocks/>
-          </p:cNvSpPr>
+      <p:sp>
+        <p:nvSpPr>
+          <p:cNvPr id="3" name="TextBox 2">
+            <a:extLst>
+              <a:ext uri="{FF2B5EF4-FFF2-40B4-BE49-F238E27FC236}">
+                <a16:creationId xmlns:a16="http://schemas.microsoft.com/office/drawing/2014/main" id="{7ED9C596-A4B0-4C54-9277-60823EC38147}"/>
+              </a:ext>
+            </a:extLst>
+          </p:cNvPr>
+          <p:cNvSpPr txBox="1"/>
           <p:nvPr/>
         </p:nvSpPr>
         <p:spPr>
           <a:xfrm>
-            <a:off x="577972" y="391315"/>
-            <a:ext cx="11538935" cy="468323"/>
-          </a:xfrm>
-          <a:prstGeom prst="rect">
-            <a:avLst/>
-          </a:prstGeom>
-        </p:spPr>
-        <p:txBody>
-          <a:bodyPr vert="horz" lIns="121820" tIns="60911" rIns="121820" bIns="60911" rtlCol="0" anchor="ctr">
-            <a:noAutofit/>
-          </a:bodyPr>
-          <a:lstStyle>
-            <a:lvl1pPr marL="0" indent="0" algn="l" defTabSz="1187204" rtl="0" eaLnBrk="1" latinLnBrk="0" hangingPunct="1">
-              <a:lnSpc>
-                <a:spcPts val="3429"/>
-              </a:lnSpc>
-              <a:spcBef>
-                <a:spcPts val="0"/>
-              </a:spcBef>
-              <a:buFont typeface="Arial" panose="020B0604020202020204" pitchFamily="34" charset="0"/>
-              <a:buNone/>
-              <a:defRPr sz="3199" kern="1200" baseline="0">
-                <a:solidFill>
-                  <a:schemeClr val="tx1"/>
-                </a:solidFill>
-                <a:latin typeface="Microsoft YaHei" panose="020B0503020204020204" pitchFamily="34" charset="-122"/>
-                <a:ea typeface="Microsoft YaHei" panose="020B0503020204020204" pitchFamily="34" charset="-122"/>
-                <a:cs typeface="+mn-cs"/>
-              </a:defRPr>
-            </a:lvl1pPr>
-            <a:lvl2pPr marL="593603" indent="0" algn="ctr" defTabSz="1187204" rtl="0" eaLnBrk="1" latinLnBrk="0" hangingPunct="1">
-              <a:lnSpc>
-                <a:spcPct val="90000"/>
-              </a:lnSpc>
-              <a:spcBef>
-                <a:spcPts val="650"/>
-              </a:spcBef>
-              <a:buFont typeface="Arial" panose="020B0604020202020204" pitchFamily="34" charset="0"/>
-              <a:buNone/>
-              <a:defRPr sz="2597" kern="1200">
-                <a:solidFill>
-                  <a:schemeClr val="tx1"/>
-                </a:solidFill>
-                <a:latin typeface="+mn-lt"/>
-                <a:ea typeface="+mn-ea"/>
-                <a:cs typeface="+mn-cs"/>
-              </a:defRPr>
-            </a:lvl2pPr>
-            <a:lvl3pPr marL="1187204" indent="0" algn="ctr" defTabSz="1187204" rtl="0" eaLnBrk="1" latinLnBrk="0" hangingPunct="1">
-              <a:lnSpc>
-                <a:spcPct val="90000"/>
-              </a:lnSpc>
-              <a:spcBef>
-                <a:spcPts val="650"/>
-              </a:spcBef>
-              <a:buFont typeface="Arial" panose="020B0604020202020204" pitchFamily="34" charset="0"/>
-              <a:buNone/>
-              <a:defRPr sz="2337" kern="1200">
-                <a:solidFill>
-                  <a:schemeClr val="tx1"/>
-                </a:solidFill>
-                <a:latin typeface="+mn-lt"/>
-                <a:ea typeface="+mn-ea"/>
-                <a:cs typeface="+mn-cs"/>
-              </a:defRPr>
-            </a:lvl3pPr>
-            <a:lvl4pPr marL="1780808" indent="0" algn="ctr" defTabSz="1187204" rtl="0" eaLnBrk="1" latinLnBrk="0" hangingPunct="1">
-              <a:lnSpc>
-                <a:spcPct val="90000"/>
-              </a:lnSpc>
-              <a:spcBef>
-                <a:spcPts val="650"/>
-              </a:spcBef>
-              <a:buFont typeface="Arial" panose="020B0604020202020204" pitchFamily="34" charset="0"/>
-              <a:buNone/>
-              <a:defRPr sz="2078" kern="1200">
-                <a:solidFill>
-                  <a:schemeClr val="tx1"/>
-                </a:solidFill>
-                <a:latin typeface="+mn-lt"/>
-                <a:ea typeface="+mn-ea"/>
-                <a:cs typeface="+mn-cs"/>
-              </a:defRPr>
-            </a:lvl4pPr>
-            <a:lvl5pPr marL="2374411" indent="0" algn="ctr" defTabSz="1187204" rtl="0" eaLnBrk="1" latinLnBrk="0" hangingPunct="1">
-              <a:lnSpc>
-                <a:spcPct val="90000"/>
-              </a:lnSpc>
-              <a:spcBef>
-                <a:spcPts val="650"/>
-              </a:spcBef>
-              <a:buFont typeface="Arial" panose="020B0604020202020204" pitchFamily="34" charset="0"/>
-              <a:buNone/>
-              <a:defRPr sz="2078" kern="1200">
-                <a:solidFill>
-                  <a:schemeClr val="tx1"/>
-                </a:solidFill>
-                <a:latin typeface="+mn-lt"/>
-                <a:ea typeface="+mn-ea"/>
-                <a:cs typeface="+mn-cs"/>
-              </a:defRPr>
-            </a:lvl5pPr>
-            <a:lvl6pPr marL="2968012" indent="0" algn="ctr" defTabSz="1187204" rtl="0" eaLnBrk="1" latinLnBrk="0" hangingPunct="1">
-              <a:lnSpc>
-                <a:spcPct val="90000"/>
-              </a:lnSpc>
-              <a:spcBef>
-                <a:spcPts val="650"/>
-              </a:spcBef>
-              <a:buFont typeface="Arial" panose="020B0604020202020204" pitchFamily="34" charset="0"/>
-              <a:buNone/>
-              <a:defRPr sz="2078" kern="1200">
-                <a:solidFill>
-                  <a:schemeClr val="tx1"/>
-                </a:solidFill>
-                <a:latin typeface="+mn-lt"/>
-                <a:ea typeface="+mn-ea"/>
-                <a:cs typeface="+mn-cs"/>
-              </a:defRPr>
-            </a:lvl6pPr>
-            <a:lvl7pPr marL="3561615" indent="0" algn="ctr" defTabSz="1187204" rtl="0" eaLnBrk="1" latinLnBrk="0" hangingPunct="1">
-              <a:lnSpc>
-                <a:spcPct val="90000"/>
-              </a:lnSpc>
-              <a:spcBef>
-                <a:spcPts val="650"/>
-              </a:spcBef>
-              <a:buFont typeface="Arial" panose="020B0604020202020204" pitchFamily="34" charset="0"/>
-              <a:buNone/>
-              <a:defRPr sz="2078" kern="1200">
-                <a:solidFill>
-                  <a:schemeClr val="tx1"/>
-                </a:solidFill>
-                <a:latin typeface="+mn-lt"/>
-                <a:ea typeface="+mn-ea"/>
-                <a:cs typeface="+mn-cs"/>
-              </a:defRPr>
-            </a:lvl7pPr>
-            <a:lvl8pPr marL="4155218" indent="0" algn="ctr" defTabSz="1187204" rtl="0" eaLnBrk="1" latinLnBrk="0" hangingPunct="1">
-              <a:lnSpc>
-                <a:spcPct val="90000"/>
-              </a:lnSpc>
-              <a:spcBef>
-                <a:spcPts val="650"/>
-              </a:spcBef>
-              <a:buFont typeface="Arial" panose="020B0604020202020204" pitchFamily="34" charset="0"/>
-              <a:buNone/>
-              <a:defRPr sz="2078" kern="1200">
-                <a:solidFill>
-                  <a:schemeClr val="tx1"/>
-                </a:solidFill>
-                <a:latin typeface="+mn-lt"/>
-                <a:ea typeface="+mn-ea"/>
-                <a:cs typeface="+mn-cs"/>
-              </a:defRPr>
-            </a:lvl8pPr>
-            <a:lvl9pPr marL="4748820" indent="0" algn="ctr" defTabSz="1187204" rtl="0" eaLnBrk="1" latinLnBrk="0" hangingPunct="1">
-              <a:lnSpc>
-                <a:spcPct val="90000"/>
-              </a:lnSpc>
-              <a:spcBef>
-                <a:spcPts val="650"/>
-              </a:spcBef>
-              <a:buFont typeface="Arial" panose="020B0604020202020204" pitchFamily="34" charset="0"/>
-              <a:buNone/>
-              <a:defRPr sz="2078" kern="1200">
-                <a:solidFill>
-                  <a:schemeClr val="tx1"/>
-                </a:solidFill>
-                <a:latin typeface="+mn-lt"/>
-                <a:ea typeface="+mn-ea"/>
-                <a:cs typeface="+mn-cs"/>
-              </a:defRPr>
-            </a:lvl9pPr>
-          </a:lstStyle>
-          <a:p>
-            <a:pPr defTabSz="1218926">
-              <a:spcBef>
-                <a:spcPct val="0"/>
-              </a:spcBef>
-            </a:pPr>
-            <a:r>
-              <a:rPr lang="it-IT" altLang="zh-CN" sz="3600" b="1" dirty="0">
-                <a:solidFill>
-                  <a:srgbClr val="C00000"/>
-                </a:solidFill>
-                <a:latin typeface="+mn-lt"/>
-                <a:ea typeface="+mj-ea"/>
-                <a:cs typeface="+mj-cs"/>
-                <a:sym typeface="Arial" panose="020B0604020202020204" pitchFamily="34" charset="0"/>
-              </a:rPr>
-              <a:t>Improve definitions of the location information</a:t>
-            </a:r>
-            <a:endParaRPr lang="en-US" altLang="zh-CN" sz="3600" b="1" dirty="0">
-              <a:solidFill>
-                <a:srgbClr val="C00000"/>
-              </a:solidFill>
-              <a:latin typeface="+mn-lt"/>
-              <a:ea typeface="+mj-ea"/>
-              <a:cs typeface="+mj-cs"/>
-              <a:sym typeface="Arial" panose="020B0604020202020204" pitchFamily="34" charset="0"/>
-            </a:endParaRPr>
-          </a:p>
-        </p:txBody>
-      </p:sp>
-      <p:sp>
-        <p:nvSpPr>
-          <p:cNvPr id="5" name="文本框 4"/>
-          <p:cNvSpPr txBox="1"/>
-          <p:nvPr/>
-        </p:nvSpPr>
-        <p:spPr>
-          <a:xfrm>
-            <a:off x="577972" y="1114167"/>
-            <a:ext cx="10820400" cy="5262979"/>
+            <a:off x="1518494" y="5987018"/>
+            <a:ext cx="8074583" cy="369332"/>
           </a:xfrm>
           <a:prstGeom prst="rect">
             <a:avLst/>
@@ -11229,213 +10022,31 @@
           <a:noFill/>
         </p:spPr>
         <p:txBody>
-          <a:bodyPr wrap="square" rtlCol="0">
+          <a:bodyPr wrap="none" rtlCol="0">
             <a:spAutoFit/>
           </a:bodyPr>
           <a:lstStyle/>
           <a:p>
-            <a:pPr marL="285750" indent="-285750">
-              <a:buFont typeface="Wingdings" panose="05000000000000000000" pitchFamily="2" charset="2"/>
-              <a:buChar char="Ø"/>
-            </a:pPr>
-            <a:r>
-              <a:rPr lang="it-IT" altLang="zh-CN" sz="2400" dirty="0"/>
-              <a:t>Equipment room location: two options</a:t>
-            </a:r>
-          </a:p>
-          <a:p>
-            <a:pPr marL="742950" lvl="1" indent="-285750">
-              <a:buFont typeface="Wingdings" panose="05000000000000000000" pitchFamily="2" charset="2"/>
-              <a:buChar char="Ø"/>
-            </a:pPr>
-            <a:r>
-              <a:rPr lang="it-IT" altLang="zh-CN" sz="2400" dirty="0"/>
-              <a:t>The </a:t>
-            </a:r>
-            <a:r>
-              <a:rPr lang="it-IT" altLang="zh-CN" sz="2400" dirty="0">
+            <a:r>
+              <a:rPr lang="it-IT" dirty="0">
                 <a:solidFill>
                   <a:srgbClr val="FF0000"/>
                 </a:solidFill>
               </a:rPr>
-              <a:t>postal/street</a:t>
-            </a:r>
-            <a:r>
-              <a:rPr lang="it-IT" altLang="zh-CN" sz="2400" dirty="0"/>
-              <a:t> address </a:t>
-            </a:r>
-            <a:r>
-              <a:rPr lang="it-IT" altLang="zh-CN" sz="2400" dirty="0">
-                <a:highlight>
-                  <a:srgbClr val="FFFF00"/>
-                </a:highlight>
-              </a:rPr>
-              <a:t>-&gt; to be clarified</a:t>
-            </a:r>
-          </a:p>
-          <a:p>
-            <a:pPr marL="742950" lvl="1" indent="-285750">
-              <a:buFont typeface="Wingdings" panose="05000000000000000000" pitchFamily="2" charset="2"/>
-              <a:buChar char="Ø"/>
-            </a:pPr>
-            <a:r>
-              <a:rPr lang="it-IT" altLang="zh-CN" sz="2400" dirty="0"/>
-              <a:t>The GIS location (re-using the grouping in RFC9179) </a:t>
-            </a:r>
-            <a:r>
-              <a:rPr lang="it-IT" altLang="zh-CN" sz="2400" dirty="0">
-                <a:highlight>
-                  <a:srgbClr val="FFFF00"/>
-                </a:highlight>
-              </a:rPr>
-              <a:t>-&gt; to be added</a:t>
-            </a:r>
-          </a:p>
-          <a:p>
-            <a:pPr marL="285750" indent="-285750">
-              <a:buFont typeface="Wingdings" panose="05000000000000000000" pitchFamily="2" charset="2"/>
-              <a:buChar char="Ø"/>
-            </a:pPr>
-            <a:r>
-              <a:rPr lang="it-IT" altLang="zh-CN" sz="2400" dirty="0"/>
-              <a:t>Rack location</a:t>
-            </a:r>
-          </a:p>
-          <a:p>
-            <a:pPr marL="742950" lvl="1" indent="-285750">
-              <a:buFont typeface="Wingdings" panose="05000000000000000000" pitchFamily="2" charset="2"/>
-              <a:buChar char="Ø"/>
-            </a:pPr>
-            <a:r>
-              <a:rPr lang="it-IT" altLang="zh-CN" sz="2400" dirty="0"/>
-              <a:t>The rack row and column number within the equipment room (physical)</a:t>
-            </a:r>
-          </a:p>
-          <a:p>
-            <a:pPr marL="285750" indent="-285750">
-              <a:buFont typeface="Wingdings" panose="05000000000000000000" pitchFamily="2" charset="2"/>
-              <a:buChar char="Ø"/>
-            </a:pPr>
-            <a:r>
-              <a:rPr lang="it-IT" altLang="zh-CN" sz="2400" dirty="0"/>
-              <a:t>Chassis relative position</a:t>
-            </a:r>
-          </a:p>
-          <a:p>
-            <a:pPr marL="742950" lvl="1" indent="-285750">
-              <a:buFont typeface="Wingdings" panose="05000000000000000000" pitchFamily="2" charset="2"/>
-              <a:buChar char="Ø"/>
-            </a:pPr>
-            <a:r>
-              <a:rPr lang="it-IT" altLang="zh-CN" sz="2400" dirty="0"/>
-              <a:t>The physical position of the chassis within the rack</a:t>
-            </a:r>
-          </a:p>
-          <a:p>
-            <a:pPr marL="285750" indent="-285750">
-              <a:buFont typeface="Wingdings" panose="05000000000000000000" pitchFamily="2" charset="2"/>
-              <a:buChar char="Ø"/>
-            </a:pPr>
-            <a:r>
-              <a:rPr lang="it-IT" altLang="zh-CN" sz="2400" dirty="0"/>
-              <a:t>NE location</a:t>
-            </a:r>
-          </a:p>
-          <a:p>
-            <a:pPr marL="742950" lvl="1" indent="-285750">
-              <a:buFont typeface="Wingdings" panose="05000000000000000000" pitchFamily="2" charset="2"/>
-              <a:buChar char="Ø"/>
-            </a:pPr>
-            <a:r>
-              <a:rPr lang="it-IT" altLang="zh-CN" sz="2400" dirty="0"/>
-              <a:t>The equpment room(s) where the components of the NE are located</a:t>
-            </a:r>
-          </a:p>
-          <a:p>
-            <a:pPr marL="285750" indent="-285750">
-              <a:buFont typeface="Wingdings" panose="05000000000000000000" pitchFamily="2" charset="2"/>
-              <a:buChar char="Ø"/>
-            </a:pPr>
-            <a:r>
-              <a:rPr lang="it-IT" altLang="zh-CN" sz="2400" dirty="0"/>
-              <a:t>Component location</a:t>
-            </a:r>
-          </a:p>
-          <a:p>
-            <a:pPr marL="742950" lvl="1" indent="-285750">
-              <a:buFont typeface="Wingdings" panose="05000000000000000000" pitchFamily="2" charset="2"/>
-              <a:buChar char="Ø"/>
-            </a:pPr>
-            <a:r>
-              <a:rPr lang="it-IT" altLang="zh-CN" sz="2400" dirty="0"/>
-              <a:t>The relative position of a component </a:t>
-            </a:r>
-            <a:r>
-              <a:rPr lang="it-IT" altLang="zh-CN" sz="2400" dirty="0">
-                <a:solidFill>
-                  <a:srgbClr val="FF0000"/>
-                </a:solidFill>
-              </a:rPr>
-              <a:t>within the NE </a:t>
-            </a:r>
-            <a:r>
-              <a:rPr lang="it-IT" altLang="zh-CN" sz="2400" dirty="0">
-                <a:highlight>
-                  <a:srgbClr val="FFFF00"/>
-                </a:highlight>
-              </a:rPr>
-              <a:t>-&gt; to be clarified</a:t>
-            </a:r>
-          </a:p>
-          <a:p>
-            <a:pPr marL="742950" lvl="1" indent="-285750">
-              <a:buFont typeface="Wingdings" panose="05000000000000000000" pitchFamily="2" charset="2"/>
-              <a:buChar char="Ø"/>
-            </a:pPr>
-            <a:r>
-              <a:rPr lang="it-IT" altLang="zh-CN" sz="2400" dirty="0"/>
-              <a:t>Typical format for Optical NEs:</a:t>
-            </a:r>
-          </a:p>
-          <a:p>
-            <a:pPr marL="1200150" lvl="2" indent="-285750">
-              <a:buFont typeface="Wingdings" panose="05000000000000000000" pitchFamily="2" charset="2"/>
-              <a:buChar char="Ø"/>
-            </a:pPr>
-            <a:r>
-              <a:rPr lang="it-IT" altLang="zh-CN" sz="2400" dirty="0"/>
-              <a:t>/ne=&lt;ne_name&gt;[/r=&lt;r_index&gt;][/sh=&lt;sh_index&gt;[/s_sh=&lt;s_sh_index&gt; ...]][[/sl=&lt;sl_index&gt;[/s_sl=&lt;s_sl_index&gt; ...]][/p=&lt;p_index&gt; …]]</a:t>
-            </a:r>
-          </a:p>
-        </p:txBody>
-      </p:sp>
-      <p:sp>
-        <p:nvSpPr>
-          <p:cNvPr id="2" name="灯片编号占位符 1"/>
-          <p:cNvSpPr>
-            <a:spLocks noGrp="1"/>
-          </p:cNvSpPr>
-          <p:nvPr>
-            <p:ph type="sldNum" sz="quarter" idx="12"/>
-          </p:nvPr>
-        </p:nvSpPr>
-        <p:spPr/>
-        <p:txBody>
-          <a:bodyPr/>
-          <a:lstStyle/>
-          <a:p>
-            <a:fld id="{456C6BAF-A893-4D90-BFB4-BDE2C98C7EC3}" type="slidenum">
-              <a:rPr lang="zh-CN" altLang="en-US" smtClean="0"/>
-              <a:t>5</a:t>
-            </a:fld>
-            <a:endParaRPr lang="zh-CN" altLang="en-US"/>
+              <a:t>Do we need to reference other type of inventory object? To be checked by examples</a:t>
+            </a:r>
+            <a:endParaRPr lang="en-US" dirty="0">
+              <a:solidFill>
+                <a:srgbClr val="FF0000"/>
+              </a:solidFill>
+            </a:endParaRPr>
           </a:p>
         </p:txBody>
       </p:sp>
     </p:spTree>
     <p:extLst>
       <p:ext uri="{BB962C8B-B14F-4D97-AF65-F5344CB8AC3E}">
-        <p14:creationId xmlns:p14="http://schemas.microsoft.com/office/powerpoint/2010/main" val="643531411"/>
+        <p14:creationId xmlns:p14="http://schemas.microsoft.com/office/powerpoint/2010/main" val="3909784026"/>
       </p:ext>
     </p:extLst>
   </p:cSld>
@@ -11663,7 +10274,7 @@
                 <a:cs typeface="+mj-cs"/>
                 <a:sym typeface="Arial" panose="020B0604020202020204" pitchFamily="34" charset="0"/>
               </a:rPr>
-              <a:t>Component Location</a:t>
+              <a:t>Improve definitions of the location information</a:t>
             </a:r>
             <a:endParaRPr lang="en-US" altLang="zh-CN" sz="3600" b="1" dirty="0">
               <a:solidFill>
@@ -11686,7 +10297,7 @@
         <p:spPr>
           <a:xfrm>
             <a:off x="577972" y="1114167"/>
-            <a:ext cx="10820400" cy="2308324"/>
+            <a:ext cx="10820400" cy="4154984"/>
           </a:xfrm>
           <a:prstGeom prst="rect">
             <a:avLst/>
@@ -11705,7 +10316,7 @@
             </a:pPr>
             <a:r>
               <a:rPr lang="it-IT" altLang="zh-CN" sz="2400" dirty="0"/>
-              <a:t>Defined as a free-format string (in alignment with Openconfig)</a:t>
+              <a:t>Equipment room location: two options</a:t>
             </a:r>
           </a:p>
           <a:p>
@@ -11715,17 +10326,27 @@
             </a:pPr>
             <a:r>
               <a:rPr lang="it-IT" altLang="zh-CN" sz="2400" dirty="0"/>
-              <a:t>Typical format for Optical NEs:</a:t>
-            </a:r>
-          </a:p>
-          <a:p>
-            <a:pPr marL="1200150" lvl="2" indent="-285750">
-              <a:buFont typeface="Wingdings" panose="05000000000000000000" pitchFamily="2" charset="2"/>
-              <a:buChar char="Ø"/>
-            </a:pPr>
+              <a:t>The </a:t>
+            </a:r>
+            <a:r>
+              <a:rPr lang="it-IT" altLang="zh-CN" sz="2400" dirty="0">
+                <a:solidFill>
+                  <a:srgbClr val="FF0000"/>
+                </a:solidFill>
+              </a:rPr>
+              <a:t>postal/street/...</a:t>
+            </a:r>
             <a:r>
               <a:rPr lang="it-IT" altLang="zh-CN" sz="2400" dirty="0"/>
-              <a:t>/ne=&lt;ne_name&gt;[/r=&lt;r_index&gt;][/sh=&lt;sh_index&gt;[/s_sh=&lt;s_sh_index&gt; ...]][[/sl=&lt;sl_index&gt;[/s_sl=&lt;s_sl_index&gt; ...]][/p=&lt;p_index&gt; …]]</a:t>
+              <a:t> address </a:t>
+            </a:r>
+            <a:r>
+              <a:rPr lang="it-IT" altLang="zh-CN" sz="2400" dirty="0">
+                <a:highlight>
+                  <a:srgbClr val="FFFF00"/>
+                </a:highlight>
+              </a:rPr>
+              <a:t>-&gt; to be clarified (see e.g., RFC 8299)</a:t>
             </a:r>
           </a:p>
           <a:p>
@@ -11735,7 +10356,15 @@
             </a:pPr>
             <a:r>
               <a:rPr lang="it-IT" altLang="zh-CN" sz="2400" dirty="0"/>
-              <a:t>Which format is used for IP or MW NEs?</a:t>
+              <a:t>The GIS location (re-using the grouping in RFC9179) </a:t>
+            </a:r>
+            <a:r>
+              <a:rPr lang="it-IT" altLang="zh-CN" sz="2400" dirty="0">
+                <a:highlight>
+                  <a:srgbClr val="FFFF00"/>
+                </a:highlight>
+              </a:rPr>
+              <a:t>-&gt; to be added</a:t>
             </a:r>
           </a:p>
           <a:p>
@@ -11745,7 +10374,77 @@
             </a:pPr>
             <a:r>
               <a:rPr lang="it-IT" altLang="zh-CN" sz="2400" dirty="0"/>
-              <a:t>Difference between chassis component location and relative position:</a:t>
+              <a:t>Rack location</a:t>
+            </a:r>
+          </a:p>
+          <a:p>
+            <a:pPr marL="742950" lvl="1" indent="-285750">
+              <a:buFont typeface="Wingdings" panose="05000000000000000000" pitchFamily="2" charset="2"/>
+              <a:buChar char="Ø"/>
+            </a:pPr>
+            <a:r>
+              <a:rPr lang="it-IT" altLang="zh-CN" sz="2400" dirty="0"/>
+              <a:t>The physical location of the rack within the equipment room (row and column)</a:t>
+            </a:r>
+          </a:p>
+          <a:p>
+            <a:pPr marL="285750" indent="-285750">
+              <a:buFont typeface="Wingdings" panose="05000000000000000000" pitchFamily="2" charset="2"/>
+              <a:buChar char="Ø"/>
+            </a:pPr>
+            <a:r>
+              <a:rPr lang="it-IT" altLang="zh-CN" sz="2400" dirty="0"/>
+              <a:t>Chassis relative position</a:t>
+            </a:r>
+          </a:p>
+          <a:p>
+            <a:pPr marL="742950" lvl="1" indent="-285750">
+              <a:buFont typeface="Wingdings" panose="05000000000000000000" pitchFamily="2" charset="2"/>
+              <a:buChar char="Ø"/>
+            </a:pPr>
+            <a:r>
+              <a:rPr lang="it-IT" altLang="zh-CN" sz="2400" dirty="0"/>
+              <a:t>The physical position of the chassis within the rack</a:t>
+            </a:r>
+          </a:p>
+          <a:p>
+            <a:pPr marL="285750" indent="-285750">
+              <a:buFont typeface="Wingdings" panose="05000000000000000000" pitchFamily="2" charset="2"/>
+              <a:buChar char="Ø"/>
+            </a:pPr>
+            <a:r>
+              <a:rPr lang="it-IT" altLang="zh-CN" sz="2400" dirty="0"/>
+              <a:t>NE location</a:t>
+            </a:r>
+          </a:p>
+          <a:p>
+            <a:pPr marL="742950" lvl="1" indent="-285750">
+              <a:buFont typeface="Wingdings" panose="05000000000000000000" pitchFamily="2" charset="2"/>
+              <a:buChar char="Ø"/>
+            </a:pPr>
+            <a:r>
+              <a:rPr lang="it-IT" altLang="zh-CN" sz="2400" dirty="0"/>
+              <a:t>The equpment room(s) where the components of the NE are located</a:t>
+            </a:r>
+          </a:p>
+          <a:p>
+            <a:pPr marL="285750" indent="-285750">
+              <a:buFont typeface="Wingdings" panose="05000000000000000000" pitchFamily="2" charset="2"/>
+              <a:buChar char="Ø"/>
+            </a:pPr>
+            <a:r>
+              <a:rPr lang="it-IT" altLang="zh-CN" sz="2400" dirty="0"/>
+              <a:t>Component location</a:t>
+            </a:r>
+          </a:p>
+          <a:p>
+            <a:pPr marL="742950" lvl="1" indent="-285750">
+              <a:buFont typeface="Wingdings" panose="05000000000000000000" pitchFamily="2" charset="2"/>
+              <a:buChar char="Ø"/>
+            </a:pPr>
+            <a:r>
+              <a:rPr lang="it-IT" altLang="zh-CN" sz="2400" dirty="0"/>
+              <a:t>See next slide</a:t>
             </a:r>
           </a:p>
         </p:txBody>
@@ -11773,410 +10472,10 @@
           </a:p>
         </p:txBody>
       </p:sp>
-      <p:sp>
-        <p:nvSpPr>
-          <p:cNvPr id="3" name="Rectangle 2">
-            <a:extLst>
-              <a:ext uri="{FF2B5EF4-FFF2-40B4-BE49-F238E27FC236}">
-                <a16:creationId xmlns:a16="http://schemas.microsoft.com/office/drawing/2014/main" id="{3C7F36CF-E14D-40E6-A295-0DED472CF51C}"/>
-              </a:ext>
-            </a:extLst>
-          </p:cNvPr>
-          <p:cNvSpPr/>
-          <p:nvPr/>
-        </p:nvSpPr>
-        <p:spPr>
-          <a:xfrm>
-            <a:off x="1752019" y="3873985"/>
-            <a:ext cx="1354150" cy="2767204"/>
-          </a:xfrm>
-          <a:prstGeom prst="rect">
-            <a:avLst/>
-          </a:prstGeom>
-          <a:noFill/>
-          <a:ln w="28575"/>
-        </p:spPr>
-        <p:style>
-          <a:lnRef idx="2">
-            <a:schemeClr val="accent1">
-              <a:shade val="50000"/>
-            </a:schemeClr>
-          </a:lnRef>
-          <a:fillRef idx="1">
-            <a:schemeClr val="accent1"/>
-          </a:fillRef>
-          <a:effectRef idx="0">
-            <a:schemeClr val="accent1"/>
-          </a:effectRef>
-          <a:fontRef idx="minor">
-            <a:schemeClr val="lt1"/>
-          </a:fontRef>
-        </p:style>
-        <p:txBody>
-          <a:bodyPr rtlCol="0" anchor="ctr"/>
-          <a:lstStyle/>
-          <a:p>
-            <a:pPr algn="ctr"/>
-            <a:endParaRPr lang="en-US"/>
-          </a:p>
-        </p:txBody>
-      </p:sp>
-      <p:sp>
-        <p:nvSpPr>
-          <p:cNvPr id="6" name="TextBox 5">
-            <a:extLst>
-              <a:ext uri="{FF2B5EF4-FFF2-40B4-BE49-F238E27FC236}">
-                <a16:creationId xmlns:a16="http://schemas.microsoft.com/office/drawing/2014/main" id="{5AEA3B7D-D043-4CB7-B4F1-9CA2689A5636}"/>
-              </a:ext>
-            </a:extLst>
-          </p:cNvPr>
-          <p:cNvSpPr txBox="1"/>
-          <p:nvPr/>
-        </p:nvSpPr>
-        <p:spPr>
-          <a:xfrm>
-            <a:off x="1752019" y="3422491"/>
-            <a:ext cx="1354150" cy="369332"/>
-          </a:xfrm>
-          <a:prstGeom prst="rect">
-            <a:avLst/>
-          </a:prstGeom>
-          <a:noFill/>
-        </p:spPr>
-        <p:txBody>
-          <a:bodyPr wrap="square" rtlCol="0">
-            <a:spAutoFit/>
-          </a:bodyPr>
-          <a:lstStyle/>
-          <a:p>
-            <a:pPr algn="ctr"/>
-            <a:r>
-              <a:rPr lang="it-IT" dirty="0"/>
-              <a:t>rack</a:t>
-            </a:r>
-            <a:endParaRPr lang="en-US" dirty="0"/>
-          </a:p>
-        </p:txBody>
-      </p:sp>
-      <p:sp>
-        <p:nvSpPr>
-          <p:cNvPr id="7" name="Rectangle: Rounded Corners 6">
-            <a:extLst>
-              <a:ext uri="{FF2B5EF4-FFF2-40B4-BE49-F238E27FC236}">
-                <a16:creationId xmlns:a16="http://schemas.microsoft.com/office/drawing/2014/main" id="{AF061BD0-DD74-4066-B5EF-AF51925786C5}"/>
-              </a:ext>
-            </a:extLst>
-          </p:cNvPr>
-          <p:cNvSpPr/>
-          <p:nvPr/>
-        </p:nvSpPr>
-        <p:spPr>
-          <a:xfrm>
-            <a:off x="1752019" y="4020568"/>
-            <a:ext cx="1354150" cy="642174"/>
-          </a:xfrm>
-          <a:prstGeom prst="roundRect">
-            <a:avLst/>
-          </a:prstGeom>
-        </p:spPr>
-        <p:style>
-          <a:lnRef idx="2">
-            <a:schemeClr val="accent1">
-              <a:shade val="50000"/>
-            </a:schemeClr>
-          </a:lnRef>
-          <a:fillRef idx="1">
-            <a:schemeClr val="accent1"/>
-          </a:fillRef>
-          <a:effectRef idx="0">
-            <a:schemeClr val="accent1"/>
-          </a:effectRef>
-          <a:fontRef idx="minor">
-            <a:schemeClr val="lt1"/>
-          </a:fontRef>
-        </p:style>
-        <p:txBody>
-          <a:bodyPr rtlCol="0" anchor="ctr"/>
-          <a:lstStyle/>
-          <a:p>
-            <a:pPr algn="ctr"/>
-            <a:endParaRPr lang="en-US"/>
-          </a:p>
-        </p:txBody>
-      </p:sp>
-      <p:sp>
-        <p:nvSpPr>
-          <p:cNvPr id="8" name="Rectangle: Rounded Corners 7">
-            <a:extLst>
-              <a:ext uri="{FF2B5EF4-FFF2-40B4-BE49-F238E27FC236}">
-                <a16:creationId xmlns:a16="http://schemas.microsoft.com/office/drawing/2014/main" id="{6BB7F8CD-C3A3-447F-9241-0E82BFD1B71C}"/>
-              </a:ext>
-            </a:extLst>
-          </p:cNvPr>
-          <p:cNvSpPr/>
-          <p:nvPr/>
-        </p:nvSpPr>
-        <p:spPr>
-          <a:xfrm>
-            <a:off x="1752019" y="4936500"/>
-            <a:ext cx="1354150" cy="642174"/>
-          </a:xfrm>
-          <a:prstGeom prst="roundRect">
-            <a:avLst/>
-          </a:prstGeom>
-        </p:spPr>
-        <p:style>
-          <a:lnRef idx="2">
-            <a:schemeClr val="accent1">
-              <a:shade val="50000"/>
-            </a:schemeClr>
-          </a:lnRef>
-          <a:fillRef idx="1">
-            <a:schemeClr val="accent1"/>
-          </a:fillRef>
-          <a:effectRef idx="0">
-            <a:schemeClr val="accent1"/>
-          </a:effectRef>
-          <a:fontRef idx="minor">
-            <a:schemeClr val="lt1"/>
-          </a:fontRef>
-        </p:style>
-        <p:txBody>
-          <a:bodyPr rtlCol="0" anchor="ctr"/>
-          <a:lstStyle/>
-          <a:p>
-            <a:pPr algn="ctr"/>
-            <a:r>
-              <a:rPr lang="it-IT" dirty="0"/>
-              <a:t>ne-foo</a:t>
-            </a:r>
-          </a:p>
-          <a:p>
-            <a:pPr algn="ctr"/>
-            <a:r>
-              <a:rPr lang="it-IT" dirty="0"/>
-              <a:t>main shelf</a:t>
-            </a:r>
-            <a:endParaRPr lang="en-US" dirty="0"/>
-          </a:p>
-        </p:txBody>
-      </p:sp>
-      <p:sp>
-        <p:nvSpPr>
-          <p:cNvPr id="9" name="Rectangle: Rounded Corners 8">
-            <a:extLst>
-              <a:ext uri="{FF2B5EF4-FFF2-40B4-BE49-F238E27FC236}">
-                <a16:creationId xmlns:a16="http://schemas.microsoft.com/office/drawing/2014/main" id="{4A6650E3-776D-4AA8-809F-E50EAE5E22CD}"/>
-              </a:ext>
-            </a:extLst>
-          </p:cNvPr>
-          <p:cNvSpPr/>
-          <p:nvPr/>
-        </p:nvSpPr>
-        <p:spPr>
-          <a:xfrm>
-            <a:off x="1752019" y="5896738"/>
-            <a:ext cx="1354150" cy="642174"/>
-          </a:xfrm>
-          <a:prstGeom prst="roundRect">
-            <a:avLst/>
-          </a:prstGeom>
-        </p:spPr>
-        <p:style>
-          <a:lnRef idx="2">
-            <a:schemeClr val="accent1">
-              <a:shade val="50000"/>
-            </a:schemeClr>
-          </a:lnRef>
-          <a:fillRef idx="1">
-            <a:schemeClr val="accent1"/>
-          </a:fillRef>
-          <a:effectRef idx="0">
-            <a:schemeClr val="accent1"/>
-          </a:effectRef>
-          <a:fontRef idx="minor">
-            <a:schemeClr val="lt1"/>
-          </a:fontRef>
-        </p:style>
-        <p:txBody>
-          <a:bodyPr rtlCol="0" anchor="ctr"/>
-          <a:lstStyle/>
-          <a:p>
-            <a:pPr algn="ctr"/>
-            <a:endParaRPr lang="en-US"/>
-          </a:p>
-        </p:txBody>
-      </p:sp>
-      <p:sp>
-        <p:nvSpPr>
-          <p:cNvPr id="10" name="TextBox 9">
-            <a:extLst>
-              <a:ext uri="{FF2B5EF4-FFF2-40B4-BE49-F238E27FC236}">
-                <a16:creationId xmlns:a16="http://schemas.microsoft.com/office/drawing/2014/main" id="{36B845F8-330A-47C9-9DD1-2F612FF62187}"/>
-              </a:ext>
-            </a:extLst>
-          </p:cNvPr>
-          <p:cNvSpPr txBox="1"/>
-          <p:nvPr/>
-        </p:nvSpPr>
-        <p:spPr>
-          <a:xfrm>
-            <a:off x="1524154" y="4123232"/>
-            <a:ext cx="301686" cy="369332"/>
-          </a:xfrm>
-          <a:prstGeom prst="rect">
-            <a:avLst/>
-          </a:prstGeom>
-          <a:noFill/>
-        </p:spPr>
-        <p:txBody>
-          <a:bodyPr wrap="square" rtlCol="0">
-            <a:spAutoFit/>
-          </a:bodyPr>
-          <a:lstStyle/>
-          <a:p>
-            <a:r>
-              <a:rPr lang="it-IT" dirty="0"/>
-              <a:t>1</a:t>
-            </a:r>
-            <a:endParaRPr lang="en-US" dirty="0"/>
-          </a:p>
-        </p:txBody>
-      </p:sp>
-      <p:sp>
-        <p:nvSpPr>
-          <p:cNvPr id="11" name="TextBox 10">
-            <a:extLst>
-              <a:ext uri="{FF2B5EF4-FFF2-40B4-BE49-F238E27FC236}">
-                <a16:creationId xmlns:a16="http://schemas.microsoft.com/office/drawing/2014/main" id="{CA5BE8D6-0397-4F52-8A62-3E45C6F67AC7}"/>
-              </a:ext>
-            </a:extLst>
-          </p:cNvPr>
-          <p:cNvSpPr txBox="1"/>
-          <p:nvPr/>
-        </p:nvSpPr>
-        <p:spPr>
-          <a:xfrm>
-            <a:off x="1524154" y="5075815"/>
-            <a:ext cx="301686" cy="369332"/>
-          </a:xfrm>
-          <a:prstGeom prst="rect">
-            <a:avLst/>
-          </a:prstGeom>
-          <a:noFill/>
-        </p:spPr>
-        <p:txBody>
-          <a:bodyPr wrap="square" rtlCol="0">
-            <a:spAutoFit/>
-          </a:bodyPr>
-          <a:lstStyle/>
-          <a:p>
-            <a:r>
-              <a:rPr lang="it-IT" dirty="0"/>
-              <a:t>2</a:t>
-            </a:r>
-            <a:endParaRPr lang="en-US" dirty="0"/>
-          </a:p>
-        </p:txBody>
-      </p:sp>
-      <p:sp>
-        <p:nvSpPr>
-          <p:cNvPr id="12" name="TextBox 11">
-            <a:extLst>
-              <a:ext uri="{FF2B5EF4-FFF2-40B4-BE49-F238E27FC236}">
-                <a16:creationId xmlns:a16="http://schemas.microsoft.com/office/drawing/2014/main" id="{9AFAB797-6965-4649-9AAF-719A5F8F01A8}"/>
-              </a:ext>
-            </a:extLst>
-          </p:cNvPr>
-          <p:cNvSpPr txBox="1"/>
-          <p:nvPr/>
-        </p:nvSpPr>
-        <p:spPr>
-          <a:xfrm>
-            <a:off x="1524154" y="6028398"/>
-            <a:ext cx="301686" cy="369332"/>
-          </a:xfrm>
-          <a:prstGeom prst="rect">
-            <a:avLst/>
-          </a:prstGeom>
-          <a:noFill/>
-        </p:spPr>
-        <p:txBody>
-          <a:bodyPr wrap="square" rtlCol="0">
-            <a:spAutoFit/>
-          </a:bodyPr>
-          <a:lstStyle/>
-          <a:p>
-            <a:r>
-              <a:rPr lang="it-IT" dirty="0"/>
-              <a:t>3</a:t>
-            </a:r>
-            <a:endParaRPr lang="en-US" dirty="0"/>
-          </a:p>
-        </p:txBody>
-      </p:sp>
-      <p:sp>
-        <p:nvSpPr>
-          <p:cNvPr id="13" name="TextBox 12">
-            <a:extLst>
-              <a:ext uri="{FF2B5EF4-FFF2-40B4-BE49-F238E27FC236}">
-                <a16:creationId xmlns:a16="http://schemas.microsoft.com/office/drawing/2014/main" id="{F4403177-5EAF-4FEB-A41E-A29DB973CB4A}"/>
-              </a:ext>
-            </a:extLst>
-          </p:cNvPr>
-          <p:cNvSpPr txBox="1"/>
-          <p:nvPr/>
-        </p:nvSpPr>
-        <p:spPr>
-          <a:xfrm>
-            <a:off x="3217850" y="4936500"/>
-            <a:ext cx="4415248" cy="646331"/>
-          </a:xfrm>
-          <a:prstGeom prst="rect">
-            <a:avLst/>
-          </a:prstGeom>
-          <a:noFill/>
-        </p:spPr>
-        <p:txBody>
-          <a:bodyPr wrap="none" rtlCol="0">
-            <a:spAutoFit/>
-          </a:bodyPr>
-          <a:lstStyle/>
-          <a:p>
-            <a:r>
-              <a:rPr lang="it-IT" dirty="0"/>
-              <a:t>Chassis relative position: </a:t>
-            </a:r>
-            <a:r>
-              <a:rPr lang="it-IT" dirty="0">
-                <a:solidFill>
-                  <a:srgbClr val="FF0000"/>
-                </a:solidFill>
-              </a:rPr>
-              <a:t>2</a:t>
-            </a:r>
-          </a:p>
-          <a:p>
-            <a:r>
-              <a:rPr lang="it-IT" dirty="0"/>
-              <a:t>Chassis component location: ne=ne-foo/sh=</a:t>
-            </a:r>
-            <a:r>
-              <a:rPr lang="it-IT" dirty="0">
-                <a:solidFill>
-                  <a:srgbClr val="FF0000"/>
-                </a:solidFill>
-              </a:rPr>
-              <a:t>1</a:t>
-            </a:r>
-            <a:endParaRPr lang="en-US" dirty="0"/>
-          </a:p>
-        </p:txBody>
-      </p:sp>
     </p:spTree>
     <p:extLst>
       <p:ext uri="{BB962C8B-B14F-4D97-AF65-F5344CB8AC3E}">
-        <p14:creationId xmlns:p14="http://schemas.microsoft.com/office/powerpoint/2010/main" val="1290470023"/>
+        <p14:creationId xmlns:p14="http://schemas.microsoft.com/office/powerpoint/2010/main" val="643531411"/>
       </p:ext>
     </p:extLst>
   </p:cSld>
@@ -12395,7 +10694,7 @@
               </a:spcBef>
             </a:pPr>
             <a:r>
-              <a:rPr lang="en-US" altLang="zh-CN" sz="3600" b="1" dirty="0">
+              <a:rPr lang="it-IT" altLang="zh-CN" sz="3600" b="1" dirty="0">
                 <a:solidFill>
                   <a:srgbClr val="C00000"/>
                 </a:solidFill>
@@ -12404,8 +10703,17 @@
                 <a:cs typeface="+mj-cs"/>
                 <a:sym typeface="Arial" panose="020B0604020202020204" pitchFamily="34" charset="0"/>
               </a:rPr>
-              <a:t>Next Steps</a:t>
-            </a:r>
+              <a:t>Component Location</a:t>
+            </a:r>
+            <a:endParaRPr lang="en-US" altLang="zh-CN" sz="3600" b="1" dirty="0">
+              <a:solidFill>
+                <a:srgbClr val="C00000"/>
+              </a:solidFill>
+              <a:latin typeface="+mn-lt"/>
+              <a:ea typeface="+mj-ea"/>
+              <a:cs typeface="+mj-cs"/>
+              <a:sym typeface="Arial" panose="020B0604020202020204" pitchFamily="34" charset="0"/>
+            </a:endParaRPr>
           </a:p>
         </p:txBody>
       </p:sp>
@@ -12418,7 +10726,7 @@
         <p:spPr>
           <a:xfrm>
             <a:off x="577972" y="1114167"/>
-            <a:ext cx="10820400" cy="3785652"/>
+            <a:ext cx="10820400" cy="2677656"/>
           </a:xfrm>
           <a:prstGeom prst="rect">
             <a:avLst/>
@@ -12437,9 +10745,46 @@
             </a:pPr>
             <a:r>
               <a:rPr lang="it-IT" altLang="zh-CN" sz="2400" dirty="0"/>
-              <a:t>Provide some equipment configuration examples</a:t>
-            </a:r>
-            <a:endParaRPr lang="en-US" altLang="zh-CN" sz="2400" dirty="0"/>
+              <a:t>The </a:t>
+            </a:r>
+            <a:r>
+              <a:rPr lang="it-IT" altLang="zh-CN" sz="2400" dirty="0">
+                <a:solidFill>
+                  <a:srgbClr val="FF0000"/>
+                </a:solidFill>
+              </a:rPr>
+              <a:t>relative/logical</a:t>
+            </a:r>
+            <a:r>
+              <a:rPr lang="it-IT" altLang="zh-CN" sz="2400" dirty="0"/>
+              <a:t> position of a component </a:t>
+            </a:r>
+            <a:r>
+              <a:rPr lang="it-IT" altLang="zh-CN" sz="2400" dirty="0">
+                <a:solidFill>
+                  <a:srgbClr val="FF0000"/>
+                </a:solidFill>
+              </a:rPr>
+              <a:t>within the NE </a:t>
+            </a:r>
+            <a:r>
+              <a:rPr lang="it-IT" altLang="zh-CN" sz="2400" dirty="0">
+                <a:highlight>
+                  <a:srgbClr val="FFFF00"/>
+                </a:highlight>
+              </a:rPr>
+              <a:t>-&gt; to be clarified</a:t>
+            </a:r>
+          </a:p>
+          <a:p>
+            <a:pPr marL="285750" indent="-285750">
+              <a:buFont typeface="Wingdings" panose="05000000000000000000" pitchFamily="2" charset="2"/>
+              <a:buChar char="Ø"/>
+            </a:pPr>
+            <a:r>
+              <a:rPr lang="it-IT" altLang="zh-CN" sz="2400" dirty="0"/>
+              <a:t>Defined as a free-format string (in alignment with Openconfig)</a:t>
+            </a:r>
           </a:p>
           <a:p>
             <a:pPr marL="742950" lvl="1" indent="-285750">
@@ -12447,74 +10792,43 @@
               <a:buChar char="Ø"/>
             </a:pPr>
             <a:r>
-              <a:rPr lang="en-US" altLang="zh-CN" sz="2400" dirty="0"/>
-              <a:t>Get more input from IP and microwave technologies</a:t>
-            </a:r>
-          </a:p>
-          <a:p>
-            <a:pPr marL="285750" indent="-285750">
+              <a:rPr lang="it-IT" altLang="zh-CN" sz="2400" dirty="0"/>
+              <a:t>Typical format for Optical NEs:</a:t>
+            </a:r>
+          </a:p>
+          <a:p>
+            <a:pPr lvl="2"/>
+            <a:r>
+              <a:rPr lang="it-IT" altLang="zh-CN" sz="2400" dirty="0"/>
+              <a:t>/ne=&lt;ne_name&gt;[/r=&lt;r_index&gt;][/sh=&lt;sh_index&gt;[/s_sh=&lt;s_sh_index&gt; ...]][[/sl=&lt;sl_index&gt;[/s_sl=&lt;s_sl_index&gt; ...]][/p=&lt;p_index&gt; …]]</a:t>
+            </a:r>
+          </a:p>
+          <a:p>
+            <a:pPr marL="742950" lvl="1" indent="-285750">
               <a:buFont typeface="Wingdings" panose="05000000000000000000" pitchFamily="2" charset="2"/>
               <a:buChar char="Ø"/>
             </a:pPr>
             <a:r>
-              <a:rPr lang="en-US" altLang="zh-CN" sz="2400" dirty="0"/>
-              <a:t>Identify some more component-specific attributes and introduce more component types</a:t>
-            </a:r>
-          </a:p>
-          <a:p>
-            <a:pPr marL="285750" indent="-285750">
+              <a:rPr lang="it-IT" altLang="zh-CN" sz="2400" dirty="0">
+                <a:solidFill>
+                  <a:srgbClr val="FF0000"/>
+                </a:solidFill>
+              </a:rPr>
+              <a:t>Is there a normative reference defining this typical format?</a:t>
+            </a:r>
+          </a:p>
+          <a:p>
+            <a:pPr marL="742950" lvl="1" indent="-285750">
               <a:buFont typeface="Wingdings" panose="05000000000000000000" pitchFamily="2" charset="2"/>
               <a:buChar char="Ø"/>
             </a:pPr>
             <a:r>
-              <a:rPr lang="en-US" altLang="zh-CN" sz="2400" dirty="0"/>
-              <a:t>Progressing to fix the remaining issues</a:t>
-            </a:r>
-          </a:p>
-          <a:p>
-            <a:endParaRPr lang="en-US" altLang="zh-CN" sz="2400" dirty="0"/>
-          </a:p>
-          <a:p>
-            <a:endParaRPr lang="en-US" altLang="zh-CN" sz="2400" dirty="0"/>
-          </a:p>
-          <a:p>
-            <a:r>
-              <a:rPr lang="en-US" altLang="zh-CN" sz="2400" dirty="0"/>
-              <a:t>Welcome to join our weekly discussion</a:t>
-            </a:r>
-          </a:p>
-          <a:p>
-            <a:pPr marL="285750" indent="-285750">
-              <a:buFont typeface="Wingdings" panose="05000000000000000000" pitchFamily="2" charset="2"/>
-              <a:buChar char="Ø"/>
-            </a:pPr>
-            <a:r>
-              <a:rPr lang="en-US" altLang="zh-CN" sz="2400" dirty="0"/>
-              <a:t>Meeting slot: Wednesday 3-4pm CET (9-10am EST)</a:t>
-            </a:r>
-          </a:p>
-          <a:p>
-            <a:pPr marL="285750" indent="-285750">
-              <a:buFont typeface="Wingdings" panose="05000000000000000000" pitchFamily="2" charset="2"/>
-              <a:buChar char="Ø"/>
-            </a:pPr>
-            <a:r>
-              <a:rPr lang="en-US" altLang="zh-CN" sz="2400" dirty="0" err="1"/>
-              <a:t>Github</a:t>
-            </a:r>
-            <a:r>
-              <a:rPr lang="en-US" altLang="zh-CN" sz="2400" dirty="0"/>
-              <a:t>: </a:t>
-            </a:r>
-            <a:r>
-              <a:rPr lang="en-US" altLang="zh-CN" sz="2400" dirty="0">
-                <a:hlinkClick r:id="rId2"/>
+              <a:rPr lang="it-IT" altLang="zh-CN" sz="2400" dirty="0">
+                <a:solidFill>
+                  <a:srgbClr val="FF0000"/>
+                </a:solidFill>
               </a:rPr>
-              <a:t>https://github.com/italobusi/ietf-network-inventory</a:t>
-            </a:r>
-            <a:r>
-              <a:rPr lang="en-US" altLang="zh-CN" sz="2400" dirty="0"/>
-              <a:t> </a:t>
+              <a:t>Which format is used for IP or MW NEs?</a:t>
             </a:r>
           </a:p>
         </p:txBody>
@@ -12545,7 +10859,7 @@
     </p:spTree>
     <p:extLst>
       <p:ext uri="{BB962C8B-B14F-4D97-AF65-F5344CB8AC3E}">
-        <p14:creationId xmlns:p14="http://schemas.microsoft.com/office/powerpoint/2010/main" val="2970624621"/>
+        <p14:creationId xmlns:p14="http://schemas.microsoft.com/office/powerpoint/2010/main" val="4066124825"/>
       </p:ext>
     </p:extLst>
   </p:cSld>
@@ -12574,14 +10888,458 @@
       </p:grpSpPr>
       <p:sp>
         <p:nvSpPr>
-          <p:cNvPr id="5" name="文本框 4"/>
+          <p:cNvPr id="4" name="副标题 1"/>
+          <p:cNvSpPr txBox="1">
+            <a:spLocks/>
+          </p:cNvSpPr>
+          <p:nvPr/>
+        </p:nvSpPr>
+        <p:spPr>
+          <a:xfrm>
+            <a:off x="577972" y="391315"/>
+            <a:ext cx="11538935" cy="468323"/>
+          </a:xfrm>
+          <a:prstGeom prst="rect">
+            <a:avLst/>
+          </a:prstGeom>
+        </p:spPr>
+        <p:txBody>
+          <a:bodyPr vert="horz" lIns="121820" tIns="60911" rIns="121820" bIns="60911" rtlCol="0" anchor="ctr">
+            <a:noAutofit/>
+          </a:bodyPr>
+          <a:lstStyle>
+            <a:lvl1pPr marL="0" indent="0" algn="l" defTabSz="1187204" rtl="0" eaLnBrk="1" latinLnBrk="0" hangingPunct="1">
+              <a:lnSpc>
+                <a:spcPts val="3429"/>
+              </a:lnSpc>
+              <a:spcBef>
+                <a:spcPts val="0"/>
+              </a:spcBef>
+              <a:buFont typeface="Arial" panose="020B0604020202020204" pitchFamily="34" charset="0"/>
+              <a:buNone/>
+              <a:defRPr sz="3199" kern="1200" baseline="0">
+                <a:solidFill>
+                  <a:schemeClr val="tx1"/>
+                </a:solidFill>
+                <a:latin typeface="Microsoft YaHei" panose="020B0503020204020204" pitchFamily="34" charset="-122"/>
+                <a:ea typeface="Microsoft YaHei" panose="020B0503020204020204" pitchFamily="34" charset="-122"/>
+                <a:cs typeface="+mn-cs"/>
+              </a:defRPr>
+            </a:lvl1pPr>
+            <a:lvl2pPr marL="593603" indent="0" algn="ctr" defTabSz="1187204" rtl="0" eaLnBrk="1" latinLnBrk="0" hangingPunct="1">
+              <a:lnSpc>
+                <a:spcPct val="90000"/>
+              </a:lnSpc>
+              <a:spcBef>
+                <a:spcPts val="650"/>
+              </a:spcBef>
+              <a:buFont typeface="Arial" panose="020B0604020202020204" pitchFamily="34" charset="0"/>
+              <a:buNone/>
+              <a:defRPr sz="2597" kern="1200">
+                <a:solidFill>
+                  <a:schemeClr val="tx1"/>
+                </a:solidFill>
+                <a:latin typeface="+mn-lt"/>
+                <a:ea typeface="+mn-ea"/>
+                <a:cs typeface="+mn-cs"/>
+              </a:defRPr>
+            </a:lvl2pPr>
+            <a:lvl3pPr marL="1187204" indent="0" algn="ctr" defTabSz="1187204" rtl="0" eaLnBrk="1" latinLnBrk="0" hangingPunct="1">
+              <a:lnSpc>
+                <a:spcPct val="90000"/>
+              </a:lnSpc>
+              <a:spcBef>
+                <a:spcPts val="650"/>
+              </a:spcBef>
+              <a:buFont typeface="Arial" panose="020B0604020202020204" pitchFamily="34" charset="0"/>
+              <a:buNone/>
+              <a:defRPr sz="2337" kern="1200">
+                <a:solidFill>
+                  <a:schemeClr val="tx1"/>
+                </a:solidFill>
+                <a:latin typeface="+mn-lt"/>
+                <a:ea typeface="+mn-ea"/>
+                <a:cs typeface="+mn-cs"/>
+              </a:defRPr>
+            </a:lvl3pPr>
+            <a:lvl4pPr marL="1780808" indent="0" algn="ctr" defTabSz="1187204" rtl="0" eaLnBrk="1" latinLnBrk="0" hangingPunct="1">
+              <a:lnSpc>
+                <a:spcPct val="90000"/>
+              </a:lnSpc>
+              <a:spcBef>
+                <a:spcPts val="650"/>
+              </a:spcBef>
+              <a:buFont typeface="Arial" panose="020B0604020202020204" pitchFamily="34" charset="0"/>
+              <a:buNone/>
+              <a:defRPr sz="2078" kern="1200">
+                <a:solidFill>
+                  <a:schemeClr val="tx1"/>
+                </a:solidFill>
+                <a:latin typeface="+mn-lt"/>
+                <a:ea typeface="+mn-ea"/>
+                <a:cs typeface="+mn-cs"/>
+              </a:defRPr>
+            </a:lvl4pPr>
+            <a:lvl5pPr marL="2374411" indent="0" algn="ctr" defTabSz="1187204" rtl="0" eaLnBrk="1" latinLnBrk="0" hangingPunct="1">
+              <a:lnSpc>
+                <a:spcPct val="90000"/>
+              </a:lnSpc>
+              <a:spcBef>
+                <a:spcPts val="650"/>
+              </a:spcBef>
+              <a:buFont typeface="Arial" panose="020B0604020202020204" pitchFamily="34" charset="0"/>
+              <a:buNone/>
+              <a:defRPr sz="2078" kern="1200">
+                <a:solidFill>
+                  <a:schemeClr val="tx1"/>
+                </a:solidFill>
+                <a:latin typeface="+mn-lt"/>
+                <a:ea typeface="+mn-ea"/>
+                <a:cs typeface="+mn-cs"/>
+              </a:defRPr>
+            </a:lvl5pPr>
+            <a:lvl6pPr marL="2968012" indent="0" algn="ctr" defTabSz="1187204" rtl="0" eaLnBrk="1" latinLnBrk="0" hangingPunct="1">
+              <a:lnSpc>
+                <a:spcPct val="90000"/>
+              </a:lnSpc>
+              <a:spcBef>
+                <a:spcPts val="650"/>
+              </a:spcBef>
+              <a:buFont typeface="Arial" panose="020B0604020202020204" pitchFamily="34" charset="0"/>
+              <a:buNone/>
+              <a:defRPr sz="2078" kern="1200">
+                <a:solidFill>
+                  <a:schemeClr val="tx1"/>
+                </a:solidFill>
+                <a:latin typeface="+mn-lt"/>
+                <a:ea typeface="+mn-ea"/>
+                <a:cs typeface="+mn-cs"/>
+              </a:defRPr>
+            </a:lvl6pPr>
+            <a:lvl7pPr marL="3561615" indent="0" algn="ctr" defTabSz="1187204" rtl="0" eaLnBrk="1" latinLnBrk="0" hangingPunct="1">
+              <a:lnSpc>
+                <a:spcPct val="90000"/>
+              </a:lnSpc>
+              <a:spcBef>
+                <a:spcPts val="650"/>
+              </a:spcBef>
+              <a:buFont typeface="Arial" panose="020B0604020202020204" pitchFamily="34" charset="0"/>
+              <a:buNone/>
+              <a:defRPr sz="2078" kern="1200">
+                <a:solidFill>
+                  <a:schemeClr val="tx1"/>
+                </a:solidFill>
+                <a:latin typeface="+mn-lt"/>
+                <a:ea typeface="+mn-ea"/>
+                <a:cs typeface="+mn-cs"/>
+              </a:defRPr>
+            </a:lvl7pPr>
+            <a:lvl8pPr marL="4155218" indent="0" algn="ctr" defTabSz="1187204" rtl="0" eaLnBrk="1" latinLnBrk="0" hangingPunct="1">
+              <a:lnSpc>
+                <a:spcPct val="90000"/>
+              </a:lnSpc>
+              <a:spcBef>
+                <a:spcPts val="650"/>
+              </a:spcBef>
+              <a:buFont typeface="Arial" panose="020B0604020202020204" pitchFamily="34" charset="0"/>
+              <a:buNone/>
+              <a:defRPr sz="2078" kern="1200">
+                <a:solidFill>
+                  <a:schemeClr val="tx1"/>
+                </a:solidFill>
+                <a:latin typeface="+mn-lt"/>
+                <a:ea typeface="+mn-ea"/>
+                <a:cs typeface="+mn-cs"/>
+              </a:defRPr>
+            </a:lvl8pPr>
+            <a:lvl9pPr marL="4748820" indent="0" algn="ctr" defTabSz="1187204" rtl="0" eaLnBrk="1" latinLnBrk="0" hangingPunct="1">
+              <a:lnSpc>
+                <a:spcPct val="90000"/>
+              </a:lnSpc>
+              <a:spcBef>
+                <a:spcPts val="650"/>
+              </a:spcBef>
+              <a:buFont typeface="Arial" panose="020B0604020202020204" pitchFamily="34" charset="0"/>
+              <a:buNone/>
+              <a:defRPr sz="2078" kern="1200">
+                <a:solidFill>
+                  <a:schemeClr val="tx1"/>
+                </a:solidFill>
+                <a:latin typeface="+mn-lt"/>
+                <a:ea typeface="+mn-ea"/>
+                <a:cs typeface="+mn-cs"/>
+              </a:defRPr>
+            </a:lvl9pPr>
+          </a:lstStyle>
+          <a:p>
+            <a:pPr defTabSz="1218926">
+              <a:spcBef>
+                <a:spcPct val="0"/>
+              </a:spcBef>
+            </a:pPr>
+            <a:r>
+              <a:rPr lang="it-IT" altLang="zh-CN" sz="3600" b="1" dirty="0">
+                <a:solidFill>
+                  <a:srgbClr val="C00000"/>
+                </a:solidFill>
+                <a:latin typeface="+mn-lt"/>
+                <a:ea typeface="+mj-ea"/>
+                <a:cs typeface="+mj-cs"/>
+                <a:sym typeface="Arial" panose="020B0604020202020204" pitchFamily="34" charset="0"/>
+              </a:rPr>
+              <a:t>Chassis component location and relative position</a:t>
+            </a:r>
+            <a:endParaRPr lang="en-US" altLang="zh-CN" sz="3600" b="1" dirty="0">
+              <a:solidFill>
+                <a:srgbClr val="C00000"/>
+              </a:solidFill>
+              <a:latin typeface="+mn-lt"/>
+              <a:ea typeface="+mj-ea"/>
+              <a:cs typeface="+mj-cs"/>
+              <a:sym typeface="Arial" panose="020B0604020202020204" pitchFamily="34" charset="0"/>
+            </a:endParaRPr>
+          </a:p>
+        </p:txBody>
+      </p:sp>
+      <p:sp>
+        <p:nvSpPr>
+          <p:cNvPr id="2" name="灯片编号占位符 1"/>
+          <p:cNvSpPr>
+            <a:spLocks noGrp="1"/>
+          </p:cNvSpPr>
+          <p:nvPr>
+            <p:ph type="sldNum" sz="quarter" idx="12"/>
+          </p:nvPr>
+        </p:nvSpPr>
+        <p:spPr/>
+        <p:txBody>
+          <a:bodyPr/>
+          <a:lstStyle/>
+          <a:p>
+            <a:fld id="{456C6BAF-A893-4D90-BFB4-BDE2C98C7EC3}" type="slidenum">
+              <a:rPr lang="zh-CN" altLang="en-US" smtClean="0"/>
+              <a:t>8</a:t>
+            </a:fld>
+            <a:endParaRPr lang="zh-CN" altLang="en-US" dirty="0"/>
+          </a:p>
+        </p:txBody>
+      </p:sp>
+      <p:sp>
+        <p:nvSpPr>
+          <p:cNvPr id="13" name="TextBox 12">
+            <a:extLst>
+              <a:ext uri="{FF2B5EF4-FFF2-40B4-BE49-F238E27FC236}">
+                <a16:creationId xmlns:a16="http://schemas.microsoft.com/office/drawing/2014/main" id="{F4403177-5EAF-4FEB-A41E-A29DB973CB4A}"/>
+              </a:ext>
+            </a:extLst>
+          </p:cNvPr>
           <p:cNvSpPr txBox="1"/>
           <p:nvPr/>
         </p:nvSpPr>
         <p:spPr>
           <a:xfrm>
-            <a:off x="3200400" y="2514600"/>
-            <a:ext cx="5334000" cy="707886"/>
+            <a:off x="8223079" y="5709678"/>
+            <a:ext cx="3684278" cy="646331"/>
+          </a:xfrm>
+          <a:prstGeom prst="borderCallout1">
+            <a:avLst>
+              <a:gd name="adj1" fmla="val 1066"/>
+              <a:gd name="adj2" fmla="val 53197"/>
+              <a:gd name="adj3" fmla="val -356138"/>
+              <a:gd name="adj4" fmla="val -6017"/>
+            </a:avLst>
+          </a:prstGeom>
+          <a:noFill/>
+          <a:ln>
+            <a:solidFill>
+              <a:srgbClr val="FF0000"/>
+            </a:solidFill>
+          </a:ln>
+        </p:spPr>
+        <p:txBody>
+          <a:bodyPr wrap="none" rtlCol="0">
+            <a:spAutoFit/>
+          </a:bodyPr>
+          <a:lstStyle>
+            <a:defPPr>
+              <a:defRPr lang="zh-CN"/>
+            </a:defPPr>
+          </a:lstStyle>
+          <a:p>
+            <a:r>
+              <a:rPr lang="it-IT" dirty="0"/>
+              <a:t>Chassis relative position: </a:t>
+            </a:r>
+            <a:r>
+              <a:rPr lang="it-IT" dirty="0">
+                <a:solidFill>
+                  <a:srgbClr val="FF0000"/>
+                </a:solidFill>
+              </a:rPr>
+              <a:t>2</a:t>
+            </a:r>
+          </a:p>
+          <a:p>
+            <a:r>
+              <a:rPr lang="it-IT" dirty="0"/>
+              <a:t>component location: ne=ne-foo/sh=</a:t>
+            </a:r>
+            <a:r>
+              <a:rPr lang="it-IT" dirty="0">
+                <a:solidFill>
+                  <a:srgbClr val="FF0000"/>
+                </a:solidFill>
+              </a:rPr>
+              <a:t>1</a:t>
+            </a:r>
+            <a:endParaRPr lang="en-US" dirty="0">
+              <a:solidFill>
+                <a:srgbClr val="FF0000"/>
+              </a:solidFill>
+            </a:endParaRPr>
+          </a:p>
+        </p:txBody>
+      </p:sp>
+      <p:sp>
+        <p:nvSpPr>
+          <p:cNvPr id="22" name="TextBox 21">
+            <a:extLst>
+              <a:ext uri="{FF2B5EF4-FFF2-40B4-BE49-F238E27FC236}">
+                <a16:creationId xmlns:a16="http://schemas.microsoft.com/office/drawing/2014/main" id="{B86297FD-C522-4A68-8660-F5C89C6B2AFE}"/>
+              </a:ext>
+            </a:extLst>
+          </p:cNvPr>
+          <p:cNvSpPr txBox="1"/>
+          <p:nvPr/>
+        </p:nvSpPr>
+        <p:spPr>
+          <a:xfrm>
+            <a:off x="730372" y="5709678"/>
+            <a:ext cx="3684278" cy="646331"/>
+          </a:xfrm>
+          <a:prstGeom prst="borderCallout1">
+            <a:avLst>
+              <a:gd name="adj1" fmla="val -408"/>
+              <a:gd name="adj2" fmla="val 42081"/>
+              <a:gd name="adj3" fmla="val -167504"/>
+              <a:gd name="adj4" fmla="val 69474"/>
+            </a:avLst>
+          </a:prstGeom>
+          <a:noFill/>
+          <a:ln>
+            <a:solidFill>
+              <a:srgbClr val="FF0000"/>
+            </a:solidFill>
+          </a:ln>
+        </p:spPr>
+        <p:txBody>
+          <a:bodyPr wrap="none" rtlCol="0">
+            <a:spAutoFit/>
+          </a:bodyPr>
+          <a:lstStyle>
+            <a:defPPr>
+              <a:defRPr lang="zh-CN"/>
+            </a:defPPr>
+          </a:lstStyle>
+          <a:p>
+            <a:r>
+              <a:rPr lang="it-IT" dirty="0"/>
+              <a:t>Chassis relative position: </a:t>
+            </a:r>
+            <a:r>
+              <a:rPr lang="it-IT" dirty="0">
+                <a:solidFill>
+                  <a:srgbClr val="FF0000"/>
+                </a:solidFill>
+              </a:rPr>
+              <a:t>3</a:t>
+            </a:r>
+          </a:p>
+          <a:p>
+            <a:r>
+              <a:rPr lang="it-IT" dirty="0"/>
+              <a:t>component location: ne=ne-foo/sh=</a:t>
+            </a:r>
+            <a:r>
+              <a:rPr lang="it-IT" dirty="0">
+                <a:solidFill>
+                  <a:srgbClr val="FF0000"/>
+                </a:solidFill>
+              </a:rPr>
+              <a:t>2</a:t>
+            </a:r>
+            <a:endParaRPr lang="en-US" dirty="0">
+              <a:solidFill>
+                <a:srgbClr val="FF0000"/>
+              </a:solidFill>
+            </a:endParaRPr>
+          </a:p>
+        </p:txBody>
+      </p:sp>
+      <p:sp>
+        <p:nvSpPr>
+          <p:cNvPr id="35" name="Rectangle 34">
+            <a:extLst>
+              <a:ext uri="{FF2B5EF4-FFF2-40B4-BE49-F238E27FC236}">
+                <a16:creationId xmlns:a16="http://schemas.microsoft.com/office/drawing/2014/main" id="{BCF010A0-6ECF-41EF-ADA9-90541F2F99F4}"/>
+              </a:ext>
+            </a:extLst>
+          </p:cNvPr>
+          <p:cNvSpPr/>
+          <p:nvPr/>
+        </p:nvSpPr>
+        <p:spPr>
+          <a:xfrm>
+            <a:off x="3291522" y="1655460"/>
+            <a:ext cx="1906651" cy="3510680"/>
+          </a:xfrm>
+          <a:prstGeom prst="rect">
+            <a:avLst/>
+          </a:prstGeom>
+          <a:noFill/>
+          <a:ln w="28575"/>
+        </p:spPr>
+        <p:style>
+          <a:lnRef idx="2">
+            <a:schemeClr val="accent1">
+              <a:shade val="50000"/>
+            </a:schemeClr>
+          </a:lnRef>
+          <a:fillRef idx="1">
+            <a:schemeClr val="accent1"/>
+          </a:fillRef>
+          <a:effectRef idx="0">
+            <a:schemeClr val="accent1"/>
+          </a:effectRef>
+          <a:fontRef idx="minor">
+            <a:schemeClr val="lt1"/>
+          </a:fontRef>
+        </p:style>
+        <p:txBody>
+          <a:bodyPr rtlCol="0" anchor="ctr"/>
+          <a:lstStyle/>
+          <a:p>
+            <a:pPr algn="ctr"/>
+            <a:endParaRPr lang="en-US"/>
+          </a:p>
+        </p:txBody>
+      </p:sp>
+      <p:sp>
+        <p:nvSpPr>
+          <p:cNvPr id="36" name="TextBox 35">
+            <a:extLst>
+              <a:ext uri="{FF2B5EF4-FFF2-40B4-BE49-F238E27FC236}">
+                <a16:creationId xmlns:a16="http://schemas.microsoft.com/office/drawing/2014/main" id="{808F37C2-D2C0-42AA-9CDC-44C22B3EDC7A}"/>
+              </a:ext>
+            </a:extLst>
+          </p:cNvPr>
+          <p:cNvSpPr txBox="1"/>
+          <p:nvPr/>
+        </p:nvSpPr>
+        <p:spPr>
+          <a:xfrm>
+            <a:off x="3291522" y="1092714"/>
+            <a:ext cx="1906651" cy="400110"/>
           </a:xfrm>
           <a:prstGeom prst="rect">
             <a:avLst/>
@@ -12596,44 +11354,992 @@
           <a:p>
             <a:pPr algn="ctr"/>
             <a:r>
-              <a:rPr lang="en-US" altLang="zh-CN" sz="4000" dirty="0"/>
-              <a:t>Thank You </a:t>
-            </a:r>
-            <a:r>
-              <a:rPr lang="zh-CN" altLang="en-US" sz="4000" dirty="0"/>
-              <a:t>！</a:t>
-            </a:r>
-          </a:p>
-        </p:txBody>
-      </p:sp>
-      <p:sp>
-        <p:nvSpPr>
-          <p:cNvPr id="6" name="灯片编号占位符 5"/>
-          <p:cNvSpPr>
-            <a:spLocks noGrp="1"/>
-          </p:cNvSpPr>
-          <p:nvPr>
-            <p:ph type="sldNum" sz="quarter" idx="12"/>
-          </p:nvPr>
-        </p:nvSpPr>
-        <p:spPr/>
-        <p:txBody>
-          <a:bodyPr/>
-          <a:lstStyle/>
-          <a:p>
-            <a:fld id="{B6F15528-21DE-4FAA-801E-634DDDAF4B2B}" type="slidenum">
-              <a:rPr lang="en-US" smtClean="0"/>
-              <a:pPr/>
-              <a:t>8</a:t>
-            </a:fld>
+              <a:rPr lang="it-IT" sz="2000" dirty="0"/>
+              <a:t>rack A</a:t>
+            </a:r>
+            <a:endParaRPr lang="en-US" sz="2000" dirty="0"/>
+          </a:p>
+        </p:txBody>
+      </p:sp>
+      <p:sp>
+        <p:nvSpPr>
+          <p:cNvPr id="37" name="Rectangle: Rounded Corners 36">
+            <a:extLst>
+              <a:ext uri="{FF2B5EF4-FFF2-40B4-BE49-F238E27FC236}">
+                <a16:creationId xmlns:a16="http://schemas.microsoft.com/office/drawing/2014/main" id="{70FF4BA2-D01A-4E36-BB11-FAFBCDDC16EB}"/>
+              </a:ext>
+            </a:extLst>
+          </p:cNvPr>
+          <p:cNvSpPr/>
+          <p:nvPr/>
+        </p:nvSpPr>
+        <p:spPr>
+          <a:xfrm>
+            <a:off x="3303111" y="4202891"/>
+            <a:ext cx="1883473" cy="816784"/>
+          </a:xfrm>
+          <a:prstGeom prst="roundRect">
+            <a:avLst/>
+          </a:prstGeom>
+        </p:spPr>
+        <p:style>
+          <a:lnRef idx="2">
+            <a:schemeClr val="accent1">
+              <a:shade val="50000"/>
+            </a:schemeClr>
+          </a:lnRef>
+          <a:fillRef idx="1">
+            <a:schemeClr val="accent1"/>
+          </a:fillRef>
+          <a:effectRef idx="0">
+            <a:schemeClr val="accent1"/>
+          </a:effectRef>
+          <a:fontRef idx="minor">
+            <a:schemeClr val="lt1"/>
+          </a:fontRef>
+        </p:style>
+        <p:txBody>
+          <a:bodyPr rtlCol="0" anchor="ctr"/>
+          <a:lstStyle/>
+          <a:p>
+            <a:pPr algn="ctr"/>
+            <a:r>
+              <a:rPr lang="it-IT" dirty="0"/>
+              <a:t>ne-foo</a:t>
+            </a:r>
+          </a:p>
+          <a:p>
+            <a:pPr algn="ctr"/>
+            <a:r>
+              <a:rPr lang="it-IT" dirty="0"/>
+              <a:t>second shelf</a:t>
+            </a:r>
+            <a:endParaRPr lang="en-US" dirty="0"/>
+          </a:p>
+        </p:txBody>
+      </p:sp>
+      <p:sp>
+        <p:nvSpPr>
+          <p:cNvPr id="38" name="TextBox 37">
+            <a:extLst>
+              <a:ext uri="{FF2B5EF4-FFF2-40B4-BE49-F238E27FC236}">
+                <a16:creationId xmlns:a16="http://schemas.microsoft.com/office/drawing/2014/main" id="{392C842F-83D1-48EA-BAC2-47B44FDF1B8B}"/>
+              </a:ext>
+            </a:extLst>
+          </p:cNvPr>
+          <p:cNvSpPr txBox="1"/>
+          <p:nvPr/>
+        </p:nvSpPr>
+        <p:spPr>
+          <a:xfrm>
+            <a:off x="5198173" y="1972709"/>
+            <a:ext cx="301686" cy="369332"/>
+          </a:xfrm>
+          <a:prstGeom prst="rect">
+            <a:avLst/>
+          </a:prstGeom>
+          <a:noFill/>
+        </p:spPr>
+        <p:txBody>
+          <a:bodyPr wrap="square" rtlCol="0">
+            <a:spAutoFit/>
+          </a:bodyPr>
+          <a:lstStyle/>
+          <a:p>
+            <a:r>
+              <a:rPr lang="it-IT" dirty="0"/>
+              <a:t>1</a:t>
+            </a:r>
+            <a:endParaRPr lang="en-US" dirty="0"/>
+          </a:p>
+        </p:txBody>
+      </p:sp>
+      <p:sp>
+        <p:nvSpPr>
+          <p:cNvPr id="39" name="TextBox 38">
+            <a:extLst>
+              <a:ext uri="{FF2B5EF4-FFF2-40B4-BE49-F238E27FC236}">
+                <a16:creationId xmlns:a16="http://schemas.microsoft.com/office/drawing/2014/main" id="{3A546154-02BB-4515-A2CB-46DB88013CDF}"/>
+              </a:ext>
+            </a:extLst>
+          </p:cNvPr>
+          <p:cNvSpPr txBox="1"/>
+          <p:nvPr/>
+        </p:nvSpPr>
+        <p:spPr>
+          <a:xfrm>
+            <a:off x="5198173" y="3174382"/>
+            <a:ext cx="301686" cy="369332"/>
+          </a:xfrm>
+          <a:prstGeom prst="rect">
+            <a:avLst/>
+          </a:prstGeom>
+          <a:noFill/>
+        </p:spPr>
+        <p:txBody>
+          <a:bodyPr wrap="square" rtlCol="0">
+            <a:spAutoFit/>
+          </a:bodyPr>
+          <a:lstStyle/>
+          <a:p>
+            <a:r>
+              <a:rPr lang="it-IT" dirty="0"/>
+              <a:t>2</a:t>
+            </a:r>
+            <a:endParaRPr lang="en-US" dirty="0"/>
+          </a:p>
+        </p:txBody>
+      </p:sp>
+      <p:sp>
+        <p:nvSpPr>
+          <p:cNvPr id="40" name="TextBox 39">
+            <a:extLst>
+              <a:ext uri="{FF2B5EF4-FFF2-40B4-BE49-F238E27FC236}">
+                <a16:creationId xmlns:a16="http://schemas.microsoft.com/office/drawing/2014/main" id="{9BB788DA-96DC-473B-8FC3-ACE151427FB1}"/>
+              </a:ext>
+            </a:extLst>
+          </p:cNvPr>
+          <p:cNvSpPr txBox="1"/>
+          <p:nvPr/>
+        </p:nvSpPr>
+        <p:spPr>
+          <a:xfrm>
+            <a:off x="5198173" y="4380260"/>
+            <a:ext cx="301686" cy="369332"/>
+          </a:xfrm>
+          <a:prstGeom prst="rect">
+            <a:avLst/>
+          </a:prstGeom>
+          <a:noFill/>
+        </p:spPr>
+        <p:txBody>
+          <a:bodyPr wrap="square" rtlCol="0">
+            <a:spAutoFit/>
+          </a:bodyPr>
+          <a:lstStyle/>
+          <a:p>
+            <a:r>
+              <a:rPr lang="it-IT" dirty="0"/>
+              <a:t>3</a:t>
+            </a:r>
+            <a:endParaRPr lang="en-US" dirty="0"/>
+          </a:p>
+        </p:txBody>
+      </p:sp>
+      <p:sp>
+        <p:nvSpPr>
+          <p:cNvPr id="41" name="Rectangle: Rounded Corners 40">
+            <a:extLst>
+              <a:ext uri="{FF2B5EF4-FFF2-40B4-BE49-F238E27FC236}">
+                <a16:creationId xmlns:a16="http://schemas.microsoft.com/office/drawing/2014/main" id="{6B9AA4C9-6251-4A38-9D26-AAA5651558B0}"/>
+              </a:ext>
+            </a:extLst>
+          </p:cNvPr>
+          <p:cNvSpPr/>
+          <p:nvPr/>
+        </p:nvSpPr>
+        <p:spPr>
+          <a:xfrm>
+            <a:off x="3303111" y="2999279"/>
+            <a:ext cx="1883473" cy="816784"/>
+          </a:xfrm>
+          <a:prstGeom prst="roundRect">
+            <a:avLst/>
+          </a:prstGeom>
+        </p:spPr>
+        <p:style>
+          <a:lnRef idx="2">
+            <a:schemeClr val="accent1">
+              <a:shade val="50000"/>
+            </a:schemeClr>
+          </a:lnRef>
+          <a:fillRef idx="1">
+            <a:schemeClr val="accent1"/>
+          </a:fillRef>
+          <a:effectRef idx="0">
+            <a:schemeClr val="accent1"/>
+          </a:effectRef>
+          <a:fontRef idx="minor">
+            <a:schemeClr val="lt1"/>
+          </a:fontRef>
+        </p:style>
+        <p:txBody>
+          <a:bodyPr rtlCol="0" anchor="ctr"/>
+          <a:lstStyle/>
+          <a:p>
+            <a:pPr algn="ctr"/>
+            <a:endParaRPr lang="en-US" dirty="0"/>
+          </a:p>
+        </p:txBody>
+      </p:sp>
+      <p:sp>
+        <p:nvSpPr>
+          <p:cNvPr id="42" name="Rectangle: Rounded Corners 41">
+            <a:extLst>
+              <a:ext uri="{FF2B5EF4-FFF2-40B4-BE49-F238E27FC236}">
+                <a16:creationId xmlns:a16="http://schemas.microsoft.com/office/drawing/2014/main" id="{1F639053-44A9-47C8-B580-65AFAE681200}"/>
+              </a:ext>
+            </a:extLst>
+          </p:cNvPr>
+          <p:cNvSpPr/>
+          <p:nvPr/>
+        </p:nvSpPr>
+        <p:spPr>
+          <a:xfrm>
+            <a:off x="3303111" y="1837323"/>
+            <a:ext cx="1883473" cy="816784"/>
+          </a:xfrm>
+          <a:prstGeom prst="roundRect">
+            <a:avLst/>
+          </a:prstGeom>
+        </p:spPr>
+        <p:style>
+          <a:lnRef idx="2">
+            <a:schemeClr val="accent1">
+              <a:shade val="50000"/>
+            </a:schemeClr>
+          </a:lnRef>
+          <a:fillRef idx="1">
+            <a:schemeClr val="accent1"/>
+          </a:fillRef>
+          <a:effectRef idx="0">
+            <a:schemeClr val="accent1"/>
+          </a:effectRef>
+          <a:fontRef idx="minor">
+            <a:schemeClr val="lt1"/>
+          </a:fontRef>
+        </p:style>
+        <p:txBody>
+          <a:bodyPr rtlCol="0" anchor="ctr"/>
+          <a:lstStyle/>
+          <a:p>
+            <a:pPr algn="ctr"/>
+            <a:endParaRPr lang="en-US" dirty="0"/>
+          </a:p>
+        </p:txBody>
+      </p:sp>
+      <p:sp>
+        <p:nvSpPr>
+          <p:cNvPr id="46" name="Rectangle 45">
+            <a:extLst>
+              <a:ext uri="{FF2B5EF4-FFF2-40B4-BE49-F238E27FC236}">
+                <a16:creationId xmlns:a16="http://schemas.microsoft.com/office/drawing/2014/main" id="{614C357E-05CD-4623-A3F8-0DCFA58CEBBA}"/>
+              </a:ext>
+            </a:extLst>
+          </p:cNvPr>
+          <p:cNvSpPr/>
+          <p:nvPr/>
+        </p:nvSpPr>
+        <p:spPr>
+          <a:xfrm>
+            <a:off x="6096000" y="1655460"/>
+            <a:ext cx="1906651" cy="3510680"/>
+          </a:xfrm>
+          <a:prstGeom prst="rect">
+            <a:avLst/>
+          </a:prstGeom>
+          <a:noFill/>
+          <a:ln w="28575"/>
+        </p:spPr>
+        <p:style>
+          <a:lnRef idx="2">
+            <a:schemeClr val="accent1">
+              <a:shade val="50000"/>
+            </a:schemeClr>
+          </a:lnRef>
+          <a:fillRef idx="1">
+            <a:schemeClr val="accent1"/>
+          </a:fillRef>
+          <a:effectRef idx="0">
+            <a:schemeClr val="accent1"/>
+          </a:effectRef>
+          <a:fontRef idx="minor">
+            <a:schemeClr val="lt1"/>
+          </a:fontRef>
+        </p:style>
+        <p:txBody>
+          <a:bodyPr rtlCol="0" anchor="ctr"/>
+          <a:lstStyle/>
+          <a:p>
+            <a:pPr algn="ctr"/>
             <a:endParaRPr lang="en-US"/>
+          </a:p>
+        </p:txBody>
+      </p:sp>
+      <p:sp>
+        <p:nvSpPr>
+          <p:cNvPr id="47" name="TextBox 46">
+            <a:extLst>
+              <a:ext uri="{FF2B5EF4-FFF2-40B4-BE49-F238E27FC236}">
+                <a16:creationId xmlns:a16="http://schemas.microsoft.com/office/drawing/2014/main" id="{E01F60C6-8078-4BC9-89F4-74FF621FB272}"/>
+              </a:ext>
+            </a:extLst>
+          </p:cNvPr>
+          <p:cNvSpPr txBox="1"/>
+          <p:nvPr/>
+        </p:nvSpPr>
+        <p:spPr>
+          <a:xfrm>
+            <a:off x="6096001" y="1092714"/>
+            <a:ext cx="1877686" cy="400110"/>
+          </a:xfrm>
+          <a:prstGeom prst="rect">
+            <a:avLst/>
+          </a:prstGeom>
+          <a:noFill/>
+        </p:spPr>
+        <p:txBody>
+          <a:bodyPr wrap="square" rtlCol="0">
+            <a:spAutoFit/>
+          </a:bodyPr>
+          <a:lstStyle/>
+          <a:p>
+            <a:pPr algn="ctr"/>
+            <a:r>
+              <a:rPr lang="it-IT" sz="2000" dirty="0"/>
+              <a:t>rack B</a:t>
+            </a:r>
+            <a:endParaRPr lang="en-US" sz="2000" dirty="0"/>
+          </a:p>
+        </p:txBody>
+      </p:sp>
+      <p:sp>
+        <p:nvSpPr>
+          <p:cNvPr id="48" name="Rectangle: Rounded Corners 47">
+            <a:extLst>
+              <a:ext uri="{FF2B5EF4-FFF2-40B4-BE49-F238E27FC236}">
+                <a16:creationId xmlns:a16="http://schemas.microsoft.com/office/drawing/2014/main" id="{91087B0E-0EDA-488C-9BB1-EFC125EF9386}"/>
+              </a:ext>
+            </a:extLst>
+          </p:cNvPr>
+          <p:cNvSpPr/>
+          <p:nvPr/>
+        </p:nvSpPr>
+        <p:spPr>
+          <a:xfrm>
+            <a:off x="6101788" y="1837323"/>
+            <a:ext cx="1883473" cy="816784"/>
+          </a:xfrm>
+          <a:prstGeom prst="roundRect">
+            <a:avLst/>
+          </a:prstGeom>
+        </p:spPr>
+        <p:style>
+          <a:lnRef idx="2">
+            <a:schemeClr val="accent1">
+              <a:shade val="50000"/>
+            </a:schemeClr>
+          </a:lnRef>
+          <a:fillRef idx="1">
+            <a:schemeClr val="accent1"/>
+          </a:fillRef>
+          <a:effectRef idx="0">
+            <a:schemeClr val="accent1"/>
+          </a:effectRef>
+          <a:fontRef idx="minor">
+            <a:schemeClr val="lt1"/>
+          </a:fontRef>
+        </p:style>
+        <p:txBody>
+          <a:bodyPr rtlCol="0" anchor="ctr"/>
+          <a:lstStyle/>
+          <a:p>
+            <a:pPr algn="ctr"/>
+            <a:endParaRPr lang="en-US" dirty="0"/>
+          </a:p>
+        </p:txBody>
+      </p:sp>
+      <p:sp>
+        <p:nvSpPr>
+          <p:cNvPr id="49" name="Rectangle: Rounded Corners 48">
+            <a:extLst>
+              <a:ext uri="{FF2B5EF4-FFF2-40B4-BE49-F238E27FC236}">
+                <a16:creationId xmlns:a16="http://schemas.microsoft.com/office/drawing/2014/main" id="{6D6A0358-2067-4B15-9337-0157BF35D51C}"/>
+              </a:ext>
+            </a:extLst>
+          </p:cNvPr>
+          <p:cNvSpPr/>
+          <p:nvPr/>
+        </p:nvSpPr>
+        <p:spPr>
+          <a:xfrm>
+            <a:off x="6101788" y="2999279"/>
+            <a:ext cx="1883473" cy="816784"/>
+          </a:xfrm>
+          <a:prstGeom prst="roundRect">
+            <a:avLst/>
+          </a:prstGeom>
+        </p:spPr>
+        <p:style>
+          <a:lnRef idx="2">
+            <a:schemeClr val="accent1">
+              <a:shade val="50000"/>
+            </a:schemeClr>
+          </a:lnRef>
+          <a:fillRef idx="1">
+            <a:schemeClr val="accent1"/>
+          </a:fillRef>
+          <a:effectRef idx="0">
+            <a:schemeClr val="accent1"/>
+          </a:effectRef>
+          <a:fontRef idx="minor">
+            <a:schemeClr val="lt1"/>
+          </a:fontRef>
+        </p:style>
+        <p:txBody>
+          <a:bodyPr rtlCol="0" anchor="ctr"/>
+          <a:lstStyle/>
+          <a:p>
+            <a:pPr algn="ctr"/>
+            <a:r>
+              <a:rPr lang="it-IT" dirty="0"/>
+              <a:t>ne-foo</a:t>
+            </a:r>
+          </a:p>
+          <a:p>
+            <a:pPr algn="ctr"/>
+            <a:r>
+              <a:rPr lang="it-IT" dirty="0"/>
+              <a:t>main-shelf</a:t>
+            </a:r>
+            <a:endParaRPr lang="en-US" dirty="0"/>
+          </a:p>
+        </p:txBody>
+      </p:sp>
+      <p:sp>
+        <p:nvSpPr>
+          <p:cNvPr id="50" name="Rectangle: Rounded Corners 49">
+            <a:extLst>
+              <a:ext uri="{FF2B5EF4-FFF2-40B4-BE49-F238E27FC236}">
+                <a16:creationId xmlns:a16="http://schemas.microsoft.com/office/drawing/2014/main" id="{DA7353E8-FA0D-4728-AA30-65CE0CBEE174}"/>
+              </a:ext>
+            </a:extLst>
+          </p:cNvPr>
+          <p:cNvSpPr/>
+          <p:nvPr/>
+        </p:nvSpPr>
+        <p:spPr>
+          <a:xfrm>
+            <a:off x="6101788" y="4202891"/>
+            <a:ext cx="1883473" cy="816784"/>
+          </a:xfrm>
+          <a:prstGeom prst="roundRect">
+            <a:avLst/>
+          </a:prstGeom>
+        </p:spPr>
+        <p:style>
+          <a:lnRef idx="2">
+            <a:schemeClr val="accent1">
+              <a:shade val="50000"/>
+            </a:schemeClr>
+          </a:lnRef>
+          <a:fillRef idx="1">
+            <a:schemeClr val="accent1"/>
+          </a:fillRef>
+          <a:effectRef idx="0">
+            <a:schemeClr val="accent1"/>
+          </a:effectRef>
+          <a:fontRef idx="minor">
+            <a:schemeClr val="lt1"/>
+          </a:fontRef>
+        </p:style>
+        <p:txBody>
+          <a:bodyPr rtlCol="0" anchor="ctr"/>
+          <a:lstStyle/>
+          <a:p>
+            <a:pPr algn="ctr"/>
+            <a:endParaRPr lang="en-US" dirty="0"/>
+          </a:p>
+        </p:txBody>
+      </p:sp>
+      <p:sp>
+        <p:nvSpPr>
+          <p:cNvPr id="51" name="TextBox 50">
+            <a:extLst>
+              <a:ext uri="{FF2B5EF4-FFF2-40B4-BE49-F238E27FC236}">
+                <a16:creationId xmlns:a16="http://schemas.microsoft.com/office/drawing/2014/main" id="{321B2FA4-6928-4099-90A9-6E7A409151B0}"/>
+              </a:ext>
+            </a:extLst>
+          </p:cNvPr>
+          <p:cNvSpPr txBox="1"/>
+          <p:nvPr/>
+        </p:nvSpPr>
+        <p:spPr>
+          <a:xfrm>
+            <a:off x="5788528" y="1972709"/>
+            <a:ext cx="301686" cy="369332"/>
+          </a:xfrm>
+          <a:prstGeom prst="rect">
+            <a:avLst/>
+          </a:prstGeom>
+          <a:noFill/>
+        </p:spPr>
+        <p:txBody>
+          <a:bodyPr wrap="square" rtlCol="0">
+            <a:spAutoFit/>
+          </a:bodyPr>
+          <a:lstStyle/>
+          <a:p>
+            <a:r>
+              <a:rPr lang="it-IT" dirty="0"/>
+              <a:t>1</a:t>
+            </a:r>
+            <a:endParaRPr lang="en-US" dirty="0"/>
+          </a:p>
+        </p:txBody>
+      </p:sp>
+      <p:sp>
+        <p:nvSpPr>
+          <p:cNvPr id="52" name="TextBox 51">
+            <a:extLst>
+              <a:ext uri="{FF2B5EF4-FFF2-40B4-BE49-F238E27FC236}">
+                <a16:creationId xmlns:a16="http://schemas.microsoft.com/office/drawing/2014/main" id="{B5E54AA3-ABA8-4E90-A84D-9DAE7302216B}"/>
+              </a:ext>
+            </a:extLst>
+          </p:cNvPr>
+          <p:cNvSpPr txBox="1"/>
+          <p:nvPr/>
+        </p:nvSpPr>
+        <p:spPr>
+          <a:xfrm>
+            <a:off x="5788528" y="3174382"/>
+            <a:ext cx="301686" cy="369332"/>
+          </a:xfrm>
+          <a:prstGeom prst="rect">
+            <a:avLst/>
+          </a:prstGeom>
+          <a:noFill/>
+        </p:spPr>
+        <p:txBody>
+          <a:bodyPr wrap="square" rtlCol="0">
+            <a:spAutoFit/>
+          </a:bodyPr>
+          <a:lstStyle/>
+          <a:p>
+            <a:r>
+              <a:rPr lang="it-IT" dirty="0"/>
+              <a:t>2</a:t>
+            </a:r>
+            <a:endParaRPr lang="en-US" dirty="0"/>
+          </a:p>
+        </p:txBody>
+      </p:sp>
+      <p:sp>
+        <p:nvSpPr>
+          <p:cNvPr id="53" name="TextBox 52">
+            <a:extLst>
+              <a:ext uri="{FF2B5EF4-FFF2-40B4-BE49-F238E27FC236}">
+                <a16:creationId xmlns:a16="http://schemas.microsoft.com/office/drawing/2014/main" id="{DD59C4B8-6A7E-48DD-8CA9-D1C3D243124D}"/>
+              </a:ext>
+            </a:extLst>
+          </p:cNvPr>
+          <p:cNvSpPr txBox="1"/>
+          <p:nvPr/>
+        </p:nvSpPr>
+        <p:spPr>
+          <a:xfrm>
+            <a:off x="5788528" y="4380260"/>
+            <a:ext cx="301686" cy="369332"/>
+          </a:xfrm>
+          <a:prstGeom prst="rect">
+            <a:avLst/>
+          </a:prstGeom>
+          <a:noFill/>
+        </p:spPr>
+        <p:txBody>
+          <a:bodyPr wrap="square" rtlCol="0">
+            <a:spAutoFit/>
+          </a:bodyPr>
+          <a:lstStyle/>
+          <a:p>
+            <a:r>
+              <a:rPr lang="it-IT" dirty="0"/>
+              <a:t>3</a:t>
+            </a:r>
+            <a:endParaRPr lang="en-US" dirty="0"/>
           </a:p>
         </p:txBody>
       </p:sp>
     </p:spTree>
     <p:extLst>
       <p:ext uri="{BB962C8B-B14F-4D97-AF65-F5344CB8AC3E}">
-        <p14:creationId xmlns:p14="http://schemas.microsoft.com/office/powerpoint/2010/main" val="3113791428"/>
+        <p14:creationId xmlns:p14="http://schemas.microsoft.com/office/powerpoint/2010/main" val="1290470023"/>
+      </p:ext>
+    </p:extLst>
+  </p:cSld>
+  <p:clrMapOvr>
+    <a:masterClrMapping/>
+  </p:clrMapOvr>
+</p:sld>
+</file>
+
+<file path=ppt/slides/slide9.xml><?xml version="1.0" encoding="utf-8"?>
+<p:sld xmlns:a="http://schemas.openxmlformats.org/drawingml/2006/main" xmlns:r="http://schemas.openxmlformats.org/officeDocument/2006/relationships" xmlns:p="http://schemas.openxmlformats.org/presentationml/2006/main">
+  <p:cSld>
+    <p:spTree>
+      <p:nvGrpSpPr>
+        <p:cNvPr id="1" name=""/>
+        <p:cNvGrpSpPr/>
+        <p:nvPr/>
+      </p:nvGrpSpPr>
+      <p:grpSpPr>
+        <a:xfrm>
+          <a:off x="0" y="0"/>
+          <a:ext cx="0" cy="0"/>
+          <a:chOff x="0" y="0"/>
+          <a:chExt cx="0" cy="0"/>
+        </a:xfrm>
+      </p:grpSpPr>
+      <p:sp>
+        <p:nvSpPr>
+          <p:cNvPr id="4" name="副标题 1"/>
+          <p:cNvSpPr txBox="1">
+            <a:spLocks/>
+          </p:cNvSpPr>
+          <p:nvPr/>
+        </p:nvSpPr>
+        <p:spPr>
+          <a:xfrm>
+            <a:off x="577972" y="391315"/>
+            <a:ext cx="11538935" cy="468323"/>
+          </a:xfrm>
+          <a:prstGeom prst="rect">
+            <a:avLst/>
+          </a:prstGeom>
+        </p:spPr>
+        <p:txBody>
+          <a:bodyPr vert="horz" lIns="121820" tIns="60911" rIns="121820" bIns="60911" rtlCol="0" anchor="ctr">
+            <a:noAutofit/>
+          </a:bodyPr>
+          <a:lstStyle>
+            <a:lvl1pPr marL="0" indent="0" algn="l" defTabSz="1187204" rtl="0" eaLnBrk="1" latinLnBrk="0" hangingPunct="1">
+              <a:lnSpc>
+                <a:spcPts val="3429"/>
+              </a:lnSpc>
+              <a:spcBef>
+                <a:spcPts val="0"/>
+              </a:spcBef>
+              <a:buFont typeface="Arial" panose="020B0604020202020204" pitchFamily="34" charset="0"/>
+              <a:buNone/>
+              <a:defRPr sz="3199" kern="1200" baseline="0">
+                <a:solidFill>
+                  <a:schemeClr val="tx1"/>
+                </a:solidFill>
+                <a:latin typeface="Microsoft YaHei" panose="020B0503020204020204" pitchFamily="34" charset="-122"/>
+                <a:ea typeface="Microsoft YaHei" panose="020B0503020204020204" pitchFamily="34" charset="-122"/>
+                <a:cs typeface="+mn-cs"/>
+              </a:defRPr>
+            </a:lvl1pPr>
+            <a:lvl2pPr marL="593603" indent="0" algn="ctr" defTabSz="1187204" rtl="0" eaLnBrk="1" latinLnBrk="0" hangingPunct="1">
+              <a:lnSpc>
+                <a:spcPct val="90000"/>
+              </a:lnSpc>
+              <a:spcBef>
+                <a:spcPts val="650"/>
+              </a:spcBef>
+              <a:buFont typeface="Arial" panose="020B0604020202020204" pitchFamily="34" charset="0"/>
+              <a:buNone/>
+              <a:defRPr sz="2597" kern="1200">
+                <a:solidFill>
+                  <a:schemeClr val="tx1"/>
+                </a:solidFill>
+                <a:latin typeface="+mn-lt"/>
+                <a:ea typeface="+mn-ea"/>
+                <a:cs typeface="+mn-cs"/>
+              </a:defRPr>
+            </a:lvl2pPr>
+            <a:lvl3pPr marL="1187204" indent="0" algn="ctr" defTabSz="1187204" rtl="0" eaLnBrk="1" latinLnBrk="0" hangingPunct="1">
+              <a:lnSpc>
+                <a:spcPct val="90000"/>
+              </a:lnSpc>
+              <a:spcBef>
+                <a:spcPts val="650"/>
+              </a:spcBef>
+              <a:buFont typeface="Arial" panose="020B0604020202020204" pitchFamily="34" charset="0"/>
+              <a:buNone/>
+              <a:defRPr sz="2337" kern="1200">
+                <a:solidFill>
+                  <a:schemeClr val="tx1"/>
+                </a:solidFill>
+                <a:latin typeface="+mn-lt"/>
+                <a:ea typeface="+mn-ea"/>
+                <a:cs typeface="+mn-cs"/>
+              </a:defRPr>
+            </a:lvl3pPr>
+            <a:lvl4pPr marL="1780808" indent="0" algn="ctr" defTabSz="1187204" rtl="0" eaLnBrk="1" latinLnBrk="0" hangingPunct="1">
+              <a:lnSpc>
+                <a:spcPct val="90000"/>
+              </a:lnSpc>
+              <a:spcBef>
+                <a:spcPts val="650"/>
+              </a:spcBef>
+              <a:buFont typeface="Arial" panose="020B0604020202020204" pitchFamily="34" charset="0"/>
+              <a:buNone/>
+              <a:defRPr sz="2078" kern="1200">
+                <a:solidFill>
+                  <a:schemeClr val="tx1"/>
+                </a:solidFill>
+                <a:latin typeface="+mn-lt"/>
+                <a:ea typeface="+mn-ea"/>
+                <a:cs typeface="+mn-cs"/>
+              </a:defRPr>
+            </a:lvl4pPr>
+            <a:lvl5pPr marL="2374411" indent="0" algn="ctr" defTabSz="1187204" rtl="0" eaLnBrk="1" latinLnBrk="0" hangingPunct="1">
+              <a:lnSpc>
+                <a:spcPct val="90000"/>
+              </a:lnSpc>
+              <a:spcBef>
+                <a:spcPts val="650"/>
+              </a:spcBef>
+              <a:buFont typeface="Arial" panose="020B0604020202020204" pitchFamily="34" charset="0"/>
+              <a:buNone/>
+              <a:defRPr sz="2078" kern="1200">
+                <a:solidFill>
+                  <a:schemeClr val="tx1"/>
+                </a:solidFill>
+                <a:latin typeface="+mn-lt"/>
+                <a:ea typeface="+mn-ea"/>
+                <a:cs typeface="+mn-cs"/>
+              </a:defRPr>
+            </a:lvl5pPr>
+            <a:lvl6pPr marL="2968012" indent="0" algn="ctr" defTabSz="1187204" rtl="0" eaLnBrk="1" latinLnBrk="0" hangingPunct="1">
+              <a:lnSpc>
+                <a:spcPct val="90000"/>
+              </a:lnSpc>
+              <a:spcBef>
+                <a:spcPts val="650"/>
+              </a:spcBef>
+              <a:buFont typeface="Arial" panose="020B0604020202020204" pitchFamily="34" charset="0"/>
+              <a:buNone/>
+              <a:defRPr sz="2078" kern="1200">
+                <a:solidFill>
+                  <a:schemeClr val="tx1"/>
+                </a:solidFill>
+                <a:latin typeface="+mn-lt"/>
+                <a:ea typeface="+mn-ea"/>
+                <a:cs typeface="+mn-cs"/>
+              </a:defRPr>
+            </a:lvl6pPr>
+            <a:lvl7pPr marL="3561615" indent="0" algn="ctr" defTabSz="1187204" rtl="0" eaLnBrk="1" latinLnBrk="0" hangingPunct="1">
+              <a:lnSpc>
+                <a:spcPct val="90000"/>
+              </a:lnSpc>
+              <a:spcBef>
+                <a:spcPts val="650"/>
+              </a:spcBef>
+              <a:buFont typeface="Arial" panose="020B0604020202020204" pitchFamily="34" charset="0"/>
+              <a:buNone/>
+              <a:defRPr sz="2078" kern="1200">
+                <a:solidFill>
+                  <a:schemeClr val="tx1"/>
+                </a:solidFill>
+                <a:latin typeface="+mn-lt"/>
+                <a:ea typeface="+mn-ea"/>
+                <a:cs typeface="+mn-cs"/>
+              </a:defRPr>
+            </a:lvl7pPr>
+            <a:lvl8pPr marL="4155218" indent="0" algn="ctr" defTabSz="1187204" rtl="0" eaLnBrk="1" latinLnBrk="0" hangingPunct="1">
+              <a:lnSpc>
+                <a:spcPct val="90000"/>
+              </a:lnSpc>
+              <a:spcBef>
+                <a:spcPts val="650"/>
+              </a:spcBef>
+              <a:buFont typeface="Arial" panose="020B0604020202020204" pitchFamily="34" charset="0"/>
+              <a:buNone/>
+              <a:defRPr sz="2078" kern="1200">
+                <a:solidFill>
+                  <a:schemeClr val="tx1"/>
+                </a:solidFill>
+                <a:latin typeface="+mn-lt"/>
+                <a:ea typeface="+mn-ea"/>
+                <a:cs typeface="+mn-cs"/>
+              </a:defRPr>
+            </a:lvl8pPr>
+            <a:lvl9pPr marL="4748820" indent="0" algn="ctr" defTabSz="1187204" rtl="0" eaLnBrk="1" latinLnBrk="0" hangingPunct="1">
+              <a:lnSpc>
+                <a:spcPct val="90000"/>
+              </a:lnSpc>
+              <a:spcBef>
+                <a:spcPts val="650"/>
+              </a:spcBef>
+              <a:buFont typeface="Arial" panose="020B0604020202020204" pitchFamily="34" charset="0"/>
+              <a:buNone/>
+              <a:defRPr sz="2078" kern="1200">
+                <a:solidFill>
+                  <a:schemeClr val="tx1"/>
+                </a:solidFill>
+                <a:latin typeface="+mn-lt"/>
+                <a:ea typeface="+mn-ea"/>
+                <a:cs typeface="+mn-cs"/>
+              </a:defRPr>
+            </a:lvl9pPr>
+          </a:lstStyle>
+          <a:p>
+            <a:pPr defTabSz="1218926">
+              <a:spcBef>
+                <a:spcPct val="0"/>
+              </a:spcBef>
+            </a:pPr>
+            <a:r>
+              <a:rPr lang="en-US" altLang="zh-CN" sz="3600" b="1" dirty="0">
+                <a:solidFill>
+                  <a:srgbClr val="C00000"/>
+                </a:solidFill>
+                <a:latin typeface="+mn-lt"/>
+                <a:ea typeface="+mj-ea"/>
+                <a:cs typeface="+mj-cs"/>
+                <a:sym typeface="Arial" panose="020B0604020202020204" pitchFamily="34" charset="0"/>
+              </a:rPr>
+              <a:t>Next Steps</a:t>
+            </a:r>
+          </a:p>
+        </p:txBody>
+      </p:sp>
+      <p:sp>
+        <p:nvSpPr>
+          <p:cNvPr id="5" name="文本框 4"/>
+          <p:cNvSpPr txBox="1"/>
+          <p:nvPr/>
+        </p:nvSpPr>
+        <p:spPr>
+          <a:xfrm>
+            <a:off x="577972" y="1114167"/>
+            <a:ext cx="10820400" cy="4154984"/>
+          </a:xfrm>
+          <a:prstGeom prst="rect">
+            <a:avLst/>
+          </a:prstGeom>
+          <a:noFill/>
+        </p:spPr>
+        <p:txBody>
+          <a:bodyPr wrap="square" rtlCol="0">
+            <a:spAutoFit/>
+          </a:bodyPr>
+          <a:lstStyle/>
+          <a:p>
+            <a:pPr marL="285750" indent="-285750">
+              <a:buFont typeface="Wingdings" panose="05000000000000000000" pitchFamily="2" charset="2"/>
+              <a:buChar char="Ø"/>
+            </a:pPr>
+            <a:r>
+              <a:rPr lang="it-IT" altLang="zh-CN" sz="2400" dirty="0"/>
+              <a:t>Continue coordination work with other inventory models (OPS area)</a:t>
+            </a:r>
+          </a:p>
+          <a:p>
+            <a:pPr marL="285750" indent="-285750">
+              <a:buFont typeface="Wingdings" panose="05000000000000000000" pitchFamily="2" charset="2"/>
+              <a:buChar char="Ø"/>
+            </a:pPr>
+            <a:r>
+              <a:rPr lang="it-IT" altLang="zh-CN" sz="2400" dirty="0"/>
+              <a:t>Provide some equipment configuration examples</a:t>
+            </a:r>
+            <a:endParaRPr lang="en-US" altLang="zh-CN" sz="2400" dirty="0"/>
+          </a:p>
+          <a:p>
+            <a:pPr marL="742950" lvl="1" indent="-285750">
+              <a:buFont typeface="Wingdings" panose="05000000000000000000" pitchFamily="2" charset="2"/>
+              <a:buChar char="Ø"/>
+            </a:pPr>
+            <a:r>
+              <a:rPr lang="en-US" altLang="zh-CN" sz="2400" dirty="0"/>
+              <a:t>Get more input from IP and microwave vendors/operators</a:t>
+            </a:r>
+          </a:p>
+          <a:p>
+            <a:pPr marL="285750" indent="-285750">
+              <a:buFont typeface="Wingdings" panose="05000000000000000000" pitchFamily="2" charset="2"/>
+              <a:buChar char="Ø"/>
+            </a:pPr>
+            <a:r>
+              <a:rPr lang="en-US" altLang="zh-CN" sz="2400" dirty="0"/>
+              <a:t>Identify some more component-specific attributes and introduce more component types</a:t>
+            </a:r>
+          </a:p>
+          <a:p>
+            <a:pPr marL="285750" indent="-285750">
+              <a:buFont typeface="Wingdings" panose="05000000000000000000" pitchFamily="2" charset="2"/>
+              <a:buChar char="Ø"/>
+            </a:pPr>
+            <a:r>
+              <a:rPr lang="en-US" altLang="zh-CN" sz="2400" dirty="0"/>
+              <a:t>Progressing to fix the remaining issues</a:t>
+            </a:r>
+          </a:p>
+          <a:p>
+            <a:endParaRPr lang="en-US" altLang="zh-CN" sz="2400" dirty="0"/>
+          </a:p>
+          <a:p>
+            <a:endParaRPr lang="en-US" altLang="zh-CN" sz="2400" dirty="0"/>
+          </a:p>
+          <a:p>
+            <a:r>
+              <a:rPr lang="en-US" altLang="zh-CN" sz="2400" dirty="0"/>
+              <a:t>Welcome to join our weekly discussion</a:t>
+            </a:r>
+          </a:p>
+          <a:p>
+            <a:pPr marL="285750" indent="-285750">
+              <a:buFont typeface="Wingdings" panose="05000000000000000000" pitchFamily="2" charset="2"/>
+              <a:buChar char="Ø"/>
+            </a:pPr>
+            <a:r>
+              <a:rPr lang="en-US" altLang="zh-CN" sz="2400" dirty="0"/>
+              <a:t>Meeting slot: Wednesday 3-4pm CEST (9-10am EDT)</a:t>
+            </a:r>
+          </a:p>
+          <a:p>
+            <a:pPr marL="285750" indent="-285750">
+              <a:buFont typeface="Wingdings" panose="05000000000000000000" pitchFamily="2" charset="2"/>
+              <a:buChar char="Ø"/>
+            </a:pPr>
+            <a:r>
+              <a:rPr lang="en-US" altLang="zh-CN" sz="2400" dirty="0" err="1"/>
+              <a:t>Github</a:t>
+            </a:r>
+            <a:r>
+              <a:rPr lang="en-US" altLang="zh-CN" sz="2400" dirty="0"/>
+              <a:t>: </a:t>
+            </a:r>
+            <a:r>
+              <a:rPr lang="en-US" altLang="zh-CN" sz="2400" dirty="0">
+                <a:hlinkClick r:id="rId2"/>
+              </a:rPr>
+              <a:t>https://github.com/ietf-ccamp-wg/ietf-network-inventory</a:t>
+            </a:r>
+            <a:endParaRPr lang="en-US" altLang="zh-CN" sz="2400" dirty="0"/>
+          </a:p>
+        </p:txBody>
+      </p:sp>
+      <p:sp>
+        <p:nvSpPr>
+          <p:cNvPr id="2" name="灯片编号占位符 1"/>
+          <p:cNvSpPr>
+            <a:spLocks noGrp="1"/>
+          </p:cNvSpPr>
+          <p:nvPr>
+            <p:ph type="sldNum" sz="quarter" idx="12"/>
+          </p:nvPr>
+        </p:nvSpPr>
+        <p:spPr/>
+        <p:txBody>
+          <a:bodyPr/>
+          <a:lstStyle/>
+          <a:p>
+            <a:fld id="{456C6BAF-A893-4D90-BFB4-BDE2C98C7EC3}" type="slidenum">
+              <a:rPr lang="zh-CN" altLang="en-US" smtClean="0"/>
+              <a:t>9</a:t>
+            </a:fld>
+            <a:endParaRPr lang="zh-CN" altLang="en-US"/>
+          </a:p>
+        </p:txBody>
+      </p:sp>
+    </p:spTree>
+    <p:extLst>
+      <p:ext uri="{BB962C8B-B14F-4D97-AF65-F5344CB8AC3E}">
+        <p14:creationId xmlns:p14="http://schemas.microsoft.com/office/powerpoint/2010/main" val="2970624621"/>
       </p:ext>
     </p:extLst>
   </p:cSld>

--- a/presentations/slides-116-ccamp-network-inventory-yang.pptx
+++ b/presentations/slides-116-ccamp-network-inventory-yang.pptx
@@ -226,7 +226,7 @@
           <a:p>
             <a:fld id="{106C5565-511A-49AE-BCE4-DDDB99F7260B}" type="datetimeFigureOut">
               <a:rPr lang="zh-CN" altLang="en-US" smtClean="0"/>
-              <a:t>2023/3/22</a:t>
+              <a:t>2023/3/23</a:t>
             </a:fld>
             <a:endParaRPr lang="zh-CN" altLang="en-US"/>
           </a:p>
@@ -939,7 +939,7 @@
           <a:p>
             <a:fld id="{715526FF-85B3-4CA0-AD65-81ECB5705A7C}" type="datetime1">
               <a:rPr lang="zh-CN" altLang="en-US" smtClean="0"/>
-              <a:t>2023/3/22</a:t>
+              <a:t>2023/3/23</a:t>
             </a:fld>
             <a:endParaRPr lang="zh-CN" altLang="en-US"/>
           </a:p>
@@ -1107,7 +1107,7 @@
           <a:p>
             <a:fld id="{F82ED595-090C-4A10-91CB-ED7FE50F6BB1}" type="datetime1">
               <a:rPr lang="zh-CN" altLang="en-US" smtClean="0"/>
-              <a:t>2023/3/22</a:t>
+              <a:t>2023/3/23</a:t>
             </a:fld>
             <a:endParaRPr lang="zh-CN" altLang="en-US"/>
           </a:p>
@@ -1285,7 +1285,7 @@
           <a:p>
             <a:fld id="{DC75363D-C0FE-43B5-A883-1A1521576BDD}" type="datetime1">
               <a:rPr lang="zh-CN" altLang="en-US" smtClean="0"/>
-              <a:t>2023/3/22</a:t>
+              <a:t>2023/3/23</a:t>
             </a:fld>
             <a:endParaRPr lang="zh-CN" altLang="en-US"/>
           </a:p>
@@ -1532,7 +1532,7 @@
                 </a:solidFill>
               </a:rPr>
               <a:pPr/>
-              <a:t>3/22/2023</a:t>
+              <a:t>3/23/2023</a:t>
             </a:fld>
             <a:endParaRPr lang="en-US">
               <a:solidFill>
@@ -1732,7 +1732,7 @@
                 </a:solidFill>
               </a:rPr>
               <a:pPr/>
-              <a:t>3/22/2023</a:t>
+              <a:t>3/23/2023</a:t>
             </a:fld>
             <a:endParaRPr lang="en-US">
               <a:solidFill>
@@ -2009,7 +2009,7 @@
                 </a:solidFill>
               </a:rPr>
               <a:pPr/>
-              <a:t>3/22/2023</a:t>
+              <a:t>3/23/2023</a:t>
             </a:fld>
             <a:endParaRPr lang="en-US">
               <a:solidFill>
@@ -2326,7 +2326,7 @@
                 </a:solidFill>
               </a:rPr>
               <a:pPr/>
-              <a:t>3/22/2023</a:t>
+              <a:t>3/23/2023</a:t>
             </a:fld>
             <a:endParaRPr lang="en-US">
               <a:solidFill>
@@ -2777,7 +2777,7 @@
                 </a:solidFill>
               </a:rPr>
               <a:pPr/>
-              <a:t>3/22/2023</a:t>
+              <a:t>3/23/2023</a:t>
             </a:fld>
             <a:endParaRPr lang="en-US">
               <a:solidFill>
@@ -2926,7 +2926,7 @@
                 </a:solidFill>
               </a:rPr>
               <a:pPr/>
-              <a:t>3/22/2023</a:t>
+              <a:t>3/23/2023</a:t>
             </a:fld>
             <a:endParaRPr lang="en-US">
               <a:solidFill>
@@ -3053,7 +3053,7 @@
                 </a:solidFill>
               </a:rPr>
               <a:pPr/>
-              <a:t>3/22/2023</a:t>
+              <a:t>3/23/2023</a:t>
             </a:fld>
             <a:endParaRPr lang="en-US">
               <a:solidFill>
@@ -3360,7 +3360,7 @@
                 </a:solidFill>
               </a:rPr>
               <a:pPr/>
-              <a:t>3/22/2023</a:t>
+              <a:t>3/23/2023</a:t>
             </a:fld>
             <a:endParaRPr lang="en-US">
               <a:solidFill>
@@ -3553,7 +3553,7 @@
           <a:p>
             <a:fld id="{08D0061A-14DF-4855-81BB-06E95B77AD5C}" type="datetime1">
               <a:rPr lang="zh-CN" altLang="en-US" smtClean="0"/>
-              <a:t>2023/3/22</a:t>
+              <a:t>2023/3/23</a:t>
             </a:fld>
             <a:endParaRPr lang="zh-CN" altLang="en-US"/>
           </a:p>
@@ -3812,7 +3812,7 @@
                 </a:solidFill>
               </a:rPr>
               <a:pPr/>
-              <a:t>3/22/2023</a:t>
+              <a:t>3/23/2023</a:t>
             </a:fld>
             <a:endParaRPr lang="en-US">
               <a:solidFill>
@@ -4012,7 +4012,7 @@
                 </a:solidFill>
               </a:rPr>
               <a:pPr/>
-              <a:t>3/22/2023</a:t>
+              <a:t>3/23/2023</a:t>
             </a:fld>
             <a:endParaRPr lang="en-US">
               <a:solidFill>
@@ -4222,7 +4222,7 @@
                 </a:solidFill>
               </a:rPr>
               <a:pPr/>
-              <a:t>3/22/2023</a:t>
+              <a:t>3/23/2023</a:t>
             </a:fld>
             <a:endParaRPr lang="en-US">
               <a:solidFill>
@@ -4492,7 +4492,7 @@
           <a:p>
             <a:fld id="{0B4BA1A6-D2AA-476D-948B-DB743D7DECDD}" type="datetime1">
               <a:rPr lang="zh-CN" altLang="en-US" smtClean="0"/>
-              <a:t>2023/3/22</a:t>
+              <a:t>2023/3/23</a:t>
             </a:fld>
             <a:endParaRPr lang="zh-CN" altLang="en-US"/>
           </a:p>
@@ -4721,7 +4721,7 @@
           <a:p>
             <a:fld id="{124D770F-1339-431B-88EB-10B29123A6F6}" type="datetime1">
               <a:rPr lang="zh-CN" altLang="en-US" smtClean="0"/>
-              <a:t>2023/3/22</a:t>
+              <a:t>2023/3/23</a:t>
             </a:fld>
             <a:endParaRPr lang="zh-CN" altLang="en-US"/>
           </a:p>
@@ -5085,7 +5085,7 @@
           <a:p>
             <a:fld id="{1C72909E-409D-4356-8630-E1991433C64E}" type="datetime1">
               <a:rPr lang="zh-CN" altLang="en-US" smtClean="0"/>
-              <a:t>2023/3/22</a:t>
+              <a:t>2023/3/23</a:t>
             </a:fld>
             <a:endParaRPr lang="zh-CN" altLang="en-US"/>
           </a:p>
@@ -5202,7 +5202,7 @@
           <a:p>
             <a:fld id="{845DEE53-45C0-44C9-AD00-C10FBAD6ECB5}" type="datetime1">
               <a:rPr lang="zh-CN" altLang="en-US" smtClean="0"/>
-              <a:t>2023/3/22</a:t>
+              <a:t>2023/3/23</a:t>
             </a:fld>
             <a:endParaRPr lang="zh-CN" altLang="en-US"/>
           </a:p>
@@ -5297,7 +5297,7 @@
           <a:p>
             <a:fld id="{CAD71525-02F0-42D8-A863-BA1066653254}" type="datetime1">
               <a:rPr lang="zh-CN" altLang="en-US" smtClean="0"/>
-              <a:t>2023/3/22</a:t>
+              <a:t>2023/3/23</a:t>
             </a:fld>
             <a:endParaRPr lang="zh-CN" altLang="en-US"/>
           </a:p>
@@ -5572,7 +5572,7 @@
           <a:p>
             <a:fld id="{B7D221AD-BE17-4FE5-A581-916515C1448F}" type="datetime1">
               <a:rPr lang="zh-CN" altLang="en-US" smtClean="0"/>
-              <a:t>2023/3/22</a:t>
+              <a:t>2023/3/23</a:t>
             </a:fld>
             <a:endParaRPr lang="zh-CN" altLang="en-US"/>
           </a:p>
@@ -5824,7 +5824,7 @@
           <a:p>
             <a:fld id="{77551E4A-5629-46DA-911A-714257F7D1BE}" type="datetime1">
               <a:rPr lang="zh-CN" altLang="en-US" smtClean="0"/>
-              <a:t>2023/3/22</a:t>
+              <a:t>2023/3/23</a:t>
             </a:fld>
             <a:endParaRPr lang="zh-CN" altLang="en-US"/>
           </a:p>
@@ -6035,7 +6035,7 @@
           <a:p>
             <a:fld id="{9A30BF6C-07B1-4599-B95D-0B5DE17A3B06}" type="datetime1">
               <a:rPr lang="zh-CN" altLang="en-US" smtClean="0"/>
-              <a:t>2023/3/22</a:t>
+              <a:t>2023/3/23</a:t>
             </a:fld>
             <a:endParaRPr lang="zh-CN" altLang="en-US"/>
           </a:p>
@@ -6581,7 +6581,7 @@
                 </a:solidFill>
               </a:rPr>
               <a:pPr/>
-              <a:t>3/22/2023</a:t>
+              <a:t>3/23/2023</a:t>
             </a:fld>
             <a:endParaRPr lang="en-US">
               <a:solidFill>
@@ -9265,7 +9265,7 @@
           <a:p>
             <a:pPr algn="l"/>
             <a:r>
-              <a:rPr lang="it-IT" altLang="zh-CN" sz="3600" b="1" dirty="0">
+              <a:rPr lang="it-IT" altLang="zh-CN" sz="3600" b="1">
                 <a:solidFill>
                   <a:srgbClr val="C00000"/>
                 </a:solidFill>
@@ -9291,7 +9291,7 @@
         <p:spPr>
           <a:xfrm>
             <a:off x="494270" y="1095620"/>
-            <a:ext cx="11269362" cy="671851"/>
+            <a:ext cx="11269362" cy="5021055"/>
           </a:xfrm>
           <a:prstGeom prst="rect">
             <a:avLst/>
@@ -9312,16 +9312,85 @@
               <a:buChar char="Ø"/>
             </a:pPr>
             <a:r>
-              <a:rPr lang="en-US" altLang="zh-CN" sz="2800" b="1" dirty="0"/>
-              <a:t>TBA (action to </a:t>
-            </a:r>
-            <a:r>
-              <a:rPr lang="en-US" altLang="zh-CN" sz="2800" b="1" dirty="0" err="1"/>
-              <a:t>Chaode</a:t>
-            </a:r>
-            <a:r>
-              <a:rPr lang="en-US" altLang="zh-CN" sz="2800" b="1" dirty="0"/>
-              <a:t>)</a:t>
+              <a:rPr lang="en-US" altLang="zh-CN" sz="2400" b="1" dirty="0"/>
+              <a:t>Hardware Inventory and Network Topology are different concepts</a:t>
+            </a:r>
+          </a:p>
+          <a:p>
+            <a:pPr marL="742950" lvl="1" indent="-285750">
+              <a:lnSpc>
+                <a:spcPct val="150000"/>
+              </a:lnSpc>
+              <a:buFont typeface="Wingdings" panose="05000000000000000000" pitchFamily="2" charset="2"/>
+              <a:buChar char="Ø"/>
+            </a:pPr>
+            <a:r>
+              <a:rPr lang="en-US" altLang="zh-CN" sz="2400" b="1" dirty="0"/>
+              <a:t>Hardware inventory is used for asset management</a:t>
+            </a:r>
+          </a:p>
+          <a:p>
+            <a:pPr marL="742950" lvl="1" indent="-285750">
+              <a:lnSpc>
+                <a:spcPct val="150000"/>
+              </a:lnSpc>
+              <a:buFont typeface="Wingdings" panose="05000000000000000000" pitchFamily="2" charset="2"/>
+              <a:buChar char="Ø"/>
+            </a:pPr>
+            <a:r>
+              <a:rPr lang="en-US" altLang="zh-CN" sz="2400" b="1" dirty="0"/>
+              <a:t>Network topology represents logical resources used for service provisioning</a:t>
+            </a:r>
+          </a:p>
+          <a:p>
+            <a:pPr marL="285750" indent="-285750">
+              <a:lnSpc>
+                <a:spcPct val="150000"/>
+              </a:lnSpc>
+              <a:buFont typeface="Wingdings" panose="05000000000000000000" pitchFamily="2" charset="2"/>
+              <a:buChar char="Ø"/>
+            </a:pPr>
+            <a:r>
+              <a:rPr lang="it-IT" altLang="zh-CN" sz="2400" b="1" dirty="0"/>
+              <a:t>Defining a new root avoids the need for the client to </a:t>
+            </a:r>
+            <a:r>
+              <a:rPr lang="en-US" altLang="zh-CN" sz="2400" b="1" dirty="0"/>
+              <a:t>do some filtering to recognize the network-id of the hardware inventory network instance</a:t>
+            </a:r>
+          </a:p>
+          <a:p>
+            <a:pPr marL="285750" indent="-285750">
+              <a:lnSpc>
+                <a:spcPct val="150000"/>
+              </a:lnSpc>
+              <a:buFont typeface="Wingdings" panose="05000000000000000000" pitchFamily="2" charset="2"/>
+              <a:buChar char="Ø"/>
+            </a:pPr>
+            <a:r>
+              <a:rPr lang="it-IT" altLang="zh-CN" sz="2400" b="1"/>
+              <a:t>No real advantages </a:t>
+            </a:r>
+            <a:r>
+              <a:rPr lang="it-IT" altLang="zh-CN" sz="2400" b="1" dirty="0"/>
+              <a:t>on re-using Network YANG model</a:t>
+            </a:r>
+          </a:p>
+          <a:p>
+            <a:pPr marL="742950" lvl="1" indent="-285750">
+              <a:lnSpc>
+                <a:spcPct val="150000"/>
+              </a:lnSpc>
+              <a:buFont typeface="Wingdings" panose="05000000000000000000" pitchFamily="2" charset="2"/>
+              <a:buChar char="Ø"/>
+            </a:pPr>
+            <a:r>
+              <a:rPr lang="it-IT" altLang="zh-CN" sz="2400" b="1" dirty="0"/>
+              <a:t>N</a:t>
+            </a:r>
+            <a:r>
+              <a:rPr lang="en-US" altLang="zh-CN" sz="2400" b="1" dirty="0"/>
+              <a:t>avigation from Network Topology and Network Hardware Inventory models requires anyhow some augmentations to the Network Topology YANG model (see next slide)</a:t>
             </a:r>
           </a:p>
         </p:txBody>
